--- a/ImageResources/ProjectFiles/menu.pptx
+++ b/ImageResources/ProjectFiles/menu.pptx
@@ -8,10 +8,24 @@
     <p:sldId id="260" r:id="rId2"/>
     <p:sldId id="265" r:id="rId3"/>
     <p:sldId id="266" r:id="rId4"/>
-    <p:sldId id="264" r:id="rId5"/>
-    <p:sldId id="261" r:id="rId6"/>
-    <p:sldId id="262" r:id="rId7"/>
-    <p:sldId id="263" r:id="rId8"/>
+    <p:sldId id="267" r:id="rId5"/>
+    <p:sldId id="264" r:id="rId6"/>
+    <p:sldId id="261" r:id="rId7"/>
+    <p:sldId id="262" r:id="rId8"/>
+    <p:sldId id="269" r:id="rId9"/>
+    <p:sldId id="270" r:id="rId10"/>
+    <p:sldId id="271" r:id="rId11"/>
+    <p:sldId id="272" r:id="rId12"/>
+    <p:sldId id="273" r:id="rId13"/>
+    <p:sldId id="274" r:id="rId14"/>
+    <p:sldId id="281" r:id="rId15"/>
+    <p:sldId id="282" r:id="rId16"/>
+    <p:sldId id="276" r:id="rId17"/>
+    <p:sldId id="283" r:id="rId18"/>
+    <p:sldId id="277" r:id="rId19"/>
+    <p:sldId id="278" r:id="rId20"/>
+    <p:sldId id="279" r:id="rId21"/>
+    <p:sldId id="280" r:id="rId22"/>
   </p:sldIdLst>
   <p:sldSz cx="9525000" cy="9525000"/>
   <p:notesSz cx="6858000" cy="9144000"/>
@@ -3431,6 +3445,3560 @@
 </p:sld>
 </file>
 
+<file path=ppt/slides/slide10.xml><?xml version="1.0" encoding="utf-8"?>
+<p:sld xmlns:a="http://schemas.openxmlformats.org/drawingml/2006/main" xmlns:r="http://schemas.openxmlformats.org/officeDocument/2006/relationships" xmlns:p="http://schemas.openxmlformats.org/presentationml/2006/main">
+  <p:cSld>
+    <p:spTree>
+      <p:nvGrpSpPr>
+        <p:cNvPr id="1" name=""/>
+        <p:cNvGrpSpPr/>
+        <p:nvPr/>
+      </p:nvGrpSpPr>
+      <p:grpSpPr>
+        <a:xfrm>
+          <a:off x="0" y="0"/>
+          <a:ext cx="0" cy="0"/>
+          <a:chOff x="0" y="0"/>
+          <a:chExt cx="0" cy="0"/>
+        </a:xfrm>
+      </p:grpSpPr>
+      <p:sp>
+        <p:nvSpPr>
+          <p:cNvPr id="2" name="Ellipse 1"/>
+          <p:cNvSpPr/>
+          <p:nvPr/>
+        </p:nvSpPr>
+        <p:spPr>
+          <a:xfrm>
+            <a:off x="793663" y="793663"/>
+            <a:ext cx="7937675" cy="7937675"/>
+          </a:xfrm>
+          <a:prstGeom prst="ellipse">
+            <a:avLst/>
+          </a:prstGeom>
+          <a:solidFill>
+            <a:srgbClr val="0070C0"/>
+          </a:solidFill>
+          <a:ln>
+            <a:noFill/>
+          </a:ln>
+        </p:spPr>
+        <p:style>
+          <a:lnRef idx="2">
+            <a:schemeClr val="accent1">
+              <a:shade val="50000"/>
+            </a:schemeClr>
+          </a:lnRef>
+          <a:fillRef idx="1">
+            <a:schemeClr val="accent1"/>
+          </a:fillRef>
+          <a:effectRef idx="0">
+            <a:schemeClr val="accent1"/>
+          </a:effectRef>
+          <a:fontRef idx="minor">
+            <a:schemeClr val="lt1"/>
+          </a:fontRef>
+        </p:style>
+        <p:txBody>
+          <a:bodyPr rtlCol="0" anchor="ctr"/>
+          <a:lstStyle/>
+          <a:p>
+            <a:pPr algn="ctr"/>
+            <a:endParaRPr lang="de-DE" sz="12172" b="1" dirty="0"/>
+          </a:p>
+        </p:txBody>
+      </p:sp>
+      <p:grpSp>
+        <p:nvGrpSpPr>
+          <p:cNvPr id="6" name="Gruppieren 5"/>
+          <p:cNvGrpSpPr>
+            <a:grpSpLocks noChangeAspect="1"/>
+          </p:cNvGrpSpPr>
+          <p:nvPr/>
+        </p:nvGrpSpPr>
+        <p:grpSpPr>
+          <a:xfrm>
+            <a:off x="4106695" y="1506897"/>
+            <a:ext cx="1311611" cy="6511208"/>
+            <a:chOff x="4884623" y="2852568"/>
+            <a:chExt cx="1030516" cy="5115774"/>
+          </a:xfrm>
+        </p:grpSpPr>
+        <p:sp>
+          <p:nvSpPr>
+            <p:cNvPr id="4" name="Rechteck: abgerundete Ecken 3"/>
+            <p:cNvSpPr/>
+            <p:nvPr/>
+          </p:nvSpPr>
+          <p:spPr>
+            <a:xfrm>
+              <a:off x="4884623" y="2852568"/>
+              <a:ext cx="1030515" cy="1074057"/>
+            </a:xfrm>
+            <a:prstGeom prst="roundRect">
+              <a:avLst>
+                <a:gd name="adj" fmla="val 49061"/>
+              </a:avLst>
+            </a:prstGeom>
+            <a:solidFill>
+              <a:schemeClr val="bg1"/>
+            </a:solidFill>
+            <a:ln>
+              <a:noFill/>
+            </a:ln>
+          </p:spPr>
+          <p:style>
+            <a:lnRef idx="2">
+              <a:schemeClr val="accent1">
+                <a:shade val="50000"/>
+              </a:schemeClr>
+            </a:lnRef>
+            <a:fillRef idx="1">
+              <a:schemeClr val="accent1"/>
+            </a:fillRef>
+            <a:effectRef idx="0">
+              <a:schemeClr val="accent1"/>
+            </a:effectRef>
+            <a:fontRef idx="minor">
+              <a:schemeClr val="lt1"/>
+            </a:fontRef>
+          </p:style>
+          <p:txBody>
+            <a:bodyPr rtlCol="0" anchor="ctr"/>
+            <a:lstStyle/>
+            <a:p>
+              <a:pPr algn="ctr"/>
+              <a:endParaRPr lang="de-DE" sz="1588"/>
+            </a:p>
+          </p:txBody>
+        </p:sp>
+        <p:sp>
+          <p:nvSpPr>
+            <p:cNvPr id="5" name="Rechteck: abgerundete Ecken 4"/>
+            <p:cNvSpPr/>
+            <p:nvPr/>
+          </p:nvSpPr>
+          <p:spPr>
+            <a:xfrm>
+              <a:off x="4884624" y="4339771"/>
+              <a:ext cx="1030515" cy="3628571"/>
+            </a:xfrm>
+            <a:prstGeom prst="roundRect">
+              <a:avLst/>
+            </a:prstGeom>
+            <a:solidFill>
+              <a:schemeClr val="bg1"/>
+            </a:solidFill>
+            <a:ln>
+              <a:noFill/>
+            </a:ln>
+          </p:spPr>
+          <p:style>
+            <a:lnRef idx="2">
+              <a:schemeClr val="accent1">
+                <a:shade val="50000"/>
+              </a:schemeClr>
+            </a:lnRef>
+            <a:fillRef idx="1">
+              <a:schemeClr val="accent1"/>
+            </a:fillRef>
+            <a:effectRef idx="0">
+              <a:schemeClr val="accent1"/>
+            </a:effectRef>
+            <a:fontRef idx="minor">
+              <a:schemeClr val="lt1"/>
+            </a:fontRef>
+          </p:style>
+          <p:txBody>
+            <a:bodyPr rtlCol="0" anchor="ctr"/>
+            <a:lstStyle/>
+            <a:p>
+              <a:pPr algn="ctr"/>
+              <a:endParaRPr lang="de-DE" sz="1588"/>
+            </a:p>
+          </p:txBody>
+        </p:sp>
+      </p:grpSp>
+    </p:spTree>
+    <p:extLst>
+      <p:ext uri="{BB962C8B-B14F-4D97-AF65-F5344CB8AC3E}">
+        <p14:creationId xmlns:p14="http://schemas.microsoft.com/office/powerpoint/2010/main" val="2120809125"/>
+      </p:ext>
+    </p:extLst>
+  </p:cSld>
+  <p:clrMapOvr>
+    <a:masterClrMapping/>
+  </p:clrMapOvr>
+</p:sld>
+</file>
+
+<file path=ppt/slides/slide11.xml><?xml version="1.0" encoding="utf-8"?>
+<p:sld xmlns:a="http://schemas.openxmlformats.org/drawingml/2006/main" xmlns:r="http://schemas.openxmlformats.org/officeDocument/2006/relationships" xmlns:p="http://schemas.openxmlformats.org/presentationml/2006/main">
+  <p:cSld>
+    <p:spTree>
+      <p:nvGrpSpPr>
+        <p:cNvPr id="1" name=""/>
+        <p:cNvGrpSpPr/>
+        <p:nvPr/>
+      </p:nvGrpSpPr>
+      <p:grpSpPr>
+        <a:xfrm>
+          <a:off x="0" y="0"/>
+          <a:ext cx="0" cy="0"/>
+          <a:chOff x="0" y="0"/>
+          <a:chExt cx="0" cy="0"/>
+        </a:xfrm>
+      </p:grpSpPr>
+      <p:sp>
+        <p:nvSpPr>
+          <p:cNvPr id="2" name="Ellipse 1"/>
+          <p:cNvSpPr/>
+          <p:nvPr/>
+        </p:nvSpPr>
+        <p:spPr>
+          <a:xfrm>
+            <a:off x="793663" y="793663"/>
+            <a:ext cx="7937675" cy="7937675"/>
+          </a:xfrm>
+          <a:prstGeom prst="ellipse">
+            <a:avLst/>
+          </a:prstGeom>
+          <a:solidFill>
+            <a:schemeClr val="accent2"/>
+          </a:solidFill>
+          <a:ln>
+            <a:noFill/>
+          </a:ln>
+        </p:spPr>
+        <p:style>
+          <a:lnRef idx="2">
+            <a:schemeClr val="accent1">
+              <a:shade val="50000"/>
+            </a:schemeClr>
+          </a:lnRef>
+          <a:fillRef idx="1">
+            <a:schemeClr val="accent1"/>
+          </a:fillRef>
+          <a:effectRef idx="0">
+            <a:schemeClr val="accent1"/>
+          </a:effectRef>
+          <a:fontRef idx="minor">
+            <a:schemeClr val="lt1"/>
+          </a:fontRef>
+        </p:style>
+        <p:txBody>
+          <a:bodyPr rtlCol="0" anchor="ctr"/>
+          <a:lstStyle/>
+          <a:p>
+            <a:pPr algn="ctr"/>
+            <a:endParaRPr lang="de-DE" sz="12172" b="1" dirty="0"/>
+          </a:p>
+        </p:txBody>
+      </p:sp>
+      <p:grpSp>
+        <p:nvGrpSpPr>
+          <p:cNvPr id="6" name="Gruppieren 5"/>
+          <p:cNvGrpSpPr>
+            <a:grpSpLocks noChangeAspect="1"/>
+          </p:cNvGrpSpPr>
+          <p:nvPr/>
+        </p:nvGrpSpPr>
+        <p:grpSpPr>
+          <a:xfrm rot="10800000">
+            <a:off x="4106695" y="1506897"/>
+            <a:ext cx="1311611" cy="6511208"/>
+            <a:chOff x="4884623" y="2852568"/>
+            <a:chExt cx="1030516" cy="5115774"/>
+          </a:xfrm>
+        </p:grpSpPr>
+        <p:sp>
+          <p:nvSpPr>
+            <p:cNvPr id="4" name="Rechteck: abgerundete Ecken 3"/>
+            <p:cNvSpPr/>
+            <p:nvPr/>
+          </p:nvSpPr>
+          <p:spPr>
+            <a:xfrm>
+              <a:off x="4884623" y="2852568"/>
+              <a:ext cx="1030515" cy="1074057"/>
+            </a:xfrm>
+            <a:prstGeom prst="roundRect">
+              <a:avLst>
+                <a:gd name="adj" fmla="val 49061"/>
+              </a:avLst>
+            </a:prstGeom>
+            <a:solidFill>
+              <a:schemeClr val="bg1"/>
+            </a:solidFill>
+            <a:ln>
+              <a:noFill/>
+            </a:ln>
+          </p:spPr>
+          <p:style>
+            <a:lnRef idx="2">
+              <a:schemeClr val="accent1">
+                <a:shade val="50000"/>
+              </a:schemeClr>
+            </a:lnRef>
+            <a:fillRef idx="1">
+              <a:schemeClr val="accent1"/>
+            </a:fillRef>
+            <a:effectRef idx="0">
+              <a:schemeClr val="accent1"/>
+            </a:effectRef>
+            <a:fontRef idx="minor">
+              <a:schemeClr val="lt1"/>
+            </a:fontRef>
+          </p:style>
+          <p:txBody>
+            <a:bodyPr rtlCol="0" anchor="ctr"/>
+            <a:lstStyle/>
+            <a:p>
+              <a:pPr algn="ctr"/>
+              <a:endParaRPr lang="de-DE" sz="1588"/>
+            </a:p>
+          </p:txBody>
+        </p:sp>
+        <p:sp>
+          <p:nvSpPr>
+            <p:cNvPr id="5" name="Rechteck: abgerundete Ecken 4"/>
+            <p:cNvSpPr/>
+            <p:nvPr/>
+          </p:nvSpPr>
+          <p:spPr>
+            <a:xfrm>
+              <a:off x="4884624" y="4339771"/>
+              <a:ext cx="1030515" cy="3628571"/>
+            </a:xfrm>
+            <a:prstGeom prst="roundRect">
+              <a:avLst/>
+            </a:prstGeom>
+            <a:solidFill>
+              <a:schemeClr val="bg1"/>
+            </a:solidFill>
+            <a:ln>
+              <a:noFill/>
+            </a:ln>
+          </p:spPr>
+          <p:style>
+            <a:lnRef idx="2">
+              <a:schemeClr val="accent1">
+                <a:shade val="50000"/>
+              </a:schemeClr>
+            </a:lnRef>
+            <a:fillRef idx="1">
+              <a:schemeClr val="accent1"/>
+            </a:fillRef>
+            <a:effectRef idx="0">
+              <a:schemeClr val="accent1"/>
+            </a:effectRef>
+            <a:fontRef idx="minor">
+              <a:schemeClr val="lt1"/>
+            </a:fontRef>
+          </p:style>
+          <p:txBody>
+            <a:bodyPr rtlCol="0" anchor="ctr"/>
+            <a:lstStyle/>
+            <a:p>
+              <a:pPr algn="ctr"/>
+              <a:endParaRPr lang="de-DE" sz="1588"/>
+            </a:p>
+          </p:txBody>
+        </p:sp>
+      </p:grpSp>
+    </p:spTree>
+    <p:extLst>
+      <p:ext uri="{BB962C8B-B14F-4D97-AF65-F5344CB8AC3E}">
+        <p14:creationId xmlns:p14="http://schemas.microsoft.com/office/powerpoint/2010/main" val="4287963141"/>
+      </p:ext>
+    </p:extLst>
+  </p:cSld>
+  <p:clrMapOvr>
+    <a:masterClrMapping/>
+  </p:clrMapOvr>
+</p:sld>
+</file>
+
+<file path=ppt/slides/slide12.xml><?xml version="1.0" encoding="utf-8"?>
+<p:sld xmlns:a="http://schemas.openxmlformats.org/drawingml/2006/main" xmlns:r="http://schemas.openxmlformats.org/officeDocument/2006/relationships" xmlns:p="http://schemas.openxmlformats.org/presentationml/2006/main">
+  <p:cSld>
+    <p:spTree>
+      <p:nvGrpSpPr>
+        <p:cNvPr id="1" name=""/>
+        <p:cNvGrpSpPr/>
+        <p:nvPr/>
+      </p:nvGrpSpPr>
+      <p:grpSpPr>
+        <a:xfrm>
+          <a:off x="0" y="0"/>
+          <a:ext cx="0" cy="0"/>
+          <a:chOff x="0" y="0"/>
+          <a:chExt cx="0" cy="0"/>
+        </a:xfrm>
+      </p:grpSpPr>
+      <p:sp>
+        <p:nvSpPr>
+          <p:cNvPr id="2" name="Ellipse 1"/>
+          <p:cNvSpPr/>
+          <p:nvPr/>
+        </p:nvSpPr>
+        <p:spPr>
+          <a:xfrm>
+            <a:off x="793663" y="793663"/>
+            <a:ext cx="7937675" cy="7937675"/>
+          </a:xfrm>
+          <a:prstGeom prst="ellipse">
+            <a:avLst/>
+          </a:prstGeom>
+          <a:solidFill>
+            <a:srgbClr val="0070C0"/>
+          </a:solidFill>
+          <a:ln>
+            <a:noFill/>
+          </a:ln>
+        </p:spPr>
+        <p:style>
+          <a:lnRef idx="2">
+            <a:schemeClr val="accent1">
+              <a:shade val="50000"/>
+            </a:schemeClr>
+          </a:lnRef>
+          <a:fillRef idx="1">
+            <a:schemeClr val="accent1"/>
+          </a:fillRef>
+          <a:effectRef idx="0">
+            <a:schemeClr val="accent1"/>
+          </a:effectRef>
+          <a:fontRef idx="minor">
+            <a:schemeClr val="lt1"/>
+          </a:fontRef>
+        </p:style>
+        <p:txBody>
+          <a:bodyPr rtlCol="0" anchor="ctr"/>
+          <a:lstStyle/>
+          <a:p>
+            <a:pPr algn="ctr"/>
+            <a:endParaRPr lang="de-DE" sz="12172" b="1" dirty="0"/>
+          </a:p>
+        </p:txBody>
+      </p:sp>
+      <p:sp>
+        <p:nvSpPr>
+          <p:cNvPr id="4" name="Gebogener Pfeil 3"/>
+          <p:cNvSpPr/>
+          <p:nvPr/>
+        </p:nvSpPr>
+        <p:spPr>
+          <a:xfrm>
+            <a:off x="793663" y="793663"/>
+            <a:ext cx="7937675" cy="7937675"/>
+          </a:xfrm>
+          <a:prstGeom prst="circularArrow">
+            <a:avLst>
+              <a:gd name="adj1" fmla="val 12032"/>
+              <a:gd name="adj2" fmla="val 2111964"/>
+              <a:gd name="adj3" fmla="val 19077580"/>
+              <a:gd name="adj4" fmla="val 1106756"/>
+              <a:gd name="adj5" fmla="val 17715"/>
+            </a:avLst>
+          </a:prstGeom>
+          <a:solidFill>
+            <a:schemeClr val="bg1"/>
+          </a:solidFill>
+          <a:ln>
+            <a:noFill/>
+          </a:ln>
+        </p:spPr>
+        <p:style>
+          <a:lnRef idx="2">
+            <a:schemeClr val="accent1">
+              <a:shade val="50000"/>
+            </a:schemeClr>
+          </a:lnRef>
+          <a:fillRef idx="1">
+            <a:schemeClr val="accent1"/>
+          </a:fillRef>
+          <a:effectRef idx="0">
+            <a:schemeClr val="accent1"/>
+          </a:effectRef>
+          <a:fontRef idx="minor">
+            <a:schemeClr val="lt1"/>
+          </a:fontRef>
+        </p:style>
+        <p:txBody>
+          <a:bodyPr rtlCol="0" anchor="ctr"/>
+          <a:lstStyle/>
+          <a:p>
+            <a:pPr algn="ctr"/>
+            <a:endParaRPr lang="de-DE" sz="1588">
+              <a:solidFill>
+                <a:schemeClr val="tx1"/>
+              </a:solidFill>
+            </a:endParaRPr>
+          </a:p>
+        </p:txBody>
+      </p:sp>
+    </p:spTree>
+    <p:extLst>
+      <p:ext uri="{BB962C8B-B14F-4D97-AF65-F5344CB8AC3E}">
+        <p14:creationId xmlns:p14="http://schemas.microsoft.com/office/powerpoint/2010/main" val="2215078800"/>
+      </p:ext>
+    </p:extLst>
+  </p:cSld>
+  <p:clrMapOvr>
+    <a:masterClrMapping/>
+  </p:clrMapOvr>
+</p:sld>
+</file>
+
+<file path=ppt/slides/slide13.xml><?xml version="1.0" encoding="utf-8"?>
+<p:sld xmlns:a="http://schemas.openxmlformats.org/drawingml/2006/main" xmlns:r="http://schemas.openxmlformats.org/officeDocument/2006/relationships" xmlns:p="http://schemas.openxmlformats.org/presentationml/2006/main">
+  <p:cSld>
+    <p:spTree>
+      <p:nvGrpSpPr>
+        <p:cNvPr id="1" name=""/>
+        <p:cNvGrpSpPr/>
+        <p:nvPr/>
+      </p:nvGrpSpPr>
+      <p:grpSpPr>
+        <a:xfrm>
+          <a:off x="0" y="0"/>
+          <a:ext cx="0" cy="0"/>
+          <a:chOff x="0" y="0"/>
+          <a:chExt cx="0" cy="0"/>
+        </a:xfrm>
+      </p:grpSpPr>
+      <p:sp>
+        <p:nvSpPr>
+          <p:cNvPr id="25" name="Rechteck: obere Ecken abgerundet 24"/>
+          <p:cNvSpPr/>
+          <p:nvPr/>
+        </p:nvSpPr>
+        <p:spPr>
+          <a:xfrm>
+            <a:off x="889775" y="814169"/>
+            <a:ext cx="7745451" cy="7896663"/>
+          </a:xfrm>
+          <a:prstGeom prst="round2SameRect">
+            <a:avLst>
+              <a:gd name="adj1" fmla="val 9292"/>
+              <a:gd name="adj2" fmla="val 0"/>
+            </a:avLst>
+          </a:prstGeom>
+          <a:solidFill>
+            <a:schemeClr val="bg1">
+              <a:lumMod val="85000"/>
+            </a:schemeClr>
+          </a:solidFill>
+          <a:ln>
+            <a:noFill/>
+          </a:ln>
+        </p:spPr>
+        <p:style>
+          <a:lnRef idx="2">
+            <a:schemeClr val="accent1">
+              <a:shade val="50000"/>
+            </a:schemeClr>
+          </a:lnRef>
+          <a:fillRef idx="1">
+            <a:schemeClr val="accent1"/>
+          </a:fillRef>
+          <a:effectRef idx="0">
+            <a:schemeClr val="accent1"/>
+          </a:effectRef>
+          <a:fontRef idx="minor">
+            <a:schemeClr val="lt1"/>
+          </a:fontRef>
+        </p:style>
+        <p:txBody>
+          <a:bodyPr rtlCol="0" anchor="ctr"/>
+          <a:lstStyle/>
+          <a:p>
+            <a:pPr algn="ctr"/>
+            <a:endParaRPr lang="de-DE" sz="1588"/>
+          </a:p>
+        </p:txBody>
+      </p:sp>
+      <p:sp>
+        <p:nvSpPr>
+          <p:cNvPr id="26" name="Rechteck: abgerundete Ecken 25"/>
+          <p:cNvSpPr/>
+          <p:nvPr/>
+        </p:nvSpPr>
+        <p:spPr>
+          <a:xfrm>
+            <a:off x="1428120" y="1243305"/>
+            <a:ext cx="6653359" cy="991283"/>
+          </a:xfrm>
+          <a:prstGeom prst="roundRect">
+            <a:avLst/>
+          </a:prstGeom>
+          <a:solidFill>
+            <a:schemeClr val="bg1"/>
+          </a:solidFill>
+          <a:ln>
+            <a:noFill/>
+          </a:ln>
+        </p:spPr>
+        <p:style>
+          <a:lnRef idx="2">
+            <a:schemeClr val="accent1">
+              <a:shade val="50000"/>
+            </a:schemeClr>
+          </a:lnRef>
+          <a:fillRef idx="1">
+            <a:schemeClr val="accent1"/>
+          </a:fillRef>
+          <a:effectRef idx="0">
+            <a:schemeClr val="accent1"/>
+          </a:effectRef>
+          <a:fontRef idx="minor">
+            <a:schemeClr val="lt1"/>
+          </a:fontRef>
+        </p:style>
+        <p:txBody>
+          <a:bodyPr rtlCol="0" anchor="ctr"/>
+          <a:lstStyle/>
+          <a:p>
+            <a:endParaRPr lang="de-DE" sz="7056" dirty="0">
+              <a:solidFill>
+                <a:schemeClr val="tx1"/>
+              </a:solidFill>
+            </a:endParaRPr>
+          </a:p>
+        </p:txBody>
+      </p:sp>
+      <p:sp>
+        <p:nvSpPr>
+          <p:cNvPr id="27" name="Rechteck: abgerundete Ecken 26"/>
+          <p:cNvSpPr/>
+          <p:nvPr/>
+        </p:nvSpPr>
+        <p:spPr>
+          <a:xfrm>
+            <a:off x="1428120" y="2688226"/>
+            <a:ext cx="6653359" cy="5611671"/>
+          </a:xfrm>
+          <a:prstGeom prst="roundRect">
+            <a:avLst>
+              <a:gd name="adj" fmla="val 4990"/>
+            </a:avLst>
+          </a:prstGeom>
+          <a:solidFill>
+            <a:schemeClr val="bg1"/>
+          </a:solidFill>
+          <a:ln>
+            <a:noFill/>
+          </a:ln>
+        </p:spPr>
+        <p:style>
+          <a:lnRef idx="2">
+            <a:schemeClr val="accent1">
+              <a:shade val="50000"/>
+            </a:schemeClr>
+          </a:lnRef>
+          <a:fillRef idx="1">
+            <a:schemeClr val="accent1"/>
+          </a:fillRef>
+          <a:effectRef idx="0">
+            <a:schemeClr val="accent1"/>
+          </a:effectRef>
+          <a:fontRef idx="minor">
+            <a:schemeClr val="lt1"/>
+          </a:fontRef>
+        </p:style>
+        <p:txBody>
+          <a:bodyPr rtlCol="0" anchor="ctr"/>
+          <a:lstStyle/>
+          <a:p>
+            <a:pPr algn="ctr"/>
+            <a:endParaRPr lang="de-DE" sz="1588"/>
+          </a:p>
+        </p:txBody>
+      </p:sp>
+      <p:sp>
+        <p:nvSpPr>
+          <p:cNvPr id="2" name="Freihandform 1"/>
+          <p:cNvSpPr/>
+          <p:nvPr/>
+        </p:nvSpPr>
+        <p:spPr>
+          <a:xfrm>
+            <a:off x="1619250" y="1523957"/>
+            <a:ext cx="5410200" cy="552493"/>
+          </a:xfrm>
+          <a:custGeom>
+            <a:avLst/>
+            <a:gdLst>
+              <a:gd name="connsiteX0" fmla="*/ 0 w 5410200"/>
+              <a:gd name="connsiteY0" fmla="*/ 342943 h 552493"/>
+              <a:gd name="connsiteX1" fmla="*/ 457200 w 5410200"/>
+              <a:gd name="connsiteY1" fmla="*/ 43 h 552493"/>
+              <a:gd name="connsiteX2" fmla="*/ 1085850 w 5410200"/>
+              <a:gd name="connsiteY2" fmla="*/ 361993 h 552493"/>
+              <a:gd name="connsiteX3" fmla="*/ 1676400 w 5410200"/>
+              <a:gd name="connsiteY3" fmla="*/ 57193 h 552493"/>
+              <a:gd name="connsiteX4" fmla="*/ 2838450 w 5410200"/>
+              <a:gd name="connsiteY4" fmla="*/ 457243 h 552493"/>
+              <a:gd name="connsiteX5" fmla="*/ 3162300 w 5410200"/>
+              <a:gd name="connsiteY5" fmla="*/ 38143 h 552493"/>
+              <a:gd name="connsiteX6" fmla="*/ 4762500 w 5410200"/>
+              <a:gd name="connsiteY6" fmla="*/ 552493 h 552493"/>
+              <a:gd name="connsiteX7" fmla="*/ 5410200 w 5410200"/>
+              <a:gd name="connsiteY7" fmla="*/ 38143 h 552493"/>
+            </a:gdLst>
+            <a:ahLst/>
+            <a:cxnLst>
+              <a:cxn ang="0">
+                <a:pos x="connsiteX0" y="connsiteY0"/>
+              </a:cxn>
+              <a:cxn ang="0">
+                <a:pos x="connsiteX1" y="connsiteY1"/>
+              </a:cxn>
+              <a:cxn ang="0">
+                <a:pos x="connsiteX2" y="connsiteY2"/>
+              </a:cxn>
+              <a:cxn ang="0">
+                <a:pos x="connsiteX3" y="connsiteY3"/>
+              </a:cxn>
+              <a:cxn ang="0">
+                <a:pos x="connsiteX4" y="connsiteY4"/>
+              </a:cxn>
+              <a:cxn ang="0">
+                <a:pos x="connsiteX5" y="connsiteY5"/>
+              </a:cxn>
+              <a:cxn ang="0">
+                <a:pos x="connsiteX6" y="connsiteY6"/>
+              </a:cxn>
+              <a:cxn ang="0">
+                <a:pos x="connsiteX7" y="connsiteY7"/>
+              </a:cxn>
+            </a:cxnLst>
+            <a:rect l="l" t="t" r="r" b="b"/>
+            <a:pathLst>
+              <a:path w="5410200" h="552493">
+                <a:moveTo>
+                  <a:pt x="0" y="342943"/>
+                </a:moveTo>
+                <a:cubicBezTo>
+                  <a:pt x="138112" y="169905"/>
+                  <a:pt x="276225" y="-3132"/>
+                  <a:pt x="457200" y="43"/>
+                </a:cubicBezTo>
+                <a:cubicBezTo>
+                  <a:pt x="638175" y="3218"/>
+                  <a:pt x="882650" y="352468"/>
+                  <a:pt x="1085850" y="361993"/>
+                </a:cubicBezTo>
+                <a:cubicBezTo>
+                  <a:pt x="1289050" y="371518"/>
+                  <a:pt x="1384300" y="41318"/>
+                  <a:pt x="1676400" y="57193"/>
+                </a:cubicBezTo>
+                <a:cubicBezTo>
+                  <a:pt x="1968500" y="73068"/>
+                  <a:pt x="2590800" y="460418"/>
+                  <a:pt x="2838450" y="457243"/>
+                </a:cubicBezTo>
+                <a:cubicBezTo>
+                  <a:pt x="3086100" y="454068"/>
+                  <a:pt x="2841625" y="22268"/>
+                  <a:pt x="3162300" y="38143"/>
+                </a:cubicBezTo>
+                <a:cubicBezTo>
+                  <a:pt x="3482975" y="54018"/>
+                  <a:pt x="4387850" y="552493"/>
+                  <a:pt x="4762500" y="552493"/>
+                </a:cubicBezTo>
+                <a:cubicBezTo>
+                  <a:pt x="5137150" y="552493"/>
+                  <a:pt x="5273675" y="295318"/>
+                  <a:pt x="5410200" y="38143"/>
+                </a:cubicBezTo>
+              </a:path>
+            </a:pathLst>
+          </a:custGeom>
+          <a:noFill/>
+          <a:ln w="76200">
+            <a:solidFill>
+              <a:schemeClr val="tx1"/>
+            </a:solidFill>
+          </a:ln>
+        </p:spPr>
+        <p:style>
+          <a:lnRef idx="2">
+            <a:schemeClr val="accent1">
+              <a:shade val="50000"/>
+            </a:schemeClr>
+          </a:lnRef>
+          <a:fillRef idx="1">
+            <a:schemeClr val="accent1"/>
+          </a:fillRef>
+          <a:effectRef idx="0">
+            <a:schemeClr val="accent1"/>
+          </a:effectRef>
+          <a:fontRef idx="minor">
+            <a:schemeClr val="lt1"/>
+          </a:fontRef>
+        </p:style>
+        <p:txBody>
+          <a:bodyPr rtlCol="0" anchor="ctr"/>
+          <a:lstStyle/>
+          <a:p>
+            <a:pPr algn="ctr"/>
+            <a:endParaRPr lang="de-DE"/>
+          </a:p>
+        </p:txBody>
+      </p:sp>
+      <p:sp>
+        <p:nvSpPr>
+          <p:cNvPr id="3" name="Rechteck 2"/>
+          <p:cNvSpPr/>
+          <p:nvPr/>
+        </p:nvSpPr>
+        <p:spPr>
+          <a:xfrm>
+            <a:off x="2000250" y="3048756"/>
+            <a:ext cx="5524500" cy="1047750"/>
+          </a:xfrm>
+          <a:prstGeom prst="rect">
+            <a:avLst/>
+          </a:prstGeom>
+          <a:solidFill>
+            <a:schemeClr val="bg1">
+              <a:lumMod val="95000"/>
+            </a:schemeClr>
+          </a:solidFill>
+          <a:ln>
+            <a:noFill/>
+          </a:ln>
+        </p:spPr>
+        <p:style>
+          <a:lnRef idx="2">
+            <a:schemeClr val="accent1">
+              <a:shade val="50000"/>
+            </a:schemeClr>
+          </a:lnRef>
+          <a:fillRef idx="1">
+            <a:schemeClr val="accent1"/>
+          </a:fillRef>
+          <a:effectRef idx="0">
+            <a:schemeClr val="accent1"/>
+          </a:effectRef>
+          <a:fontRef idx="minor">
+            <a:schemeClr val="lt1"/>
+          </a:fontRef>
+        </p:style>
+        <p:txBody>
+          <a:bodyPr rtlCol="0" anchor="ctr"/>
+          <a:lstStyle/>
+          <a:p>
+            <a:pPr algn="ctr"/>
+            <a:endParaRPr lang="de-DE"/>
+          </a:p>
+        </p:txBody>
+      </p:sp>
+      <p:sp>
+        <p:nvSpPr>
+          <p:cNvPr id="8" name="Rechteck 7"/>
+          <p:cNvSpPr/>
+          <p:nvPr/>
+        </p:nvSpPr>
+        <p:spPr>
+          <a:xfrm>
+            <a:off x="2000250" y="4435002"/>
+            <a:ext cx="5524500" cy="377172"/>
+          </a:xfrm>
+          <a:prstGeom prst="rect">
+            <a:avLst/>
+          </a:prstGeom>
+          <a:solidFill>
+            <a:schemeClr val="bg1">
+              <a:lumMod val="95000"/>
+            </a:schemeClr>
+          </a:solidFill>
+          <a:ln>
+            <a:noFill/>
+          </a:ln>
+        </p:spPr>
+        <p:style>
+          <a:lnRef idx="2">
+            <a:schemeClr val="accent1">
+              <a:shade val="50000"/>
+            </a:schemeClr>
+          </a:lnRef>
+          <a:fillRef idx="1">
+            <a:schemeClr val="accent1"/>
+          </a:fillRef>
+          <a:effectRef idx="0">
+            <a:schemeClr val="accent1"/>
+          </a:effectRef>
+          <a:fontRef idx="minor">
+            <a:schemeClr val="lt1"/>
+          </a:fontRef>
+        </p:style>
+        <p:txBody>
+          <a:bodyPr rtlCol="0" anchor="ctr"/>
+          <a:lstStyle/>
+          <a:p>
+            <a:pPr algn="ctr"/>
+            <a:endParaRPr lang="de-DE"/>
+          </a:p>
+        </p:txBody>
+      </p:sp>
+      <p:sp>
+        <p:nvSpPr>
+          <p:cNvPr id="9" name="Rechteck 8"/>
+          <p:cNvSpPr/>
+          <p:nvPr/>
+        </p:nvSpPr>
+        <p:spPr>
+          <a:xfrm>
+            <a:off x="2000250" y="5150670"/>
+            <a:ext cx="5524500" cy="377172"/>
+          </a:xfrm>
+          <a:prstGeom prst="rect">
+            <a:avLst/>
+          </a:prstGeom>
+          <a:solidFill>
+            <a:schemeClr val="bg1">
+              <a:lumMod val="95000"/>
+            </a:schemeClr>
+          </a:solidFill>
+          <a:ln>
+            <a:noFill/>
+          </a:ln>
+        </p:spPr>
+        <p:style>
+          <a:lnRef idx="2">
+            <a:schemeClr val="accent1">
+              <a:shade val="50000"/>
+            </a:schemeClr>
+          </a:lnRef>
+          <a:fillRef idx="1">
+            <a:schemeClr val="accent1"/>
+          </a:fillRef>
+          <a:effectRef idx="0">
+            <a:schemeClr val="accent1"/>
+          </a:effectRef>
+          <a:fontRef idx="minor">
+            <a:schemeClr val="lt1"/>
+          </a:fontRef>
+        </p:style>
+        <p:txBody>
+          <a:bodyPr rtlCol="0" anchor="ctr"/>
+          <a:lstStyle/>
+          <a:p>
+            <a:pPr algn="ctr"/>
+            <a:endParaRPr lang="de-DE"/>
+          </a:p>
+        </p:txBody>
+      </p:sp>
+      <p:sp>
+        <p:nvSpPr>
+          <p:cNvPr id="10" name="Rechteck 9"/>
+          <p:cNvSpPr/>
+          <p:nvPr/>
+        </p:nvSpPr>
+        <p:spPr>
+          <a:xfrm>
+            <a:off x="2000250" y="5866338"/>
+            <a:ext cx="5524500" cy="377172"/>
+          </a:xfrm>
+          <a:prstGeom prst="rect">
+            <a:avLst/>
+          </a:prstGeom>
+          <a:solidFill>
+            <a:schemeClr val="bg1">
+              <a:lumMod val="95000"/>
+            </a:schemeClr>
+          </a:solidFill>
+          <a:ln>
+            <a:noFill/>
+          </a:ln>
+        </p:spPr>
+        <p:style>
+          <a:lnRef idx="2">
+            <a:schemeClr val="accent1">
+              <a:shade val="50000"/>
+            </a:schemeClr>
+          </a:lnRef>
+          <a:fillRef idx="1">
+            <a:schemeClr val="accent1"/>
+          </a:fillRef>
+          <a:effectRef idx="0">
+            <a:schemeClr val="accent1"/>
+          </a:effectRef>
+          <a:fontRef idx="minor">
+            <a:schemeClr val="lt1"/>
+          </a:fontRef>
+        </p:style>
+        <p:txBody>
+          <a:bodyPr rtlCol="0" anchor="ctr"/>
+          <a:lstStyle/>
+          <a:p>
+            <a:pPr algn="ctr"/>
+            <a:endParaRPr lang="de-DE"/>
+          </a:p>
+        </p:txBody>
+      </p:sp>
+      <p:sp>
+        <p:nvSpPr>
+          <p:cNvPr id="11" name="Rechteck 10"/>
+          <p:cNvSpPr/>
+          <p:nvPr/>
+        </p:nvSpPr>
+        <p:spPr>
+          <a:xfrm>
+            <a:off x="2000250" y="6582006"/>
+            <a:ext cx="5524500" cy="377172"/>
+          </a:xfrm>
+          <a:prstGeom prst="rect">
+            <a:avLst/>
+          </a:prstGeom>
+          <a:solidFill>
+            <a:schemeClr val="bg1">
+              <a:lumMod val="95000"/>
+            </a:schemeClr>
+          </a:solidFill>
+          <a:ln>
+            <a:noFill/>
+          </a:ln>
+        </p:spPr>
+        <p:style>
+          <a:lnRef idx="2">
+            <a:schemeClr val="accent1">
+              <a:shade val="50000"/>
+            </a:schemeClr>
+          </a:lnRef>
+          <a:fillRef idx="1">
+            <a:schemeClr val="accent1"/>
+          </a:fillRef>
+          <a:effectRef idx="0">
+            <a:schemeClr val="accent1"/>
+          </a:effectRef>
+          <a:fontRef idx="minor">
+            <a:schemeClr val="lt1"/>
+          </a:fontRef>
+        </p:style>
+        <p:txBody>
+          <a:bodyPr rtlCol="0" anchor="ctr"/>
+          <a:lstStyle/>
+          <a:p>
+            <a:pPr algn="ctr"/>
+            <a:endParaRPr lang="de-DE"/>
+          </a:p>
+        </p:txBody>
+      </p:sp>
+      <p:sp>
+        <p:nvSpPr>
+          <p:cNvPr id="12" name="Rechteck 11"/>
+          <p:cNvSpPr/>
+          <p:nvPr/>
+        </p:nvSpPr>
+        <p:spPr>
+          <a:xfrm>
+            <a:off x="2000250" y="7297675"/>
+            <a:ext cx="5524500" cy="377172"/>
+          </a:xfrm>
+          <a:prstGeom prst="rect">
+            <a:avLst/>
+          </a:prstGeom>
+          <a:solidFill>
+            <a:schemeClr val="bg1">
+              <a:lumMod val="95000"/>
+            </a:schemeClr>
+          </a:solidFill>
+          <a:ln>
+            <a:noFill/>
+          </a:ln>
+        </p:spPr>
+        <p:style>
+          <a:lnRef idx="2">
+            <a:schemeClr val="accent1">
+              <a:shade val="50000"/>
+            </a:schemeClr>
+          </a:lnRef>
+          <a:fillRef idx="1">
+            <a:schemeClr val="accent1"/>
+          </a:fillRef>
+          <a:effectRef idx="0">
+            <a:schemeClr val="accent1"/>
+          </a:effectRef>
+          <a:fontRef idx="minor">
+            <a:schemeClr val="lt1"/>
+          </a:fontRef>
+        </p:style>
+        <p:txBody>
+          <a:bodyPr rtlCol="0" anchor="ctr"/>
+          <a:lstStyle/>
+          <a:p>
+            <a:pPr algn="ctr"/>
+            <a:endParaRPr lang="de-DE"/>
+          </a:p>
+        </p:txBody>
+      </p:sp>
+    </p:spTree>
+    <p:extLst>
+      <p:ext uri="{BB962C8B-B14F-4D97-AF65-F5344CB8AC3E}">
+        <p14:creationId xmlns:p14="http://schemas.microsoft.com/office/powerpoint/2010/main" val="2326422131"/>
+      </p:ext>
+    </p:extLst>
+  </p:cSld>
+  <p:clrMapOvr>
+    <a:masterClrMapping/>
+  </p:clrMapOvr>
+</p:sld>
+</file>
+
+<file path=ppt/slides/slide14.xml><?xml version="1.0" encoding="utf-8"?>
+<p:sld xmlns:a="http://schemas.openxmlformats.org/drawingml/2006/main" xmlns:r="http://schemas.openxmlformats.org/officeDocument/2006/relationships" xmlns:p="http://schemas.openxmlformats.org/presentationml/2006/main">
+  <p:cSld>
+    <p:spTree>
+      <p:nvGrpSpPr>
+        <p:cNvPr id="1" name=""/>
+        <p:cNvGrpSpPr/>
+        <p:nvPr/>
+      </p:nvGrpSpPr>
+      <p:grpSpPr>
+        <a:xfrm>
+          <a:off x="0" y="0"/>
+          <a:ext cx="0" cy="0"/>
+          <a:chOff x="0" y="0"/>
+          <a:chExt cx="0" cy="0"/>
+        </a:xfrm>
+      </p:grpSpPr>
+      <p:sp>
+        <p:nvSpPr>
+          <p:cNvPr id="25" name="Rechteck: obere Ecken abgerundet 24"/>
+          <p:cNvSpPr/>
+          <p:nvPr/>
+        </p:nvSpPr>
+        <p:spPr>
+          <a:xfrm>
+            <a:off x="889775" y="814169"/>
+            <a:ext cx="7745451" cy="7896663"/>
+          </a:xfrm>
+          <a:prstGeom prst="round2SameRect">
+            <a:avLst>
+              <a:gd name="adj1" fmla="val 9292"/>
+              <a:gd name="adj2" fmla="val 0"/>
+            </a:avLst>
+          </a:prstGeom>
+          <a:solidFill>
+            <a:schemeClr val="bg1">
+              <a:lumMod val="85000"/>
+            </a:schemeClr>
+          </a:solidFill>
+          <a:ln>
+            <a:noFill/>
+          </a:ln>
+        </p:spPr>
+        <p:style>
+          <a:lnRef idx="2">
+            <a:schemeClr val="accent1">
+              <a:shade val="50000"/>
+            </a:schemeClr>
+          </a:lnRef>
+          <a:fillRef idx="1">
+            <a:schemeClr val="accent1"/>
+          </a:fillRef>
+          <a:effectRef idx="0">
+            <a:schemeClr val="accent1"/>
+          </a:effectRef>
+          <a:fontRef idx="minor">
+            <a:schemeClr val="lt1"/>
+          </a:fontRef>
+        </p:style>
+        <p:txBody>
+          <a:bodyPr rtlCol="0" anchor="ctr"/>
+          <a:lstStyle/>
+          <a:p>
+            <a:pPr algn="ctr"/>
+            <a:endParaRPr lang="de-DE" sz="1588"/>
+          </a:p>
+        </p:txBody>
+      </p:sp>
+      <p:sp>
+        <p:nvSpPr>
+          <p:cNvPr id="26" name="Rechteck: abgerundete Ecken 25"/>
+          <p:cNvSpPr/>
+          <p:nvPr/>
+        </p:nvSpPr>
+        <p:spPr>
+          <a:xfrm>
+            <a:off x="1428120" y="1243305"/>
+            <a:ext cx="6653359" cy="991283"/>
+          </a:xfrm>
+          <a:prstGeom prst="roundRect">
+            <a:avLst/>
+          </a:prstGeom>
+          <a:solidFill>
+            <a:schemeClr val="bg1"/>
+          </a:solidFill>
+          <a:ln>
+            <a:noFill/>
+          </a:ln>
+        </p:spPr>
+        <p:style>
+          <a:lnRef idx="2">
+            <a:schemeClr val="accent1">
+              <a:shade val="50000"/>
+            </a:schemeClr>
+          </a:lnRef>
+          <a:fillRef idx="1">
+            <a:schemeClr val="accent1"/>
+          </a:fillRef>
+          <a:effectRef idx="0">
+            <a:schemeClr val="accent1"/>
+          </a:effectRef>
+          <a:fontRef idx="minor">
+            <a:schemeClr val="lt1"/>
+          </a:fontRef>
+        </p:style>
+        <p:txBody>
+          <a:bodyPr rtlCol="0" anchor="ctr"/>
+          <a:lstStyle/>
+          <a:p>
+            <a:endParaRPr lang="de-DE" sz="7056" dirty="0">
+              <a:solidFill>
+                <a:schemeClr val="tx1"/>
+              </a:solidFill>
+            </a:endParaRPr>
+          </a:p>
+        </p:txBody>
+      </p:sp>
+      <p:sp>
+        <p:nvSpPr>
+          <p:cNvPr id="27" name="Rechteck: abgerundete Ecken 26"/>
+          <p:cNvSpPr/>
+          <p:nvPr/>
+        </p:nvSpPr>
+        <p:spPr>
+          <a:xfrm>
+            <a:off x="1428120" y="2688226"/>
+            <a:ext cx="6653359" cy="5611671"/>
+          </a:xfrm>
+          <a:prstGeom prst="roundRect">
+            <a:avLst>
+              <a:gd name="adj" fmla="val 4990"/>
+            </a:avLst>
+          </a:prstGeom>
+          <a:solidFill>
+            <a:schemeClr val="bg1"/>
+          </a:solidFill>
+          <a:ln>
+            <a:noFill/>
+          </a:ln>
+        </p:spPr>
+        <p:style>
+          <a:lnRef idx="2">
+            <a:schemeClr val="accent1">
+              <a:shade val="50000"/>
+            </a:schemeClr>
+          </a:lnRef>
+          <a:fillRef idx="1">
+            <a:schemeClr val="accent1"/>
+          </a:fillRef>
+          <a:effectRef idx="0">
+            <a:schemeClr val="accent1"/>
+          </a:effectRef>
+          <a:fontRef idx="minor">
+            <a:schemeClr val="lt1"/>
+          </a:fontRef>
+        </p:style>
+        <p:txBody>
+          <a:bodyPr rtlCol="0" anchor="ctr"/>
+          <a:lstStyle/>
+          <a:p>
+            <a:pPr algn="ctr"/>
+            <a:endParaRPr lang="de-DE" sz="1588"/>
+          </a:p>
+        </p:txBody>
+      </p:sp>
+      <p:sp>
+        <p:nvSpPr>
+          <p:cNvPr id="2" name="Freihandform 1"/>
+          <p:cNvSpPr/>
+          <p:nvPr/>
+        </p:nvSpPr>
+        <p:spPr>
+          <a:xfrm>
+            <a:off x="1619250" y="1523957"/>
+            <a:ext cx="5410200" cy="552493"/>
+          </a:xfrm>
+          <a:custGeom>
+            <a:avLst/>
+            <a:gdLst>
+              <a:gd name="connsiteX0" fmla="*/ 0 w 5410200"/>
+              <a:gd name="connsiteY0" fmla="*/ 342943 h 552493"/>
+              <a:gd name="connsiteX1" fmla="*/ 457200 w 5410200"/>
+              <a:gd name="connsiteY1" fmla="*/ 43 h 552493"/>
+              <a:gd name="connsiteX2" fmla="*/ 1085850 w 5410200"/>
+              <a:gd name="connsiteY2" fmla="*/ 361993 h 552493"/>
+              <a:gd name="connsiteX3" fmla="*/ 1676400 w 5410200"/>
+              <a:gd name="connsiteY3" fmla="*/ 57193 h 552493"/>
+              <a:gd name="connsiteX4" fmla="*/ 2838450 w 5410200"/>
+              <a:gd name="connsiteY4" fmla="*/ 457243 h 552493"/>
+              <a:gd name="connsiteX5" fmla="*/ 3162300 w 5410200"/>
+              <a:gd name="connsiteY5" fmla="*/ 38143 h 552493"/>
+              <a:gd name="connsiteX6" fmla="*/ 4762500 w 5410200"/>
+              <a:gd name="connsiteY6" fmla="*/ 552493 h 552493"/>
+              <a:gd name="connsiteX7" fmla="*/ 5410200 w 5410200"/>
+              <a:gd name="connsiteY7" fmla="*/ 38143 h 552493"/>
+            </a:gdLst>
+            <a:ahLst/>
+            <a:cxnLst>
+              <a:cxn ang="0">
+                <a:pos x="connsiteX0" y="connsiteY0"/>
+              </a:cxn>
+              <a:cxn ang="0">
+                <a:pos x="connsiteX1" y="connsiteY1"/>
+              </a:cxn>
+              <a:cxn ang="0">
+                <a:pos x="connsiteX2" y="connsiteY2"/>
+              </a:cxn>
+              <a:cxn ang="0">
+                <a:pos x="connsiteX3" y="connsiteY3"/>
+              </a:cxn>
+              <a:cxn ang="0">
+                <a:pos x="connsiteX4" y="connsiteY4"/>
+              </a:cxn>
+              <a:cxn ang="0">
+                <a:pos x="connsiteX5" y="connsiteY5"/>
+              </a:cxn>
+              <a:cxn ang="0">
+                <a:pos x="connsiteX6" y="connsiteY6"/>
+              </a:cxn>
+              <a:cxn ang="0">
+                <a:pos x="connsiteX7" y="connsiteY7"/>
+              </a:cxn>
+            </a:cxnLst>
+            <a:rect l="l" t="t" r="r" b="b"/>
+            <a:pathLst>
+              <a:path w="5410200" h="552493">
+                <a:moveTo>
+                  <a:pt x="0" y="342943"/>
+                </a:moveTo>
+                <a:cubicBezTo>
+                  <a:pt x="138112" y="169905"/>
+                  <a:pt x="276225" y="-3132"/>
+                  <a:pt x="457200" y="43"/>
+                </a:cubicBezTo>
+                <a:cubicBezTo>
+                  <a:pt x="638175" y="3218"/>
+                  <a:pt x="882650" y="352468"/>
+                  <a:pt x="1085850" y="361993"/>
+                </a:cubicBezTo>
+                <a:cubicBezTo>
+                  <a:pt x="1289050" y="371518"/>
+                  <a:pt x="1384300" y="41318"/>
+                  <a:pt x="1676400" y="57193"/>
+                </a:cubicBezTo>
+                <a:cubicBezTo>
+                  <a:pt x="1968500" y="73068"/>
+                  <a:pt x="2590800" y="460418"/>
+                  <a:pt x="2838450" y="457243"/>
+                </a:cubicBezTo>
+                <a:cubicBezTo>
+                  <a:pt x="3086100" y="454068"/>
+                  <a:pt x="2841625" y="22268"/>
+                  <a:pt x="3162300" y="38143"/>
+                </a:cubicBezTo>
+                <a:cubicBezTo>
+                  <a:pt x="3482975" y="54018"/>
+                  <a:pt x="4387850" y="552493"/>
+                  <a:pt x="4762500" y="552493"/>
+                </a:cubicBezTo>
+                <a:cubicBezTo>
+                  <a:pt x="5137150" y="552493"/>
+                  <a:pt x="5273675" y="295318"/>
+                  <a:pt x="5410200" y="38143"/>
+                </a:cubicBezTo>
+              </a:path>
+            </a:pathLst>
+          </a:custGeom>
+          <a:noFill/>
+          <a:ln w="76200">
+            <a:solidFill>
+              <a:schemeClr val="tx1"/>
+            </a:solidFill>
+          </a:ln>
+        </p:spPr>
+        <p:style>
+          <a:lnRef idx="2">
+            <a:schemeClr val="accent1">
+              <a:shade val="50000"/>
+            </a:schemeClr>
+          </a:lnRef>
+          <a:fillRef idx="1">
+            <a:schemeClr val="accent1"/>
+          </a:fillRef>
+          <a:effectRef idx="0">
+            <a:schemeClr val="accent1"/>
+          </a:effectRef>
+          <a:fontRef idx="minor">
+            <a:schemeClr val="lt1"/>
+          </a:fontRef>
+        </p:style>
+        <p:txBody>
+          <a:bodyPr rtlCol="0" anchor="ctr"/>
+          <a:lstStyle/>
+          <a:p>
+            <a:pPr algn="ctr"/>
+            <a:endParaRPr lang="de-DE"/>
+          </a:p>
+        </p:txBody>
+      </p:sp>
+      <p:sp>
+        <p:nvSpPr>
+          <p:cNvPr id="3" name="Rechteck 2"/>
+          <p:cNvSpPr/>
+          <p:nvPr/>
+        </p:nvSpPr>
+        <p:spPr>
+          <a:xfrm>
+            <a:off x="2000250" y="3048756"/>
+            <a:ext cx="5524500" cy="1047750"/>
+          </a:xfrm>
+          <a:prstGeom prst="rect">
+            <a:avLst/>
+          </a:prstGeom>
+          <a:solidFill>
+            <a:schemeClr val="bg1">
+              <a:lumMod val="95000"/>
+            </a:schemeClr>
+          </a:solidFill>
+          <a:ln>
+            <a:noFill/>
+          </a:ln>
+        </p:spPr>
+        <p:style>
+          <a:lnRef idx="2">
+            <a:schemeClr val="accent1">
+              <a:shade val="50000"/>
+            </a:schemeClr>
+          </a:lnRef>
+          <a:fillRef idx="1">
+            <a:schemeClr val="accent1"/>
+          </a:fillRef>
+          <a:effectRef idx="0">
+            <a:schemeClr val="accent1"/>
+          </a:effectRef>
+          <a:fontRef idx="minor">
+            <a:schemeClr val="lt1"/>
+          </a:fontRef>
+        </p:style>
+        <p:txBody>
+          <a:bodyPr rtlCol="0" anchor="ctr"/>
+          <a:lstStyle/>
+          <a:p>
+            <a:pPr algn="ctr"/>
+            <a:endParaRPr lang="de-DE"/>
+          </a:p>
+        </p:txBody>
+      </p:sp>
+      <p:sp>
+        <p:nvSpPr>
+          <p:cNvPr id="8" name="Rechteck 7"/>
+          <p:cNvSpPr/>
+          <p:nvPr/>
+        </p:nvSpPr>
+        <p:spPr>
+          <a:xfrm>
+            <a:off x="2000250" y="4435002"/>
+            <a:ext cx="5524500" cy="377172"/>
+          </a:xfrm>
+          <a:prstGeom prst="rect">
+            <a:avLst/>
+          </a:prstGeom>
+          <a:solidFill>
+            <a:schemeClr val="bg1">
+              <a:lumMod val="95000"/>
+            </a:schemeClr>
+          </a:solidFill>
+          <a:ln>
+            <a:noFill/>
+          </a:ln>
+        </p:spPr>
+        <p:style>
+          <a:lnRef idx="2">
+            <a:schemeClr val="accent1">
+              <a:shade val="50000"/>
+            </a:schemeClr>
+          </a:lnRef>
+          <a:fillRef idx="1">
+            <a:schemeClr val="accent1"/>
+          </a:fillRef>
+          <a:effectRef idx="0">
+            <a:schemeClr val="accent1"/>
+          </a:effectRef>
+          <a:fontRef idx="minor">
+            <a:schemeClr val="lt1"/>
+          </a:fontRef>
+        </p:style>
+        <p:txBody>
+          <a:bodyPr rtlCol="0" anchor="ctr"/>
+          <a:lstStyle/>
+          <a:p>
+            <a:pPr algn="ctr"/>
+            <a:endParaRPr lang="de-DE"/>
+          </a:p>
+        </p:txBody>
+      </p:sp>
+      <p:sp>
+        <p:nvSpPr>
+          <p:cNvPr id="9" name="Rechteck 8"/>
+          <p:cNvSpPr/>
+          <p:nvPr/>
+        </p:nvSpPr>
+        <p:spPr>
+          <a:xfrm>
+            <a:off x="2000250" y="5150670"/>
+            <a:ext cx="5524500" cy="377172"/>
+          </a:xfrm>
+          <a:prstGeom prst="rect">
+            <a:avLst/>
+          </a:prstGeom>
+          <a:solidFill>
+            <a:schemeClr val="bg1">
+              <a:lumMod val="95000"/>
+            </a:schemeClr>
+          </a:solidFill>
+          <a:ln>
+            <a:noFill/>
+          </a:ln>
+        </p:spPr>
+        <p:style>
+          <a:lnRef idx="2">
+            <a:schemeClr val="accent1">
+              <a:shade val="50000"/>
+            </a:schemeClr>
+          </a:lnRef>
+          <a:fillRef idx="1">
+            <a:schemeClr val="accent1"/>
+          </a:fillRef>
+          <a:effectRef idx="0">
+            <a:schemeClr val="accent1"/>
+          </a:effectRef>
+          <a:fontRef idx="minor">
+            <a:schemeClr val="lt1"/>
+          </a:fontRef>
+        </p:style>
+        <p:txBody>
+          <a:bodyPr rtlCol="0" anchor="ctr"/>
+          <a:lstStyle/>
+          <a:p>
+            <a:pPr algn="ctr"/>
+            <a:endParaRPr lang="de-DE"/>
+          </a:p>
+        </p:txBody>
+      </p:sp>
+      <p:sp>
+        <p:nvSpPr>
+          <p:cNvPr id="10" name="Rechteck 9"/>
+          <p:cNvSpPr/>
+          <p:nvPr/>
+        </p:nvSpPr>
+        <p:spPr>
+          <a:xfrm>
+            <a:off x="2000250" y="5866338"/>
+            <a:ext cx="5524500" cy="377172"/>
+          </a:xfrm>
+          <a:prstGeom prst="rect">
+            <a:avLst/>
+          </a:prstGeom>
+          <a:solidFill>
+            <a:schemeClr val="bg1">
+              <a:lumMod val="95000"/>
+            </a:schemeClr>
+          </a:solidFill>
+          <a:ln>
+            <a:noFill/>
+          </a:ln>
+        </p:spPr>
+        <p:style>
+          <a:lnRef idx="2">
+            <a:schemeClr val="accent1">
+              <a:shade val="50000"/>
+            </a:schemeClr>
+          </a:lnRef>
+          <a:fillRef idx="1">
+            <a:schemeClr val="accent1"/>
+          </a:fillRef>
+          <a:effectRef idx="0">
+            <a:schemeClr val="accent1"/>
+          </a:effectRef>
+          <a:fontRef idx="minor">
+            <a:schemeClr val="lt1"/>
+          </a:fontRef>
+        </p:style>
+        <p:txBody>
+          <a:bodyPr rtlCol="0" anchor="ctr"/>
+          <a:lstStyle/>
+          <a:p>
+            <a:pPr algn="ctr"/>
+            <a:endParaRPr lang="de-DE"/>
+          </a:p>
+        </p:txBody>
+      </p:sp>
+      <p:sp>
+        <p:nvSpPr>
+          <p:cNvPr id="11" name="Rechteck 10"/>
+          <p:cNvSpPr/>
+          <p:nvPr/>
+        </p:nvSpPr>
+        <p:spPr>
+          <a:xfrm>
+            <a:off x="2000250" y="6582006"/>
+            <a:ext cx="5524500" cy="377172"/>
+          </a:xfrm>
+          <a:prstGeom prst="rect">
+            <a:avLst/>
+          </a:prstGeom>
+          <a:solidFill>
+            <a:schemeClr val="bg1">
+              <a:lumMod val="95000"/>
+            </a:schemeClr>
+          </a:solidFill>
+          <a:ln>
+            <a:noFill/>
+          </a:ln>
+        </p:spPr>
+        <p:style>
+          <a:lnRef idx="2">
+            <a:schemeClr val="accent1">
+              <a:shade val="50000"/>
+            </a:schemeClr>
+          </a:lnRef>
+          <a:fillRef idx="1">
+            <a:schemeClr val="accent1"/>
+          </a:fillRef>
+          <a:effectRef idx="0">
+            <a:schemeClr val="accent1"/>
+          </a:effectRef>
+          <a:fontRef idx="minor">
+            <a:schemeClr val="lt1"/>
+          </a:fontRef>
+        </p:style>
+        <p:txBody>
+          <a:bodyPr rtlCol="0" anchor="ctr"/>
+          <a:lstStyle/>
+          <a:p>
+            <a:pPr algn="ctr"/>
+            <a:endParaRPr lang="de-DE"/>
+          </a:p>
+        </p:txBody>
+      </p:sp>
+      <p:sp>
+        <p:nvSpPr>
+          <p:cNvPr id="12" name="Rechteck 11"/>
+          <p:cNvSpPr/>
+          <p:nvPr/>
+        </p:nvSpPr>
+        <p:spPr>
+          <a:xfrm>
+            <a:off x="2000250" y="7297675"/>
+            <a:ext cx="5524500" cy="377172"/>
+          </a:xfrm>
+          <a:prstGeom prst="rect">
+            <a:avLst/>
+          </a:prstGeom>
+          <a:solidFill>
+            <a:schemeClr val="bg1">
+              <a:lumMod val="95000"/>
+            </a:schemeClr>
+          </a:solidFill>
+          <a:ln>
+            <a:noFill/>
+          </a:ln>
+        </p:spPr>
+        <p:style>
+          <a:lnRef idx="2">
+            <a:schemeClr val="accent1">
+              <a:shade val="50000"/>
+            </a:schemeClr>
+          </a:lnRef>
+          <a:fillRef idx="1">
+            <a:schemeClr val="accent1"/>
+          </a:fillRef>
+          <a:effectRef idx="0">
+            <a:schemeClr val="accent1"/>
+          </a:effectRef>
+          <a:fontRef idx="minor">
+            <a:schemeClr val="lt1"/>
+          </a:fontRef>
+        </p:style>
+        <p:txBody>
+          <a:bodyPr rtlCol="0" anchor="ctr"/>
+          <a:lstStyle/>
+          <a:p>
+            <a:pPr algn="ctr"/>
+            <a:endParaRPr lang="de-DE"/>
+          </a:p>
+        </p:txBody>
+      </p:sp>
+      <p:grpSp>
+        <p:nvGrpSpPr>
+          <p:cNvPr id="4" name="Gruppieren 3"/>
+          <p:cNvGrpSpPr>
+            <a:grpSpLocks noChangeAspect="1"/>
+          </p:cNvGrpSpPr>
+          <p:nvPr/>
+        </p:nvGrpSpPr>
+        <p:grpSpPr>
+          <a:xfrm>
+            <a:off x="2398546" y="3077562"/>
+            <a:ext cx="4124630" cy="5080093"/>
+            <a:chOff x="660856" y="89608"/>
+            <a:chExt cx="7347081" cy="9049020"/>
+          </a:xfrm>
+          <a:solidFill>
+            <a:srgbClr val="0070C0"/>
+          </a:solidFill>
+        </p:grpSpPr>
+        <p:sp>
+          <p:nvSpPr>
+            <p:cNvPr id="16" name="Rad 15"/>
+            <p:cNvSpPr/>
+            <p:nvPr/>
+          </p:nvSpPr>
+          <p:spPr>
+            <a:xfrm>
+              <a:off x="660856" y="89608"/>
+              <a:ext cx="6540644" cy="6541349"/>
+            </a:xfrm>
+            <a:prstGeom prst="donut">
+              <a:avLst>
+                <a:gd name="adj" fmla="val 14531"/>
+              </a:avLst>
+            </a:prstGeom>
+            <a:grpFill/>
+            <a:ln>
+              <a:noFill/>
+            </a:ln>
+          </p:spPr>
+          <p:style>
+            <a:lnRef idx="2">
+              <a:schemeClr val="accent1">
+                <a:shade val="50000"/>
+              </a:schemeClr>
+            </a:lnRef>
+            <a:fillRef idx="1">
+              <a:schemeClr val="accent1"/>
+            </a:fillRef>
+            <a:effectRef idx="0">
+              <a:schemeClr val="accent1"/>
+            </a:effectRef>
+            <a:fontRef idx="minor">
+              <a:schemeClr val="lt1"/>
+            </a:fontRef>
+          </p:style>
+          <p:txBody>
+            <a:bodyPr rtlCol="0" anchor="ctr"/>
+            <a:lstStyle/>
+            <a:p>
+              <a:pPr algn="ctr"/>
+              <a:endParaRPr lang="de-DE" sz="1588">
+                <a:solidFill>
+                  <a:schemeClr val="tx1"/>
+                </a:solidFill>
+              </a:endParaRPr>
+            </a:p>
+          </p:txBody>
+        </p:sp>
+        <p:sp>
+          <p:nvSpPr>
+            <p:cNvPr id="17" name="Abgerundetes Rechteck 16"/>
+            <p:cNvSpPr/>
+            <p:nvPr/>
+          </p:nvSpPr>
+          <p:spPr>
+            <a:xfrm rot="2815804">
+              <a:off x="4866669" y="5997360"/>
+              <a:ext cx="4636860" cy="1645676"/>
+            </a:xfrm>
+            <a:prstGeom prst="roundRect">
+              <a:avLst>
+                <a:gd name="adj" fmla="val 50000"/>
+              </a:avLst>
+            </a:prstGeom>
+            <a:grpFill/>
+            <a:ln>
+              <a:noFill/>
+            </a:ln>
+          </p:spPr>
+          <p:style>
+            <a:lnRef idx="2">
+              <a:schemeClr val="accent1">
+                <a:shade val="50000"/>
+              </a:schemeClr>
+            </a:lnRef>
+            <a:fillRef idx="1">
+              <a:schemeClr val="accent1"/>
+            </a:fillRef>
+            <a:effectRef idx="0">
+              <a:schemeClr val="accent1"/>
+            </a:effectRef>
+            <a:fontRef idx="minor">
+              <a:schemeClr val="lt1"/>
+            </a:fontRef>
+          </p:style>
+          <p:txBody>
+            <a:bodyPr rtlCol="0" anchor="ctr"/>
+            <a:lstStyle/>
+            <a:p>
+              <a:pPr algn="ctr"/>
+              <a:endParaRPr lang="de-DE" sz="1588"/>
+            </a:p>
+          </p:txBody>
+        </p:sp>
+      </p:grpSp>
+    </p:spTree>
+    <p:extLst>
+      <p:ext uri="{BB962C8B-B14F-4D97-AF65-F5344CB8AC3E}">
+        <p14:creationId xmlns:p14="http://schemas.microsoft.com/office/powerpoint/2010/main" val="4025954275"/>
+      </p:ext>
+    </p:extLst>
+  </p:cSld>
+  <p:clrMapOvr>
+    <a:masterClrMapping/>
+  </p:clrMapOvr>
+</p:sld>
+</file>
+
+<file path=ppt/slides/slide15.xml><?xml version="1.0" encoding="utf-8"?>
+<p:sld xmlns:a="http://schemas.openxmlformats.org/drawingml/2006/main" xmlns:r="http://schemas.openxmlformats.org/officeDocument/2006/relationships" xmlns:p="http://schemas.openxmlformats.org/presentationml/2006/main">
+  <p:cSld>
+    <p:spTree>
+      <p:nvGrpSpPr>
+        <p:cNvPr id="1" name=""/>
+        <p:cNvGrpSpPr/>
+        <p:nvPr/>
+      </p:nvGrpSpPr>
+      <p:grpSpPr>
+        <a:xfrm>
+          <a:off x="0" y="0"/>
+          <a:ext cx="0" cy="0"/>
+          <a:chOff x="0" y="0"/>
+          <a:chExt cx="0" cy="0"/>
+        </a:xfrm>
+      </p:grpSpPr>
+      <p:sp>
+        <p:nvSpPr>
+          <p:cNvPr id="25" name="Rechteck: obere Ecken abgerundet 24"/>
+          <p:cNvSpPr/>
+          <p:nvPr/>
+        </p:nvSpPr>
+        <p:spPr>
+          <a:xfrm>
+            <a:off x="889775" y="814169"/>
+            <a:ext cx="7745451" cy="7896663"/>
+          </a:xfrm>
+          <a:prstGeom prst="round2SameRect">
+            <a:avLst>
+              <a:gd name="adj1" fmla="val 9292"/>
+              <a:gd name="adj2" fmla="val 0"/>
+            </a:avLst>
+          </a:prstGeom>
+          <a:solidFill>
+            <a:schemeClr val="bg1">
+              <a:lumMod val="85000"/>
+            </a:schemeClr>
+          </a:solidFill>
+          <a:ln>
+            <a:noFill/>
+          </a:ln>
+        </p:spPr>
+        <p:style>
+          <a:lnRef idx="2">
+            <a:schemeClr val="accent1">
+              <a:shade val="50000"/>
+            </a:schemeClr>
+          </a:lnRef>
+          <a:fillRef idx="1">
+            <a:schemeClr val="accent1"/>
+          </a:fillRef>
+          <a:effectRef idx="0">
+            <a:schemeClr val="accent1"/>
+          </a:effectRef>
+          <a:fontRef idx="minor">
+            <a:schemeClr val="lt1"/>
+          </a:fontRef>
+        </p:style>
+        <p:txBody>
+          <a:bodyPr rtlCol="0" anchor="ctr"/>
+          <a:lstStyle/>
+          <a:p>
+            <a:pPr algn="ctr"/>
+            <a:endParaRPr lang="de-DE" sz="1588"/>
+          </a:p>
+        </p:txBody>
+      </p:sp>
+      <p:sp>
+        <p:nvSpPr>
+          <p:cNvPr id="26" name="Rechteck: abgerundete Ecken 25"/>
+          <p:cNvSpPr/>
+          <p:nvPr/>
+        </p:nvSpPr>
+        <p:spPr>
+          <a:xfrm>
+            <a:off x="1428120" y="1243305"/>
+            <a:ext cx="6653359" cy="991283"/>
+          </a:xfrm>
+          <a:prstGeom prst="roundRect">
+            <a:avLst/>
+          </a:prstGeom>
+          <a:solidFill>
+            <a:schemeClr val="bg1"/>
+          </a:solidFill>
+          <a:ln>
+            <a:noFill/>
+          </a:ln>
+        </p:spPr>
+        <p:style>
+          <a:lnRef idx="2">
+            <a:schemeClr val="accent1">
+              <a:shade val="50000"/>
+            </a:schemeClr>
+          </a:lnRef>
+          <a:fillRef idx="1">
+            <a:schemeClr val="accent1"/>
+          </a:fillRef>
+          <a:effectRef idx="0">
+            <a:schemeClr val="accent1"/>
+          </a:effectRef>
+          <a:fontRef idx="minor">
+            <a:schemeClr val="lt1"/>
+          </a:fontRef>
+        </p:style>
+        <p:txBody>
+          <a:bodyPr rtlCol="0" anchor="ctr"/>
+          <a:lstStyle/>
+          <a:p>
+            <a:endParaRPr lang="de-DE" sz="7056" dirty="0">
+              <a:solidFill>
+                <a:schemeClr val="tx1"/>
+              </a:solidFill>
+            </a:endParaRPr>
+          </a:p>
+        </p:txBody>
+      </p:sp>
+      <p:sp>
+        <p:nvSpPr>
+          <p:cNvPr id="27" name="Rechteck: abgerundete Ecken 26"/>
+          <p:cNvSpPr/>
+          <p:nvPr/>
+        </p:nvSpPr>
+        <p:spPr>
+          <a:xfrm>
+            <a:off x="1428120" y="2688226"/>
+            <a:ext cx="6653359" cy="5611671"/>
+          </a:xfrm>
+          <a:prstGeom prst="roundRect">
+            <a:avLst>
+              <a:gd name="adj" fmla="val 4990"/>
+            </a:avLst>
+          </a:prstGeom>
+          <a:solidFill>
+            <a:schemeClr val="bg1"/>
+          </a:solidFill>
+          <a:ln>
+            <a:noFill/>
+          </a:ln>
+        </p:spPr>
+        <p:style>
+          <a:lnRef idx="2">
+            <a:schemeClr val="accent1">
+              <a:shade val="50000"/>
+            </a:schemeClr>
+          </a:lnRef>
+          <a:fillRef idx="1">
+            <a:schemeClr val="accent1"/>
+          </a:fillRef>
+          <a:effectRef idx="0">
+            <a:schemeClr val="accent1"/>
+          </a:effectRef>
+          <a:fontRef idx="minor">
+            <a:schemeClr val="lt1"/>
+          </a:fontRef>
+        </p:style>
+        <p:txBody>
+          <a:bodyPr rtlCol="0" anchor="ctr"/>
+          <a:lstStyle/>
+          <a:p>
+            <a:pPr algn="ctr"/>
+            <a:endParaRPr lang="de-DE" sz="1588"/>
+          </a:p>
+        </p:txBody>
+      </p:sp>
+      <p:sp>
+        <p:nvSpPr>
+          <p:cNvPr id="2" name="Freihandform 1"/>
+          <p:cNvSpPr/>
+          <p:nvPr/>
+        </p:nvSpPr>
+        <p:spPr>
+          <a:xfrm>
+            <a:off x="1619250" y="1523957"/>
+            <a:ext cx="5410200" cy="552493"/>
+          </a:xfrm>
+          <a:custGeom>
+            <a:avLst/>
+            <a:gdLst>
+              <a:gd name="connsiteX0" fmla="*/ 0 w 5410200"/>
+              <a:gd name="connsiteY0" fmla="*/ 342943 h 552493"/>
+              <a:gd name="connsiteX1" fmla="*/ 457200 w 5410200"/>
+              <a:gd name="connsiteY1" fmla="*/ 43 h 552493"/>
+              <a:gd name="connsiteX2" fmla="*/ 1085850 w 5410200"/>
+              <a:gd name="connsiteY2" fmla="*/ 361993 h 552493"/>
+              <a:gd name="connsiteX3" fmla="*/ 1676400 w 5410200"/>
+              <a:gd name="connsiteY3" fmla="*/ 57193 h 552493"/>
+              <a:gd name="connsiteX4" fmla="*/ 2838450 w 5410200"/>
+              <a:gd name="connsiteY4" fmla="*/ 457243 h 552493"/>
+              <a:gd name="connsiteX5" fmla="*/ 3162300 w 5410200"/>
+              <a:gd name="connsiteY5" fmla="*/ 38143 h 552493"/>
+              <a:gd name="connsiteX6" fmla="*/ 4762500 w 5410200"/>
+              <a:gd name="connsiteY6" fmla="*/ 552493 h 552493"/>
+              <a:gd name="connsiteX7" fmla="*/ 5410200 w 5410200"/>
+              <a:gd name="connsiteY7" fmla="*/ 38143 h 552493"/>
+            </a:gdLst>
+            <a:ahLst/>
+            <a:cxnLst>
+              <a:cxn ang="0">
+                <a:pos x="connsiteX0" y="connsiteY0"/>
+              </a:cxn>
+              <a:cxn ang="0">
+                <a:pos x="connsiteX1" y="connsiteY1"/>
+              </a:cxn>
+              <a:cxn ang="0">
+                <a:pos x="connsiteX2" y="connsiteY2"/>
+              </a:cxn>
+              <a:cxn ang="0">
+                <a:pos x="connsiteX3" y="connsiteY3"/>
+              </a:cxn>
+              <a:cxn ang="0">
+                <a:pos x="connsiteX4" y="connsiteY4"/>
+              </a:cxn>
+              <a:cxn ang="0">
+                <a:pos x="connsiteX5" y="connsiteY5"/>
+              </a:cxn>
+              <a:cxn ang="0">
+                <a:pos x="connsiteX6" y="connsiteY6"/>
+              </a:cxn>
+              <a:cxn ang="0">
+                <a:pos x="connsiteX7" y="connsiteY7"/>
+              </a:cxn>
+            </a:cxnLst>
+            <a:rect l="l" t="t" r="r" b="b"/>
+            <a:pathLst>
+              <a:path w="5410200" h="552493">
+                <a:moveTo>
+                  <a:pt x="0" y="342943"/>
+                </a:moveTo>
+                <a:cubicBezTo>
+                  <a:pt x="138112" y="169905"/>
+                  <a:pt x="276225" y="-3132"/>
+                  <a:pt x="457200" y="43"/>
+                </a:cubicBezTo>
+                <a:cubicBezTo>
+                  <a:pt x="638175" y="3218"/>
+                  <a:pt x="882650" y="352468"/>
+                  <a:pt x="1085850" y="361993"/>
+                </a:cubicBezTo>
+                <a:cubicBezTo>
+                  <a:pt x="1289050" y="371518"/>
+                  <a:pt x="1384300" y="41318"/>
+                  <a:pt x="1676400" y="57193"/>
+                </a:cubicBezTo>
+                <a:cubicBezTo>
+                  <a:pt x="1968500" y="73068"/>
+                  <a:pt x="2590800" y="460418"/>
+                  <a:pt x="2838450" y="457243"/>
+                </a:cubicBezTo>
+                <a:cubicBezTo>
+                  <a:pt x="3086100" y="454068"/>
+                  <a:pt x="2841625" y="22268"/>
+                  <a:pt x="3162300" y="38143"/>
+                </a:cubicBezTo>
+                <a:cubicBezTo>
+                  <a:pt x="3482975" y="54018"/>
+                  <a:pt x="4387850" y="552493"/>
+                  <a:pt x="4762500" y="552493"/>
+                </a:cubicBezTo>
+                <a:cubicBezTo>
+                  <a:pt x="5137150" y="552493"/>
+                  <a:pt x="5273675" y="295318"/>
+                  <a:pt x="5410200" y="38143"/>
+                </a:cubicBezTo>
+              </a:path>
+            </a:pathLst>
+          </a:custGeom>
+          <a:noFill/>
+          <a:ln w="76200">
+            <a:solidFill>
+              <a:schemeClr val="tx1"/>
+            </a:solidFill>
+          </a:ln>
+        </p:spPr>
+        <p:style>
+          <a:lnRef idx="2">
+            <a:schemeClr val="accent1">
+              <a:shade val="50000"/>
+            </a:schemeClr>
+          </a:lnRef>
+          <a:fillRef idx="1">
+            <a:schemeClr val="accent1"/>
+          </a:fillRef>
+          <a:effectRef idx="0">
+            <a:schemeClr val="accent1"/>
+          </a:effectRef>
+          <a:fontRef idx="minor">
+            <a:schemeClr val="lt1"/>
+          </a:fontRef>
+        </p:style>
+        <p:txBody>
+          <a:bodyPr rtlCol="0" anchor="ctr"/>
+          <a:lstStyle/>
+          <a:p>
+            <a:pPr algn="ctr"/>
+            <a:endParaRPr lang="de-DE"/>
+          </a:p>
+        </p:txBody>
+      </p:sp>
+      <p:sp>
+        <p:nvSpPr>
+          <p:cNvPr id="3" name="Rechteck 2"/>
+          <p:cNvSpPr/>
+          <p:nvPr/>
+        </p:nvSpPr>
+        <p:spPr>
+          <a:xfrm>
+            <a:off x="2000250" y="3048756"/>
+            <a:ext cx="5524500" cy="1047750"/>
+          </a:xfrm>
+          <a:prstGeom prst="rect">
+            <a:avLst/>
+          </a:prstGeom>
+          <a:solidFill>
+            <a:schemeClr val="bg1">
+              <a:lumMod val="95000"/>
+            </a:schemeClr>
+          </a:solidFill>
+          <a:ln>
+            <a:noFill/>
+          </a:ln>
+        </p:spPr>
+        <p:style>
+          <a:lnRef idx="2">
+            <a:schemeClr val="accent1">
+              <a:shade val="50000"/>
+            </a:schemeClr>
+          </a:lnRef>
+          <a:fillRef idx="1">
+            <a:schemeClr val="accent1"/>
+          </a:fillRef>
+          <a:effectRef idx="0">
+            <a:schemeClr val="accent1"/>
+          </a:effectRef>
+          <a:fontRef idx="minor">
+            <a:schemeClr val="lt1"/>
+          </a:fontRef>
+        </p:style>
+        <p:txBody>
+          <a:bodyPr rtlCol="0" anchor="ctr"/>
+          <a:lstStyle/>
+          <a:p>
+            <a:pPr algn="ctr"/>
+            <a:endParaRPr lang="de-DE"/>
+          </a:p>
+        </p:txBody>
+      </p:sp>
+      <p:sp>
+        <p:nvSpPr>
+          <p:cNvPr id="8" name="Rechteck 7"/>
+          <p:cNvSpPr/>
+          <p:nvPr/>
+        </p:nvSpPr>
+        <p:spPr>
+          <a:xfrm>
+            <a:off x="2000250" y="4435002"/>
+            <a:ext cx="5524500" cy="377172"/>
+          </a:xfrm>
+          <a:prstGeom prst="rect">
+            <a:avLst/>
+          </a:prstGeom>
+          <a:solidFill>
+            <a:schemeClr val="bg1">
+              <a:lumMod val="95000"/>
+            </a:schemeClr>
+          </a:solidFill>
+          <a:ln>
+            <a:noFill/>
+          </a:ln>
+        </p:spPr>
+        <p:style>
+          <a:lnRef idx="2">
+            <a:schemeClr val="accent1">
+              <a:shade val="50000"/>
+            </a:schemeClr>
+          </a:lnRef>
+          <a:fillRef idx="1">
+            <a:schemeClr val="accent1"/>
+          </a:fillRef>
+          <a:effectRef idx="0">
+            <a:schemeClr val="accent1"/>
+          </a:effectRef>
+          <a:fontRef idx="minor">
+            <a:schemeClr val="lt1"/>
+          </a:fontRef>
+        </p:style>
+        <p:txBody>
+          <a:bodyPr rtlCol="0" anchor="ctr"/>
+          <a:lstStyle/>
+          <a:p>
+            <a:pPr algn="ctr"/>
+            <a:endParaRPr lang="de-DE"/>
+          </a:p>
+        </p:txBody>
+      </p:sp>
+      <p:sp>
+        <p:nvSpPr>
+          <p:cNvPr id="9" name="Rechteck 8"/>
+          <p:cNvSpPr/>
+          <p:nvPr/>
+        </p:nvSpPr>
+        <p:spPr>
+          <a:xfrm>
+            <a:off x="2000250" y="5150670"/>
+            <a:ext cx="5524500" cy="377172"/>
+          </a:xfrm>
+          <a:prstGeom prst="rect">
+            <a:avLst/>
+          </a:prstGeom>
+          <a:solidFill>
+            <a:schemeClr val="bg1">
+              <a:lumMod val="95000"/>
+            </a:schemeClr>
+          </a:solidFill>
+          <a:ln>
+            <a:noFill/>
+          </a:ln>
+        </p:spPr>
+        <p:style>
+          <a:lnRef idx="2">
+            <a:schemeClr val="accent1">
+              <a:shade val="50000"/>
+            </a:schemeClr>
+          </a:lnRef>
+          <a:fillRef idx="1">
+            <a:schemeClr val="accent1"/>
+          </a:fillRef>
+          <a:effectRef idx="0">
+            <a:schemeClr val="accent1"/>
+          </a:effectRef>
+          <a:fontRef idx="minor">
+            <a:schemeClr val="lt1"/>
+          </a:fontRef>
+        </p:style>
+        <p:txBody>
+          <a:bodyPr rtlCol="0" anchor="ctr"/>
+          <a:lstStyle/>
+          <a:p>
+            <a:pPr algn="ctr"/>
+            <a:endParaRPr lang="de-DE"/>
+          </a:p>
+        </p:txBody>
+      </p:sp>
+      <p:sp>
+        <p:nvSpPr>
+          <p:cNvPr id="10" name="Rechteck 9"/>
+          <p:cNvSpPr/>
+          <p:nvPr/>
+        </p:nvSpPr>
+        <p:spPr>
+          <a:xfrm>
+            <a:off x="2000250" y="5866338"/>
+            <a:ext cx="5524500" cy="377172"/>
+          </a:xfrm>
+          <a:prstGeom prst="rect">
+            <a:avLst/>
+          </a:prstGeom>
+          <a:solidFill>
+            <a:schemeClr val="bg1">
+              <a:lumMod val="95000"/>
+            </a:schemeClr>
+          </a:solidFill>
+          <a:ln>
+            <a:noFill/>
+          </a:ln>
+        </p:spPr>
+        <p:style>
+          <a:lnRef idx="2">
+            <a:schemeClr val="accent1">
+              <a:shade val="50000"/>
+            </a:schemeClr>
+          </a:lnRef>
+          <a:fillRef idx="1">
+            <a:schemeClr val="accent1"/>
+          </a:fillRef>
+          <a:effectRef idx="0">
+            <a:schemeClr val="accent1"/>
+          </a:effectRef>
+          <a:fontRef idx="minor">
+            <a:schemeClr val="lt1"/>
+          </a:fontRef>
+        </p:style>
+        <p:txBody>
+          <a:bodyPr rtlCol="0" anchor="ctr"/>
+          <a:lstStyle/>
+          <a:p>
+            <a:pPr algn="ctr"/>
+            <a:endParaRPr lang="de-DE"/>
+          </a:p>
+        </p:txBody>
+      </p:sp>
+      <p:sp>
+        <p:nvSpPr>
+          <p:cNvPr id="11" name="Rechteck 10"/>
+          <p:cNvSpPr/>
+          <p:nvPr/>
+        </p:nvSpPr>
+        <p:spPr>
+          <a:xfrm>
+            <a:off x="2000250" y="6582006"/>
+            <a:ext cx="5524500" cy="377172"/>
+          </a:xfrm>
+          <a:prstGeom prst="rect">
+            <a:avLst/>
+          </a:prstGeom>
+          <a:solidFill>
+            <a:schemeClr val="bg1">
+              <a:lumMod val="95000"/>
+            </a:schemeClr>
+          </a:solidFill>
+          <a:ln>
+            <a:noFill/>
+          </a:ln>
+        </p:spPr>
+        <p:style>
+          <a:lnRef idx="2">
+            <a:schemeClr val="accent1">
+              <a:shade val="50000"/>
+            </a:schemeClr>
+          </a:lnRef>
+          <a:fillRef idx="1">
+            <a:schemeClr val="accent1"/>
+          </a:fillRef>
+          <a:effectRef idx="0">
+            <a:schemeClr val="accent1"/>
+          </a:effectRef>
+          <a:fontRef idx="minor">
+            <a:schemeClr val="lt1"/>
+          </a:fontRef>
+        </p:style>
+        <p:txBody>
+          <a:bodyPr rtlCol="0" anchor="ctr"/>
+          <a:lstStyle/>
+          <a:p>
+            <a:pPr algn="ctr"/>
+            <a:endParaRPr lang="de-DE"/>
+          </a:p>
+        </p:txBody>
+      </p:sp>
+      <p:sp>
+        <p:nvSpPr>
+          <p:cNvPr id="12" name="Rechteck 11"/>
+          <p:cNvSpPr/>
+          <p:nvPr/>
+        </p:nvSpPr>
+        <p:spPr>
+          <a:xfrm>
+            <a:off x="2000250" y="7297675"/>
+            <a:ext cx="5524500" cy="377172"/>
+          </a:xfrm>
+          <a:prstGeom prst="rect">
+            <a:avLst/>
+          </a:prstGeom>
+          <a:solidFill>
+            <a:schemeClr val="bg1">
+              <a:lumMod val="95000"/>
+            </a:schemeClr>
+          </a:solidFill>
+          <a:ln>
+            <a:noFill/>
+          </a:ln>
+        </p:spPr>
+        <p:style>
+          <a:lnRef idx="2">
+            <a:schemeClr val="accent1">
+              <a:shade val="50000"/>
+            </a:schemeClr>
+          </a:lnRef>
+          <a:fillRef idx="1">
+            <a:schemeClr val="accent1"/>
+          </a:fillRef>
+          <a:effectRef idx="0">
+            <a:schemeClr val="accent1"/>
+          </a:effectRef>
+          <a:fontRef idx="minor">
+            <a:schemeClr val="lt1"/>
+          </a:fontRef>
+        </p:style>
+        <p:txBody>
+          <a:bodyPr rtlCol="0" anchor="ctr"/>
+          <a:lstStyle/>
+          <a:p>
+            <a:pPr algn="ctr"/>
+            <a:endParaRPr lang="de-DE"/>
+          </a:p>
+        </p:txBody>
+      </p:sp>
+      <p:grpSp>
+        <p:nvGrpSpPr>
+          <p:cNvPr id="5" name="Gruppieren 4"/>
+          <p:cNvGrpSpPr>
+            <a:grpSpLocks noChangeAspect="1"/>
+          </p:cNvGrpSpPr>
+          <p:nvPr/>
+        </p:nvGrpSpPr>
+        <p:grpSpPr>
+          <a:xfrm>
+            <a:off x="2185361" y="2864145"/>
+            <a:ext cx="5138876" cy="4950221"/>
+            <a:chOff x="940179" y="916117"/>
+            <a:chExt cx="7545898" cy="7268878"/>
+          </a:xfrm>
+        </p:grpSpPr>
+        <p:sp>
+          <p:nvSpPr>
+            <p:cNvPr id="15" name="Gleichschenkliges Dreieck 14"/>
+            <p:cNvSpPr>
+              <a:spLocks noChangeAspect="1"/>
+            </p:cNvSpPr>
+            <p:nvPr/>
+          </p:nvSpPr>
+          <p:spPr>
+            <a:xfrm rot="5400000">
+              <a:off x="926502" y="929794"/>
+              <a:ext cx="4372854" cy="4345499"/>
+            </a:xfrm>
+            <a:prstGeom prst="triangle">
+              <a:avLst/>
+            </a:prstGeom>
+            <a:ln>
+              <a:noFill/>
+            </a:ln>
+          </p:spPr>
+          <p:style>
+            <a:lnRef idx="3">
+              <a:schemeClr val="lt1"/>
+            </a:lnRef>
+            <a:fillRef idx="1">
+              <a:schemeClr val="accent5"/>
+            </a:fillRef>
+            <a:effectRef idx="1">
+              <a:schemeClr val="accent5"/>
+            </a:effectRef>
+            <a:fontRef idx="minor">
+              <a:schemeClr val="lt1"/>
+            </a:fontRef>
+          </p:style>
+          <p:txBody>
+            <a:bodyPr rtlCol="0" anchor="ctr"/>
+            <a:lstStyle/>
+            <a:p>
+              <a:pPr algn="ctr"/>
+              <a:endParaRPr lang="de-DE"/>
+            </a:p>
+          </p:txBody>
+        </p:sp>
+        <p:sp>
+          <p:nvSpPr>
+            <p:cNvPr id="18" name="Rechteck 17"/>
+            <p:cNvSpPr/>
+            <p:nvPr/>
+          </p:nvSpPr>
+          <p:spPr>
+            <a:xfrm>
+              <a:off x="1304692" y="7103327"/>
+              <a:ext cx="7181385" cy="1081668"/>
+            </a:xfrm>
+            <a:prstGeom prst="rect">
+              <a:avLst/>
+            </a:prstGeom>
+            <a:ln>
+              <a:noFill/>
+            </a:ln>
+          </p:spPr>
+          <p:style>
+            <a:lnRef idx="3">
+              <a:schemeClr val="lt1"/>
+            </a:lnRef>
+            <a:fillRef idx="1">
+              <a:schemeClr val="accent5"/>
+            </a:fillRef>
+            <a:effectRef idx="1">
+              <a:schemeClr val="accent5"/>
+            </a:effectRef>
+            <a:fontRef idx="minor">
+              <a:schemeClr val="lt1"/>
+            </a:fontRef>
+          </p:style>
+          <p:txBody>
+            <a:bodyPr rtlCol="0" anchor="ctr"/>
+            <a:lstStyle/>
+            <a:p>
+              <a:pPr algn="ctr"/>
+              <a:endParaRPr lang="de-DE"/>
+            </a:p>
+          </p:txBody>
+        </p:sp>
+        <p:sp>
+          <p:nvSpPr>
+            <p:cNvPr id="19" name="Rechteck 18"/>
+            <p:cNvSpPr/>
+            <p:nvPr/>
+          </p:nvSpPr>
+          <p:spPr>
+            <a:xfrm>
+              <a:off x="2509024" y="5371171"/>
+              <a:ext cx="5977052" cy="1081668"/>
+            </a:xfrm>
+            <a:prstGeom prst="rect">
+              <a:avLst/>
+            </a:prstGeom>
+            <a:ln>
+              <a:noFill/>
+            </a:ln>
+          </p:spPr>
+          <p:style>
+            <a:lnRef idx="3">
+              <a:schemeClr val="lt1"/>
+            </a:lnRef>
+            <a:fillRef idx="1">
+              <a:schemeClr val="accent5"/>
+            </a:fillRef>
+            <a:effectRef idx="1">
+              <a:schemeClr val="accent5"/>
+            </a:effectRef>
+            <a:fontRef idx="minor">
+              <a:schemeClr val="lt1"/>
+            </a:fontRef>
+          </p:style>
+          <p:txBody>
+            <a:bodyPr rtlCol="0" anchor="ctr"/>
+            <a:lstStyle/>
+            <a:p>
+              <a:pPr algn="ctr"/>
+              <a:endParaRPr lang="de-DE"/>
+            </a:p>
+          </p:txBody>
+        </p:sp>
+        <p:sp>
+          <p:nvSpPr>
+            <p:cNvPr id="20" name="Rechteck 19"/>
+            <p:cNvSpPr/>
+            <p:nvPr/>
+          </p:nvSpPr>
+          <p:spPr>
+            <a:xfrm>
+              <a:off x="4762500" y="3707569"/>
+              <a:ext cx="3723575" cy="1081668"/>
+            </a:xfrm>
+            <a:prstGeom prst="rect">
+              <a:avLst/>
+            </a:prstGeom>
+            <a:ln>
+              <a:noFill/>
+            </a:ln>
+          </p:spPr>
+          <p:style>
+            <a:lnRef idx="3">
+              <a:schemeClr val="lt1"/>
+            </a:lnRef>
+            <a:fillRef idx="1">
+              <a:schemeClr val="accent5"/>
+            </a:fillRef>
+            <a:effectRef idx="1">
+              <a:schemeClr val="accent5"/>
+            </a:effectRef>
+            <a:fontRef idx="minor">
+              <a:schemeClr val="lt1"/>
+            </a:fontRef>
+          </p:style>
+          <p:txBody>
+            <a:bodyPr rtlCol="0" anchor="ctr"/>
+            <a:lstStyle/>
+            <a:p>
+              <a:pPr algn="ctr"/>
+              <a:endParaRPr lang="de-DE"/>
+            </a:p>
+          </p:txBody>
+        </p:sp>
+      </p:grpSp>
+    </p:spTree>
+    <p:extLst>
+      <p:ext uri="{BB962C8B-B14F-4D97-AF65-F5344CB8AC3E}">
+        <p14:creationId xmlns:p14="http://schemas.microsoft.com/office/powerpoint/2010/main" val="2510033733"/>
+      </p:ext>
+    </p:extLst>
+  </p:cSld>
+  <p:clrMapOvr>
+    <a:masterClrMapping/>
+  </p:clrMapOvr>
+</p:sld>
+</file>
+
+<file path=ppt/slides/slide16.xml><?xml version="1.0" encoding="utf-8"?>
+<p:sld xmlns:a="http://schemas.openxmlformats.org/drawingml/2006/main" xmlns:r="http://schemas.openxmlformats.org/officeDocument/2006/relationships" xmlns:p="http://schemas.openxmlformats.org/presentationml/2006/main">
+  <p:cSld>
+    <p:spTree>
+      <p:nvGrpSpPr>
+        <p:cNvPr id="1" name=""/>
+        <p:cNvGrpSpPr/>
+        <p:nvPr/>
+      </p:nvGrpSpPr>
+      <p:grpSpPr>
+        <a:xfrm>
+          <a:off x="0" y="0"/>
+          <a:ext cx="0" cy="0"/>
+          <a:chOff x="0" y="0"/>
+          <a:chExt cx="0" cy="0"/>
+        </a:xfrm>
+      </p:grpSpPr>
+      <p:grpSp>
+        <p:nvGrpSpPr>
+          <p:cNvPr id="2" name="Gruppieren 1"/>
+          <p:cNvGrpSpPr/>
+          <p:nvPr/>
+        </p:nvGrpSpPr>
+        <p:grpSpPr>
+          <a:xfrm>
+            <a:off x="1082992" y="1318561"/>
+            <a:ext cx="7359017" cy="6887878"/>
+            <a:chOff x="1702901" y="1486694"/>
+            <a:chExt cx="4929308" cy="3913188"/>
+          </a:xfrm>
+          <a:solidFill>
+            <a:schemeClr val="bg1"/>
+          </a:solidFill>
+        </p:grpSpPr>
+        <p:sp>
+          <p:nvSpPr>
+            <p:cNvPr id="5" name="Rechteck 4"/>
+            <p:cNvSpPr/>
+            <p:nvPr/>
+          </p:nvSpPr>
+          <p:spPr>
+            <a:xfrm>
+              <a:off x="1702901" y="1486694"/>
+              <a:ext cx="2464654" cy="1304396"/>
+            </a:xfrm>
+            <a:prstGeom prst="rect">
+              <a:avLst/>
+            </a:prstGeom>
+            <a:grpFill/>
+            <a:ln w="863600" cap="rnd">
+              <a:solidFill>
+                <a:schemeClr val="tx1"/>
+              </a:solidFill>
+              <a:round/>
+            </a:ln>
+          </p:spPr>
+          <p:style>
+            <a:lnRef idx="2">
+              <a:schemeClr val="accent1">
+                <a:shade val="50000"/>
+              </a:schemeClr>
+            </a:lnRef>
+            <a:fillRef idx="1">
+              <a:schemeClr val="accent1"/>
+            </a:fillRef>
+            <a:effectRef idx="0">
+              <a:schemeClr val="accent1"/>
+            </a:effectRef>
+            <a:fontRef idx="minor">
+              <a:schemeClr val="lt1"/>
+            </a:fontRef>
+          </p:style>
+          <p:txBody>
+            <a:bodyPr rtlCol="0" anchor="ctr"/>
+            <a:lstStyle/>
+            <a:p>
+              <a:pPr algn="ctr"/>
+              <a:endParaRPr lang="de-DE" sz="1588"/>
+            </a:p>
+          </p:txBody>
+        </p:sp>
+        <p:sp>
+          <p:nvSpPr>
+            <p:cNvPr id="6" name="Rechteck 5"/>
+            <p:cNvSpPr/>
+            <p:nvPr/>
+          </p:nvSpPr>
+          <p:spPr>
+            <a:xfrm>
+              <a:off x="4167555" y="1486694"/>
+              <a:ext cx="2464654" cy="1304396"/>
+            </a:xfrm>
+            <a:prstGeom prst="rect">
+              <a:avLst/>
+            </a:prstGeom>
+            <a:grpFill/>
+            <a:ln w="863600" cap="rnd">
+              <a:solidFill>
+                <a:schemeClr val="tx1"/>
+              </a:solidFill>
+              <a:round/>
+            </a:ln>
+          </p:spPr>
+          <p:style>
+            <a:lnRef idx="2">
+              <a:schemeClr val="accent1">
+                <a:shade val="50000"/>
+              </a:schemeClr>
+            </a:lnRef>
+            <a:fillRef idx="1">
+              <a:schemeClr val="accent1"/>
+            </a:fillRef>
+            <a:effectRef idx="0">
+              <a:schemeClr val="accent1"/>
+            </a:effectRef>
+            <a:fontRef idx="minor">
+              <a:schemeClr val="lt1"/>
+            </a:fontRef>
+          </p:style>
+          <p:txBody>
+            <a:bodyPr rtlCol="0" anchor="ctr"/>
+            <a:lstStyle/>
+            <a:p>
+              <a:pPr algn="ctr"/>
+              <a:endParaRPr lang="de-DE" sz="1588"/>
+            </a:p>
+          </p:txBody>
+        </p:sp>
+        <p:sp>
+          <p:nvSpPr>
+            <p:cNvPr id="8" name="Rechteck 7"/>
+            <p:cNvSpPr/>
+            <p:nvPr/>
+          </p:nvSpPr>
+          <p:spPr>
+            <a:xfrm>
+              <a:off x="1702901" y="2791090"/>
+              <a:ext cx="2464654" cy="1304396"/>
+            </a:xfrm>
+            <a:prstGeom prst="rect">
+              <a:avLst/>
+            </a:prstGeom>
+            <a:grpFill/>
+            <a:ln w="863600" cap="rnd">
+              <a:solidFill>
+                <a:schemeClr val="tx1"/>
+              </a:solidFill>
+              <a:round/>
+            </a:ln>
+          </p:spPr>
+          <p:style>
+            <a:lnRef idx="2">
+              <a:schemeClr val="accent1">
+                <a:shade val="50000"/>
+              </a:schemeClr>
+            </a:lnRef>
+            <a:fillRef idx="1">
+              <a:schemeClr val="accent1"/>
+            </a:fillRef>
+            <a:effectRef idx="0">
+              <a:schemeClr val="accent1"/>
+            </a:effectRef>
+            <a:fontRef idx="minor">
+              <a:schemeClr val="lt1"/>
+            </a:fontRef>
+          </p:style>
+          <p:txBody>
+            <a:bodyPr rtlCol="0" anchor="ctr"/>
+            <a:lstStyle/>
+            <a:p>
+              <a:pPr algn="ctr"/>
+              <a:endParaRPr lang="de-DE" sz="1588"/>
+            </a:p>
+          </p:txBody>
+        </p:sp>
+        <p:sp>
+          <p:nvSpPr>
+            <p:cNvPr id="9" name="Rechteck 8"/>
+            <p:cNvSpPr/>
+            <p:nvPr/>
+          </p:nvSpPr>
+          <p:spPr>
+            <a:xfrm>
+              <a:off x="4167555" y="2791090"/>
+              <a:ext cx="2464654" cy="1304396"/>
+            </a:xfrm>
+            <a:prstGeom prst="rect">
+              <a:avLst/>
+            </a:prstGeom>
+            <a:grpFill/>
+            <a:ln w="863600" cap="rnd">
+              <a:solidFill>
+                <a:schemeClr val="tx1"/>
+              </a:solidFill>
+              <a:round/>
+            </a:ln>
+          </p:spPr>
+          <p:style>
+            <a:lnRef idx="2">
+              <a:schemeClr val="accent1">
+                <a:shade val="50000"/>
+              </a:schemeClr>
+            </a:lnRef>
+            <a:fillRef idx="1">
+              <a:schemeClr val="accent1"/>
+            </a:fillRef>
+            <a:effectRef idx="0">
+              <a:schemeClr val="accent1"/>
+            </a:effectRef>
+            <a:fontRef idx="minor">
+              <a:schemeClr val="lt1"/>
+            </a:fontRef>
+          </p:style>
+          <p:txBody>
+            <a:bodyPr rtlCol="0" anchor="ctr"/>
+            <a:lstStyle/>
+            <a:p>
+              <a:pPr algn="ctr"/>
+              <a:endParaRPr lang="de-DE" sz="1588"/>
+            </a:p>
+          </p:txBody>
+        </p:sp>
+        <p:sp>
+          <p:nvSpPr>
+            <p:cNvPr id="11" name="Rechteck 10"/>
+            <p:cNvSpPr/>
+            <p:nvPr/>
+          </p:nvSpPr>
+          <p:spPr>
+            <a:xfrm>
+              <a:off x="1702901" y="4095486"/>
+              <a:ext cx="2464654" cy="1304396"/>
+            </a:xfrm>
+            <a:prstGeom prst="rect">
+              <a:avLst/>
+            </a:prstGeom>
+            <a:grpFill/>
+            <a:ln w="863600" cap="rnd">
+              <a:solidFill>
+                <a:schemeClr val="tx1"/>
+              </a:solidFill>
+              <a:round/>
+            </a:ln>
+          </p:spPr>
+          <p:style>
+            <a:lnRef idx="2">
+              <a:schemeClr val="accent1">
+                <a:shade val="50000"/>
+              </a:schemeClr>
+            </a:lnRef>
+            <a:fillRef idx="1">
+              <a:schemeClr val="accent1"/>
+            </a:fillRef>
+            <a:effectRef idx="0">
+              <a:schemeClr val="accent1"/>
+            </a:effectRef>
+            <a:fontRef idx="minor">
+              <a:schemeClr val="lt1"/>
+            </a:fontRef>
+          </p:style>
+          <p:txBody>
+            <a:bodyPr rtlCol="0" anchor="ctr"/>
+            <a:lstStyle/>
+            <a:p>
+              <a:pPr algn="ctr"/>
+              <a:endParaRPr lang="de-DE" sz="1588"/>
+            </a:p>
+          </p:txBody>
+        </p:sp>
+        <p:sp>
+          <p:nvSpPr>
+            <p:cNvPr id="12" name="Rechteck 11"/>
+            <p:cNvSpPr/>
+            <p:nvPr/>
+          </p:nvSpPr>
+          <p:spPr>
+            <a:xfrm>
+              <a:off x="4167555" y="4095486"/>
+              <a:ext cx="2464654" cy="1304396"/>
+            </a:xfrm>
+            <a:prstGeom prst="rect">
+              <a:avLst/>
+            </a:prstGeom>
+            <a:grpFill/>
+            <a:ln w="863600" cap="rnd">
+              <a:solidFill>
+                <a:schemeClr val="tx1"/>
+              </a:solidFill>
+              <a:round/>
+            </a:ln>
+          </p:spPr>
+          <p:style>
+            <a:lnRef idx="2">
+              <a:schemeClr val="accent1">
+                <a:shade val="50000"/>
+              </a:schemeClr>
+            </a:lnRef>
+            <a:fillRef idx="1">
+              <a:schemeClr val="accent1"/>
+            </a:fillRef>
+            <a:effectRef idx="0">
+              <a:schemeClr val="accent1"/>
+            </a:effectRef>
+            <a:fontRef idx="minor">
+              <a:schemeClr val="lt1"/>
+            </a:fontRef>
+          </p:style>
+          <p:txBody>
+            <a:bodyPr rtlCol="0" anchor="ctr"/>
+            <a:lstStyle/>
+            <a:p>
+              <a:pPr algn="ctr"/>
+              <a:endParaRPr lang="de-DE" sz="1588"/>
+            </a:p>
+          </p:txBody>
+        </p:sp>
+      </p:grpSp>
+      <p:sp>
+        <p:nvSpPr>
+          <p:cNvPr id="23" name="Rechteck 22"/>
+          <p:cNvSpPr/>
+          <p:nvPr/>
+        </p:nvSpPr>
+        <p:spPr>
+          <a:xfrm>
+            <a:off x="1" y="1"/>
+            <a:ext cx="9525000" cy="9525000"/>
+          </a:xfrm>
+          <a:prstGeom prst="rect">
+            <a:avLst/>
+          </a:prstGeom>
+          <a:noFill/>
+          <a:ln>
+            <a:noFill/>
+          </a:ln>
+        </p:spPr>
+        <p:style>
+          <a:lnRef idx="2">
+            <a:schemeClr val="accent1">
+              <a:shade val="50000"/>
+            </a:schemeClr>
+          </a:lnRef>
+          <a:fillRef idx="1">
+            <a:schemeClr val="accent1"/>
+          </a:fillRef>
+          <a:effectRef idx="0">
+            <a:schemeClr val="accent1"/>
+          </a:effectRef>
+          <a:fontRef idx="minor">
+            <a:schemeClr val="lt1"/>
+          </a:fontRef>
+        </p:style>
+        <p:txBody>
+          <a:bodyPr rtlCol="0" anchor="ctr"/>
+          <a:lstStyle/>
+          <a:p>
+            <a:pPr algn="ctr"/>
+            <a:endParaRPr lang="de-DE" sz="1588"/>
+          </a:p>
+        </p:txBody>
+      </p:sp>
+    </p:spTree>
+    <p:extLst>
+      <p:ext uri="{BB962C8B-B14F-4D97-AF65-F5344CB8AC3E}">
+        <p14:creationId xmlns:p14="http://schemas.microsoft.com/office/powerpoint/2010/main" val="3974116878"/>
+      </p:ext>
+    </p:extLst>
+  </p:cSld>
+  <p:clrMapOvr>
+    <a:masterClrMapping/>
+  </p:clrMapOvr>
+</p:sld>
+</file>
+
+<file path=ppt/slides/slide17.xml><?xml version="1.0" encoding="utf-8"?>
+<p:sld xmlns:a="http://schemas.openxmlformats.org/drawingml/2006/main" xmlns:r="http://schemas.openxmlformats.org/officeDocument/2006/relationships" xmlns:p="http://schemas.openxmlformats.org/presentationml/2006/main">
+  <p:cSld>
+    <p:spTree>
+      <p:nvGrpSpPr>
+        <p:cNvPr id="1" name=""/>
+        <p:cNvGrpSpPr/>
+        <p:nvPr/>
+      </p:nvGrpSpPr>
+      <p:grpSpPr>
+        <a:xfrm>
+          <a:off x="0" y="0"/>
+          <a:ext cx="0" cy="0"/>
+          <a:chOff x="0" y="0"/>
+          <a:chExt cx="0" cy="0"/>
+        </a:xfrm>
+      </p:grpSpPr>
+      <p:sp>
+        <p:nvSpPr>
+          <p:cNvPr id="14" name="Freihandform 13"/>
+          <p:cNvSpPr/>
+          <p:nvPr/>
+        </p:nvSpPr>
+        <p:spPr>
+          <a:xfrm>
+            <a:off x="792164" y="792161"/>
+            <a:ext cx="7940674" cy="7940676"/>
+          </a:xfrm>
+          <a:custGeom>
+            <a:avLst/>
+            <a:gdLst>
+              <a:gd name="connsiteX0" fmla="*/ 3970336 w 7940674"/>
+              <a:gd name="connsiteY0" fmla="*/ 2093913 h 7940676"/>
+              <a:gd name="connsiteX1" fmla="*/ 2874961 w 7940674"/>
+              <a:gd name="connsiteY1" fmla="*/ 3970338 h 7940676"/>
+              <a:gd name="connsiteX2" fmla="*/ 3970336 w 7940674"/>
+              <a:gd name="connsiteY2" fmla="*/ 5846763 h 7940676"/>
+              <a:gd name="connsiteX3" fmla="*/ 5065711 w 7940674"/>
+              <a:gd name="connsiteY3" fmla="*/ 3970338 h 7940676"/>
+              <a:gd name="connsiteX4" fmla="*/ 3970336 w 7940674"/>
+              <a:gd name="connsiteY4" fmla="*/ 2093913 h 7940676"/>
+              <a:gd name="connsiteX5" fmla="*/ 3970337 w 7940674"/>
+              <a:gd name="connsiteY5" fmla="*/ 0 h 7940676"/>
+              <a:gd name="connsiteX6" fmla="*/ 7940674 w 7940674"/>
+              <a:gd name="connsiteY6" fmla="*/ 3970338 h 7940676"/>
+              <a:gd name="connsiteX7" fmla="*/ 3970337 w 7940674"/>
+              <a:gd name="connsiteY7" fmla="*/ 7940676 h 7940676"/>
+              <a:gd name="connsiteX8" fmla="*/ 0 w 7940674"/>
+              <a:gd name="connsiteY8" fmla="*/ 3970338 h 7940676"/>
+              <a:gd name="connsiteX9" fmla="*/ 3970337 w 7940674"/>
+              <a:gd name="connsiteY9" fmla="*/ 0 h 7940676"/>
+            </a:gdLst>
+            <a:ahLst/>
+            <a:cxnLst>
+              <a:cxn ang="0">
+                <a:pos x="connsiteX0" y="connsiteY0"/>
+              </a:cxn>
+              <a:cxn ang="0">
+                <a:pos x="connsiteX1" y="connsiteY1"/>
+              </a:cxn>
+              <a:cxn ang="0">
+                <a:pos x="connsiteX2" y="connsiteY2"/>
+              </a:cxn>
+              <a:cxn ang="0">
+                <a:pos x="connsiteX3" y="connsiteY3"/>
+              </a:cxn>
+              <a:cxn ang="0">
+                <a:pos x="connsiteX4" y="connsiteY4"/>
+              </a:cxn>
+              <a:cxn ang="0">
+                <a:pos x="connsiteX5" y="connsiteY5"/>
+              </a:cxn>
+              <a:cxn ang="0">
+                <a:pos x="connsiteX6" y="connsiteY6"/>
+              </a:cxn>
+              <a:cxn ang="0">
+                <a:pos x="connsiteX7" y="connsiteY7"/>
+              </a:cxn>
+              <a:cxn ang="0">
+                <a:pos x="connsiteX8" y="connsiteY8"/>
+              </a:cxn>
+              <a:cxn ang="0">
+                <a:pos x="connsiteX9" y="connsiteY9"/>
+              </a:cxn>
+            </a:cxnLst>
+            <a:rect l="l" t="t" r="r" b="b"/>
+            <a:pathLst>
+              <a:path w="7940674" h="7940676">
+                <a:moveTo>
+                  <a:pt x="3970336" y="2093913"/>
+                </a:moveTo>
+                <a:cubicBezTo>
+                  <a:pt x="3365377" y="2093913"/>
+                  <a:pt x="2874961" y="2934017"/>
+                  <a:pt x="2874961" y="3970338"/>
+                </a:cubicBezTo>
+                <a:cubicBezTo>
+                  <a:pt x="2874961" y="5006659"/>
+                  <a:pt x="3365377" y="5846763"/>
+                  <a:pt x="3970336" y="5846763"/>
+                </a:cubicBezTo>
+                <a:cubicBezTo>
+                  <a:pt x="4575295" y="5846763"/>
+                  <a:pt x="5065711" y="5006659"/>
+                  <a:pt x="5065711" y="3970338"/>
+                </a:cubicBezTo>
+                <a:cubicBezTo>
+                  <a:pt x="5065711" y="2934017"/>
+                  <a:pt x="4575295" y="2093913"/>
+                  <a:pt x="3970336" y="2093913"/>
+                </a:cubicBezTo>
+                <a:close/>
+                <a:moveTo>
+                  <a:pt x="3970337" y="0"/>
+                </a:moveTo>
+                <a:cubicBezTo>
+                  <a:pt x="6163094" y="0"/>
+                  <a:pt x="7940674" y="1777581"/>
+                  <a:pt x="7940674" y="3970338"/>
+                </a:cubicBezTo>
+                <a:cubicBezTo>
+                  <a:pt x="7940674" y="6163095"/>
+                  <a:pt x="6163094" y="7940676"/>
+                  <a:pt x="3970337" y="7940676"/>
+                </a:cubicBezTo>
+                <a:cubicBezTo>
+                  <a:pt x="1777580" y="7940676"/>
+                  <a:pt x="0" y="6163095"/>
+                  <a:pt x="0" y="3970338"/>
+                </a:cubicBezTo>
+                <a:cubicBezTo>
+                  <a:pt x="0" y="1777581"/>
+                  <a:pt x="1777580" y="0"/>
+                  <a:pt x="3970337" y="0"/>
+                </a:cubicBezTo>
+                <a:close/>
+              </a:path>
+            </a:pathLst>
+          </a:custGeom>
+          <a:solidFill>
+            <a:srgbClr val="2B2B2B"/>
+          </a:solidFill>
+          <a:ln>
+            <a:noFill/>
+          </a:ln>
+        </p:spPr>
+        <p:style>
+          <a:lnRef idx="2">
+            <a:schemeClr val="accent1">
+              <a:shade val="50000"/>
+            </a:schemeClr>
+          </a:lnRef>
+          <a:fillRef idx="1">
+            <a:schemeClr val="accent1"/>
+          </a:fillRef>
+          <a:effectRef idx="0">
+            <a:schemeClr val="accent1"/>
+          </a:effectRef>
+          <a:fontRef idx="minor">
+            <a:schemeClr val="lt1"/>
+          </a:fontRef>
+        </p:style>
+        <p:txBody>
+          <a:bodyPr rtlCol="0" anchor="ctr"/>
+          <a:lstStyle/>
+          <a:p>
+            <a:pPr algn="ctr"/>
+            <a:endParaRPr lang="de-DE"/>
+          </a:p>
+        </p:txBody>
+      </p:sp>
+      <p:sp>
+        <p:nvSpPr>
+          <p:cNvPr id="23" name="Rechteck 22"/>
+          <p:cNvSpPr/>
+          <p:nvPr/>
+        </p:nvSpPr>
+        <p:spPr>
+          <a:xfrm>
+            <a:off x="1" y="1"/>
+            <a:ext cx="9525000" cy="9525000"/>
+          </a:xfrm>
+          <a:prstGeom prst="rect">
+            <a:avLst/>
+          </a:prstGeom>
+          <a:noFill/>
+          <a:ln>
+            <a:noFill/>
+          </a:ln>
+        </p:spPr>
+        <p:style>
+          <a:lnRef idx="2">
+            <a:schemeClr val="accent1">
+              <a:shade val="50000"/>
+            </a:schemeClr>
+          </a:lnRef>
+          <a:fillRef idx="1">
+            <a:schemeClr val="accent1"/>
+          </a:fillRef>
+          <a:effectRef idx="0">
+            <a:schemeClr val="accent1"/>
+          </a:effectRef>
+          <a:fontRef idx="minor">
+            <a:schemeClr val="lt1"/>
+          </a:fontRef>
+        </p:style>
+        <p:txBody>
+          <a:bodyPr rtlCol="0" anchor="ctr"/>
+          <a:lstStyle/>
+          <a:p>
+            <a:pPr algn="ctr"/>
+            <a:endParaRPr lang="de-DE" sz="1588"/>
+          </a:p>
+        </p:txBody>
+      </p:sp>
+    </p:spTree>
+    <p:extLst>
+      <p:ext uri="{BB962C8B-B14F-4D97-AF65-F5344CB8AC3E}">
+        <p14:creationId xmlns:p14="http://schemas.microsoft.com/office/powerpoint/2010/main" val="4020185564"/>
+      </p:ext>
+    </p:extLst>
+  </p:cSld>
+  <p:clrMapOvr>
+    <a:masterClrMapping/>
+  </p:clrMapOvr>
+</p:sld>
+</file>
+
+<file path=ppt/slides/slide18.xml><?xml version="1.0" encoding="utf-8"?>
+<p:sld xmlns:a="http://schemas.openxmlformats.org/drawingml/2006/main" xmlns:r="http://schemas.openxmlformats.org/officeDocument/2006/relationships" xmlns:p="http://schemas.openxmlformats.org/presentationml/2006/main">
+  <p:cSld>
+    <p:spTree>
+      <p:nvGrpSpPr>
+        <p:cNvPr id="1" name=""/>
+        <p:cNvGrpSpPr/>
+        <p:nvPr/>
+      </p:nvGrpSpPr>
+      <p:grpSpPr>
+        <a:xfrm>
+          <a:off x="0" y="0"/>
+          <a:ext cx="0" cy="0"/>
+          <a:chOff x="0" y="0"/>
+          <a:chExt cx="0" cy="0"/>
+        </a:xfrm>
+      </p:grpSpPr>
+      <p:sp>
+        <p:nvSpPr>
+          <p:cNvPr id="8" name="Rechteck: abgerundete Ecken 7"/>
+          <p:cNvSpPr/>
+          <p:nvPr/>
+        </p:nvSpPr>
+        <p:spPr>
+          <a:xfrm>
+            <a:off x="-1680841" y="1"/>
+            <a:ext cx="12886682" cy="9525000"/>
+          </a:xfrm>
+          <a:prstGeom prst="roundRect">
+            <a:avLst>
+              <a:gd name="adj" fmla="val 0"/>
+            </a:avLst>
+          </a:prstGeom>
+          <a:noFill/>
+          <a:ln>
+            <a:noFill/>
+          </a:ln>
+        </p:spPr>
+        <p:style>
+          <a:lnRef idx="2">
+            <a:schemeClr val="accent1">
+              <a:shade val="50000"/>
+            </a:schemeClr>
+          </a:lnRef>
+          <a:fillRef idx="1">
+            <a:schemeClr val="accent1"/>
+          </a:fillRef>
+          <a:effectRef idx="0">
+            <a:schemeClr val="accent1"/>
+          </a:effectRef>
+          <a:fontRef idx="minor">
+            <a:schemeClr val="lt1"/>
+          </a:fontRef>
+        </p:style>
+        <p:txBody>
+          <a:bodyPr rtlCol="0" anchor="ctr"/>
+          <a:lstStyle/>
+          <a:p>
+            <a:pPr algn="ctr"/>
+            <a:endParaRPr lang="de-DE" sz="1588"/>
+          </a:p>
+        </p:txBody>
+      </p:sp>
+      <p:sp>
+        <p:nvSpPr>
+          <p:cNvPr id="2" name="Rad 1"/>
+          <p:cNvSpPr/>
+          <p:nvPr/>
+        </p:nvSpPr>
+        <p:spPr>
+          <a:xfrm>
+            <a:off x="650810" y="475980"/>
+            <a:ext cx="6540644" cy="6541349"/>
+          </a:xfrm>
+          <a:prstGeom prst="donut">
+            <a:avLst>
+              <a:gd name="adj" fmla="val 14531"/>
+            </a:avLst>
+          </a:prstGeom>
+          <a:solidFill>
+            <a:srgbClr val="0070C0"/>
+          </a:solidFill>
+          <a:ln>
+            <a:noFill/>
+          </a:ln>
+        </p:spPr>
+        <p:style>
+          <a:lnRef idx="2">
+            <a:schemeClr val="accent1">
+              <a:shade val="50000"/>
+            </a:schemeClr>
+          </a:lnRef>
+          <a:fillRef idx="1">
+            <a:schemeClr val="accent1"/>
+          </a:fillRef>
+          <a:effectRef idx="0">
+            <a:schemeClr val="accent1"/>
+          </a:effectRef>
+          <a:fontRef idx="minor">
+            <a:schemeClr val="lt1"/>
+          </a:fontRef>
+        </p:style>
+        <p:txBody>
+          <a:bodyPr rtlCol="0" anchor="ctr"/>
+          <a:lstStyle/>
+          <a:p>
+            <a:pPr algn="ctr"/>
+            <a:endParaRPr lang="de-DE" sz="1588">
+              <a:solidFill>
+                <a:schemeClr val="tx1"/>
+              </a:solidFill>
+            </a:endParaRPr>
+          </a:p>
+        </p:txBody>
+      </p:sp>
+      <p:sp>
+        <p:nvSpPr>
+          <p:cNvPr id="3" name="Abgerundetes Rechteck 2"/>
+          <p:cNvSpPr/>
+          <p:nvPr/>
+        </p:nvSpPr>
+        <p:spPr>
+          <a:xfrm rot="2815804">
+            <a:off x="4856623" y="6383732"/>
+            <a:ext cx="4636860" cy="1645676"/>
+          </a:xfrm>
+          <a:prstGeom prst="roundRect">
+            <a:avLst>
+              <a:gd name="adj" fmla="val 50000"/>
+            </a:avLst>
+          </a:prstGeom>
+          <a:solidFill>
+            <a:srgbClr val="0070C0"/>
+          </a:solidFill>
+          <a:ln>
+            <a:noFill/>
+          </a:ln>
+        </p:spPr>
+        <p:style>
+          <a:lnRef idx="2">
+            <a:schemeClr val="accent1">
+              <a:shade val="50000"/>
+            </a:schemeClr>
+          </a:lnRef>
+          <a:fillRef idx="1">
+            <a:schemeClr val="accent1"/>
+          </a:fillRef>
+          <a:effectRef idx="0">
+            <a:schemeClr val="accent1"/>
+          </a:effectRef>
+          <a:fontRef idx="minor">
+            <a:schemeClr val="lt1"/>
+          </a:fontRef>
+        </p:style>
+        <p:txBody>
+          <a:bodyPr rtlCol="0" anchor="ctr"/>
+          <a:lstStyle/>
+          <a:p>
+            <a:pPr algn="ctr"/>
+            <a:endParaRPr lang="de-DE" sz="1588"/>
+          </a:p>
+        </p:txBody>
+      </p:sp>
+    </p:spTree>
+    <p:extLst>
+      <p:ext uri="{BB962C8B-B14F-4D97-AF65-F5344CB8AC3E}">
+        <p14:creationId xmlns:p14="http://schemas.microsoft.com/office/powerpoint/2010/main" val="1586326476"/>
+      </p:ext>
+    </p:extLst>
+  </p:cSld>
+  <p:clrMapOvr>
+    <a:masterClrMapping/>
+  </p:clrMapOvr>
+</p:sld>
+</file>
+
+<file path=ppt/slides/slide19.xml><?xml version="1.0" encoding="utf-8"?>
+<p:sld xmlns:a="http://schemas.openxmlformats.org/drawingml/2006/main" xmlns:r="http://schemas.openxmlformats.org/officeDocument/2006/relationships" xmlns:p="http://schemas.openxmlformats.org/presentationml/2006/main">
+  <p:cSld>
+    <p:spTree>
+      <p:nvGrpSpPr>
+        <p:cNvPr id="1" name=""/>
+        <p:cNvGrpSpPr/>
+        <p:nvPr/>
+      </p:nvGrpSpPr>
+      <p:grpSpPr>
+        <a:xfrm>
+          <a:off x="0" y="0"/>
+          <a:ext cx="0" cy="0"/>
+          <a:chOff x="0" y="0"/>
+          <a:chExt cx="0" cy="0"/>
+        </a:xfrm>
+      </p:grpSpPr>
+      <p:sp>
+        <p:nvSpPr>
+          <p:cNvPr id="8" name="Rechteck: abgerundete Ecken 7"/>
+          <p:cNvSpPr/>
+          <p:nvPr/>
+        </p:nvSpPr>
+        <p:spPr>
+          <a:xfrm>
+            <a:off x="1" y="1"/>
+            <a:ext cx="9525000" cy="9525000"/>
+          </a:xfrm>
+          <a:prstGeom prst="roundRect">
+            <a:avLst>
+              <a:gd name="adj" fmla="val 0"/>
+            </a:avLst>
+          </a:prstGeom>
+          <a:noFill/>
+          <a:ln>
+            <a:noFill/>
+          </a:ln>
+        </p:spPr>
+        <p:style>
+          <a:lnRef idx="2">
+            <a:schemeClr val="accent1">
+              <a:shade val="50000"/>
+            </a:schemeClr>
+          </a:lnRef>
+          <a:fillRef idx="1">
+            <a:schemeClr val="accent1"/>
+          </a:fillRef>
+          <a:effectRef idx="0">
+            <a:schemeClr val="accent1"/>
+          </a:effectRef>
+          <a:fontRef idx="minor">
+            <a:schemeClr val="lt1"/>
+          </a:fontRef>
+        </p:style>
+        <p:txBody>
+          <a:bodyPr rtlCol="0" anchor="ctr"/>
+          <a:lstStyle/>
+          <a:p>
+            <a:pPr algn="ctr"/>
+            <a:endParaRPr lang="de-DE" sz="1588"/>
+          </a:p>
+        </p:txBody>
+      </p:sp>
+      <p:grpSp>
+        <p:nvGrpSpPr>
+          <p:cNvPr id="30" name="Gruppieren 29"/>
+          <p:cNvGrpSpPr>
+            <a:grpSpLocks noChangeAspect="1"/>
+          </p:cNvGrpSpPr>
+          <p:nvPr/>
+        </p:nvGrpSpPr>
+        <p:grpSpPr>
+          <a:xfrm>
+            <a:off x="715502" y="2786059"/>
+            <a:ext cx="8093997" cy="3952883"/>
+            <a:chOff x="2616200" y="4040981"/>
+            <a:chExt cx="5461000" cy="2667000"/>
+          </a:xfrm>
+        </p:grpSpPr>
+        <p:cxnSp>
+          <p:nvCxnSpPr>
+            <p:cNvPr id="11" name="Gekrümmte Verbindung 10"/>
+            <p:cNvCxnSpPr/>
+            <p:nvPr/>
+          </p:nvCxnSpPr>
+          <p:spPr>
+            <a:xfrm>
+              <a:off x="2616200" y="4040981"/>
+              <a:ext cx="5461000" cy="2667000"/>
+            </a:xfrm>
+            <a:prstGeom prst="curvedConnector3">
+              <a:avLst>
+                <a:gd name="adj1" fmla="val 50000"/>
+              </a:avLst>
+            </a:prstGeom>
+            <a:ln w="889000" cap="rnd">
+              <a:solidFill>
+                <a:srgbClr val="FFC000"/>
+              </a:solidFill>
+              <a:round/>
+              <a:tailEnd type="stealth"/>
+            </a:ln>
+          </p:spPr>
+          <p:style>
+            <a:lnRef idx="1">
+              <a:schemeClr val="accent1"/>
+            </a:lnRef>
+            <a:fillRef idx="0">
+              <a:schemeClr val="accent1"/>
+            </a:fillRef>
+            <a:effectRef idx="0">
+              <a:schemeClr val="accent1"/>
+            </a:effectRef>
+            <a:fontRef idx="minor">
+              <a:schemeClr val="tx1"/>
+            </a:fontRef>
+          </p:style>
+        </p:cxnSp>
+        <p:cxnSp>
+          <p:nvCxnSpPr>
+            <p:cNvPr id="28" name="Gekrümmte Verbindung 27"/>
+            <p:cNvCxnSpPr/>
+            <p:nvPr/>
+          </p:nvCxnSpPr>
+          <p:spPr>
+            <a:xfrm flipV="1">
+              <a:off x="2624931" y="4040981"/>
+              <a:ext cx="5443538" cy="2667000"/>
+            </a:xfrm>
+            <a:prstGeom prst="curvedConnector3">
+              <a:avLst>
+                <a:gd name="adj1" fmla="val 50000"/>
+              </a:avLst>
+            </a:prstGeom>
+            <a:ln w="889000" cap="rnd">
+              <a:solidFill>
+                <a:srgbClr val="FFC000"/>
+              </a:solidFill>
+              <a:round/>
+              <a:tailEnd type="stealth"/>
+            </a:ln>
+          </p:spPr>
+          <p:style>
+            <a:lnRef idx="1">
+              <a:schemeClr val="accent1"/>
+            </a:lnRef>
+            <a:fillRef idx="0">
+              <a:schemeClr val="accent1"/>
+            </a:fillRef>
+            <a:effectRef idx="0">
+              <a:schemeClr val="accent1"/>
+            </a:effectRef>
+            <a:fontRef idx="minor">
+              <a:schemeClr val="tx1"/>
+            </a:fontRef>
+          </p:style>
+        </p:cxnSp>
+      </p:grpSp>
+    </p:spTree>
+    <p:extLst>
+      <p:ext uri="{BB962C8B-B14F-4D97-AF65-F5344CB8AC3E}">
+        <p14:creationId xmlns:p14="http://schemas.microsoft.com/office/powerpoint/2010/main" val="3623777412"/>
+      </p:ext>
+    </p:extLst>
+  </p:cSld>
+  <p:clrMapOvr>
+    <a:masterClrMapping/>
+  </p:clrMapOvr>
+</p:sld>
+</file>
+
 <file path=ppt/slides/slide2.xml><?xml version="1.0" encoding="utf-8"?>
 <p:sld xmlns:a="http://schemas.openxmlformats.org/drawingml/2006/main" xmlns:r="http://schemas.openxmlformats.org/officeDocument/2006/relationships" xmlns:p="http://schemas.openxmlformats.org/presentationml/2006/main">
   <p:cSld>
@@ -3618,6 +7186,954 @@
     <p:extLst>
       <p:ext uri="{BB962C8B-B14F-4D97-AF65-F5344CB8AC3E}">
         <p14:creationId xmlns:p14="http://schemas.microsoft.com/office/powerpoint/2010/main" val="3820475310"/>
+      </p:ext>
+    </p:extLst>
+  </p:cSld>
+  <p:clrMapOvr>
+    <a:masterClrMapping/>
+  </p:clrMapOvr>
+</p:sld>
+</file>
+
+<file path=ppt/slides/slide20.xml><?xml version="1.0" encoding="utf-8"?>
+<p:sld xmlns:a="http://schemas.openxmlformats.org/drawingml/2006/main" xmlns:r="http://schemas.openxmlformats.org/officeDocument/2006/relationships" xmlns:p="http://schemas.openxmlformats.org/presentationml/2006/main">
+  <p:cSld>
+    <p:spTree>
+      <p:nvGrpSpPr>
+        <p:cNvPr id="1" name=""/>
+        <p:cNvGrpSpPr/>
+        <p:nvPr/>
+      </p:nvGrpSpPr>
+      <p:grpSpPr>
+        <a:xfrm>
+          <a:off x="0" y="0"/>
+          <a:ext cx="0" cy="0"/>
+          <a:chOff x="0" y="0"/>
+          <a:chExt cx="0" cy="0"/>
+        </a:xfrm>
+      </p:grpSpPr>
+      <p:sp>
+        <p:nvSpPr>
+          <p:cNvPr id="4" name="Rechteck 3"/>
+          <p:cNvSpPr/>
+          <p:nvPr/>
+        </p:nvSpPr>
+        <p:spPr>
+          <a:xfrm>
+            <a:off x="793663" y="2381198"/>
+            <a:ext cx="7937675" cy="1587535"/>
+          </a:xfrm>
+          <a:prstGeom prst="rect">
+            <a:avLst/>
+          </a:prstGeom>
+          <a:solidFill>
+            <a:schemeClr val="tx1"/>
+          </a:solidFill>
+          <a:ln>
+            <a:noFill/>
+          </a:ln>
+        </p:spPr>
+        <p:style>
+          <a:lnRef idx="2">
+            <a:schemeClr val="accent1">
+              <a:shade val="50000"/>
+            </a:schemeClr>
+          </a:lnRef>
+          <a:fillRef idx="1">
+            <a:schemeClr val="accent1"/>
+          </a:fillRef>
+          <a:effectRef idx="0">
+            <a:schemeClr val="accent1"/>
+          </a:effectRef>
+          <a:fontRef idx="minor">
+            <a:schemeClr val="lt1"/>
+          </a:fontRef>
+        </p:style>
+        <p:txBody>
+          <a:bodyPr rtlCol="0" anchor="ctr"/>
+          <a:lstStyle/>
+          <a:p>
+            <a:pPr algn="ctr"/>
+            <a:endParaRPr lang="de-DE" sz="1588"/>
+          </a:p>
+        </p:txBody>
+      </p:sp>
+      <p:sp>
+        <p:nvSpPr>
+          <p:cNvPr id="5" name="Rechteck 4"/>
+          <p:cNvSpPr/>
+          <p:nvPr/>
+        </p:nvSpPr>
+        <p:spPr>
+          <a:xfrm>
+            <a:off x="793663" y="3968733"/>
+            <a:ext cx="7937675" cy="1587535"/>
+          </a:xfrm>
+          <a:prstGeom prst="rect">
+            <a:avLst/>
+          </a:prstGeom>
+          <a:solidFill>
+            <a:srgbClr val="C00000"/>
+          </a:solidFill>
+          <a:ln>
+            <a:noFill/>
+          </a:ln>
+        </p:spPr>
+        <p:style>
+          <a:lnRef idx="2">
+            <a:schemeClr val="accent1">
+              <a:shade val="50000"/>
+            </a:schemeClr>
+          </a:lnRef>
+          <a:fillRef idx="1">
+            <a:schemeClr val="accent1"/>
+          </a:fillRef>
+          <a:effectRef idx="0">
+            <a:schemeClr val="accent1"/>
+          </a:effectRef>
+          <a:fontRef idx="minor">
+            <a:schemeClr val="lt1"/>
+          </a:fontRef>
+        </p:style>
+        <p:txBody>
+          <a:bodyPr rtlCol="0" anchor="ctr"/>
+          <a:lstStyle/>
+          <a:p>
+            <a:pPr algn="ctr"/>
+            <a:endParaRPr lang="de-DE" sz="1588"/>
+          </a:p>
+        </p:txBody>
+      </p:sp>
+      <p:sp>
+        <p:nvSpPr>
+          <p:cNvPr id="6" name="Rechteck 5"/>
+          <p:cNvSpPr/>
+          <p:nvPr/>
+        </p:nvSpPr>
+        <p:spPr>
+          <a:xfrm>
+            <a:off x="793663" y="5556269"/>
+            <a:ext cx="7937675" cy="1587535"/>
+          </a:xfrm>
+          <a:prstGeom prst="rect">
+            <a:avLst/>
+          </a:prstGeom>
+          <a:solidFill>
+            <a:srgbClr val="FFC000"/>
+          </a:solidFill>
+          <a:ln>
+            <a:noFill/>
+          </a:ln>
+        </p:spPr>
+        <p:style>
+          <a:lnRef idx="2">
+            <a:schemeClr val="accent1">
+              <a:shade val="50000"/>
+            </a:schemeClr>
+          </a:lnRef>
+          <a:fillRef idx="1">
+            <a:schemeClr val="accent1"/>
+          </a:fillRef>
+          <a:effectRef idx="0">
+            <a:schemeClr val="accent1"/>
+          </a:effectRef>
+          <a:fontRef idx="minor">
+            <a:schemeClr val="lt1"/>
+          </a:fontRef>
+        </p:style>
+        <p:txBody>
+          <a:bodyPr rtlCol="0" anchor="ctr"/>
+          <a:lstStyle/>
+          <a:p>
+            <a:pPr algn="ctr"/>
+            <a:endParaRPr lang="de-DE" sz="1588"/>
+          </a:p>
+        </p:txBody>
+      </p:sp>
+    </p:spTree>
+    <p:extLst>
+      <p:ext uri="{BB962C8B-B14F-4D97-AF65-F5344CB8AC3E}">
+        <p14:creationId xmlns:p14="http://schemas.microsoft.com/office/powerpoint/2010/main" val="2830696408"/>
+      </p:ext>
+    </p:extLst>
+  </p:cSld>
+  <p:clrMapOvr>
+    <a:masterClrMapping/>
+  </p:clrMapOvr>
+</p:sld>
+</file>
+
+<file path=ppt/slides/slide21.xml><?xml version="1.0" encoding="utf-8"?>
+<p:sld xmlns:a="http://schemas.openxmlformats.org/drawingml/2006/main" xmlns:r="http://schemas.openxmlformats.org/officeDocument/2006/relationships" xmlns:p="http://schemas.openxmlformats.org/presentationml/2006/main">
+  <p:cSld>
+    <p:spTree>
+      <p:nvGrpSpPr>
+        <p:cNvPr id="1" name=""/>
+        <p:cNvGrpSpPr/>
+        <p:nvPr/>
+      </p:nvGrpSpPr>
+      <p:grpSpPr>
+        <a:xfrm>
+          <a:off x="0" y="0"/>
+          <a:ext cx="0" cy="0"/>
+          <a:chOff x="0" y="0"/>
+          <a:chExt cx="0" cy="0"/>
+        </a:xfrm>
+      </p:grpSpPr>
+      <p:sp>
+        <p:nvSpPr>
+          <p:cNvPr id="2" name="Rechteck 1"/>
+          <p:cNvSpPr/>
+          <p:nvPr/>
+        </p:nvSpPr>
+        <p:spPr>
+          <a:xfrm>
+            <a:off x="793663" y="2381197"/>
+            <a:ext cx="7937675" cy="4762606"/>
+          </a:xfrm>
+          <a:prstGeom prst="rect">
+            <a:avLst/>
+          </a:prstGeom>
+          <a:solidFill>
+            <a:srgbClr val="00247D"/>
+          </a:solidFill>
+          <a:ln>
+            <a:noFill/>
+          </a:ln>
+        </p:spPr>
+        <p:style>
+          <a:lnRef idx="2">
+            <a:schemeClr val="accent1">
+              <a:shade val="50000"/>
+            </a:schemeClr>
+          </a:lnRef>
+          <a:fillRef idx="1">
+            <a:schemeClr val="accent1"/>
+          </a:fillRef>
+          <a:effectRef idx="0">
+            <a:schemeClr val="accent1"/>
+          </a:effectRef>
+          <a:fontRef idx="minor">
+            <a:schemeClr val="lt1"/>
+          </a:fontRef>
+        </p:style>
+        <p:txBody>
+          <a:bodyPr rtlCol="0" anchor="ctr"/>
+          <a:lstStyle/>
+          <a:p>
+            <a:pPr algn="ctr"/>
+            <a:endParaRPr lang="de-DE" sz="1588"/>
+          </a:p>
+        </p:txBody>
+      </p:sp>
+      <p:sp>
+        <p:nvSpPr>
+          <p:cNvPr id="8" name="Diagonaler Streifen 7"/>
+          <p:cNvSpPr/>
+          <p:nvPr/>
+        </p:nvSpPr>
+        <p:spPr>
+          <a:xfrm>
+            <a:off x="793663" y="2381198"/>
+            <a:ext cx="7937675" cy="4762605"/>
+          </a:xfrm>
+          <a:prstGeom prst="diagStripe">
+            <a:avLst>
+              <a:gd name="adj" fmla="val 88241"/>
+            </a:avLst>
+          </a:prstGeom>
+          <a:solidFill>
+            <a:schemeClr val="bg1"/>
+          </a:solidFill>
+          <a:ln>
+            <a:noFill/>
+          </a:ln>
+        </p:spPr>
+        <p:style>
+          <a:lnRef idx="2">
+            <a:schemeClr val="accent1">
+              <a:shade val="50000"/>
+            </a:schemeClr>
+          </a:lnRef>
+          <a:fillRef idx="1">
+            <a:schemeClr val="accent1"/>
+          </a:fillRef>
+          <a:effectRef idx="0">
+            <a:schemeClr val="accent1"/>
+          </a:effectRef>
+          <a:fontRef idx="minor">
+            <a:schemeClr val="lt1"/>
+          </a:fontRef>
+        </p:style>
+        <p:txBody>
+          <a:bodyPr rtlCol="0" anchor="ctr"/>
+          <a:lstStyle/>
+          <a:p>
+            <a:pPr algn="ctr"/>
+            <a:endParaRPr lang="de-DE" sz="1588"/>
+          </a:p>
+        </p:txBody>
+      </p:sp>
+      <p:sp>
+        <p:nvSpPr>
+          <p:cNvPr id="9" name="Diagonaler Streifen 8"/>
+          <p:cNvSpPr/>
+          <p:nvPr/>
+        </p:nvSpPr>
+        <p:spPr>
+          <a:xfrm rot="10800000">
+            <a:off x="793663" y="2381198"/>
+            <a:ext cx="7937675" cy="4762605"/>
+          </a:xfrm>
+          <a:prstGeom prst="diagStripe">
+            <a:avLst>
+              <a:gd name="adj" fmla="val 88241"/>
+            </a:avLst>
+          </a:prstGeom>
+          <a:solidFill>
+            <a:schemeClr val="bg1"/>
+          </a:solidFill>
+          <a:ln>
+            <a:noFill/>
+          </a:ln>
+        </p:spPr>
+        <p:style>
+          <a:lnRef idx="2">
+            <a:schemeClr val="accent1">
+              <a:shade val="50000"/>
+            </a:schemeClr>
+          </a:lnRef>
+          <a:fillRef idx="1">
+            <a:schemeClr val="accent1"/>
+          </a:fillRef>
+          <a:effectRef idx="0">
+            <a:schemeClr val="accent1"/>
+          </a:effectRef>
+          <a:fontRef idx="minor">
+            <a:schemeClr val="lt1"/>
+          </a:fontRef>
+        </p:style>
+        <p:txBody>
+          <a:bodyPr rtlCol="0" anchor="ctr"/>
+          <a:lstStyle/>
+          <a:p>
+            <a:pPr algn="ctr"/>
+            <a:endParaRPr lang="de-DE" sz="1588"/>
+          </a:p>
+        </p:txBody>
+      </p:sp>
+      <p:sp>
+        <p:nvSpPr>
+          <p:cNvPr id="10" name="Diagonaler Streifen 9"/>
+          <p:cNvSpPr/>
+          <p:nvPr/>
+        </p:nvSpPr>
+        <p:spPr>
+          <a:xfrm flipH="1">
+            <a:off x="793662" y="2381198"/>
+            <a:ext cx="7937675" cy="4762605"/>
+          </a:xfrm>
+          <a:prstGeom prst="diagStripe">
+            <a:avLst>
+              <a:gd name="adj" fmla="val 88241"/>
+            </a:avLst>
+          </a:prstGeom>
+          <a:solidFill>
+            <a:schemeClr val="bg1"/>
+          </a:solidFill>
+          <a:ln>
+            <a:noFill/>
+          </a:ln>
+        </p:spPr>
+        <p:style>
+          <a:lnRef idx="2">
+            <a:schemeClr val="accent1">
+              <a:shade val="50000"/>
+            </a:schemeClr>
+          </a:lnRef>
+          <a:fillRef idx="1">
+            <a:schemeClr val="accent1"/>
+          </a:fillRef>
+          <a:effectRef idx="0">
+            <a:schemeClr val="accent1"/>
+          </a:effectRef>
+          <a:fontRef idx="minor">
+            <a:schemeClr val="lt1"/>
+          </a:fontRef>
+        </p:style>
+        <p:txBody>
+          <a:bodyPr rtlCol="0" anchor="ctr"/>
+          <a:lstStyle/>
+          <a:p>
+            <a:pPr algn="ctr"/>
+            <a:endParaRPr lang="de-DE" sz="1588"/>
+          </a:p>
+        </p:txBody>
+      </p:sp>
+      <p:sp>
+        <p:nvSpPr>
+          <p:cNvPr id="11" name="Diagonaler Streifen 10"/>
+          <p:cNvSpPr/>
+          <p:nvPr/>
+        </p:nvSpPr>
+        <p:spPr>
+          <a:xfrm rot="10800000" flipH="1">
+            <a:off x="793663" y="2381198"/>
+            <a:ext cx="7937675" cy="4762605"/>
+          </a:xfrm>
+          <a:prstGeom prst="diagStripe">
+            <a:avLst>
+              <a:gd name="adj" fmla="val 88241"/>
+            </a:avLst>
+          </a:prstGeom>
+          <a:solidFill>
+            <a:schemeClr val="bg1"/>
+          </a:solidFill>
+          <a:ln>
+            <a:noFill/>
+          </a:ln>
+        </p:spPr>
+        <p:style>
+          <a:lnRef idx="2">
+            <a:schemeClr val="accent1">
+              <a:shade val="50000"/>
+            </a:schemeClr>
+          </a:lnRef>
+          <a:fillRef idx="1">
+            <a:schemeClr val="accent1"/>
+          </a:fillRef>
+          <a:effectRef idx="0">
+            <a:schemeClr val="accent1"/>
+          </a:effectRef>
+          <a:fontRef idx="minor">
+            <a:schemeClr val="lt1"/>
+          </a:fontRef>
+        </p:style>
+        <p:txBody>
+          <a:bodyPr rtlCol="0" anchor="ctr"/>
+          <a:lstStyle/>
+          <a:p>
+            <a:pPr algn="ctr"/>
+            <a:endParaRPr lang="de-DE" sz="1588"/>
+          </a:p>
+        </p:txBody>
+      </p:sp>
+      <p:sp>
+        <p:nvSpPr>
+          <p:cNvPr id="18" name="Diagonaler Streifen 17"/>
+          <p:cNvSpPr/>
+          <p:nvPr/>
+        </p:nvSpPr>
+        <p:spPr>
+          <a:xfrm rot="10800000" flipH="1">
+            <a:off x="793662" y="2381196"/>
+            <a:ext cx="7937675" cy="4762605"/>
+          </a:xfrm>
+          <a:prstGeom prst="diagStripe">
+            <a:avLst>
+              <a:gd name="adj" fmla="val 91909"/>
+            </a:avLst>
+          </a:prstGeom>
+          <a:gradFill>
+            <a:gsLst>
+              <a:gs pos="49000">
+                <a:schemeClr val="accent1">
+                  <a:lumMod val="5000"/>
+                  <a:lumOff val="95000"/>
+                </a:schemeClr>
+              </a:gs>
+              <a:gs pos="51000">
+                <a:srgbClr val="CF142B"/>
+              </a:gs>
+            </a:gsLst>
+            <a:lin ang="5400000" scaled="1"/>
+          </a:gradFill>
+          <a:ln>
+            <a:noFill/>
+          </a:ln>
+        </p:spPr>
+        <p:style>
+          <a:lnRef idx="2">
+            <a:schemeClr val="accent1">
+              <a:shade val="50000"/>
+            </a:schemeClr>
+          </a:lnRef>
+          <a:fillRef idx="1">
+            <a:schemeClr val="accent1"/>
+          </a:fillRef>
+          <a:effectRef idx="0">
+            <a:schemeClr val="accent1"/>
+          </a:effectRef>
+          <a:fontRef idx="minor">
+            <a:schemeClr val="lt1"/>
+          </a:fontRef>
+        </p:style>
+        <p:txBody>
+          <a:bodyPr rtlCol="0" anchor="ctr"/>
+          <a:lstStyle/>
+          <a:p>
+            <a:pPr algn="ctr"/>
+            <a:endParaRPr lang="de-DE" sz="1588"/>
+          </a:p>
+        </p:txBody>
+      </p:sp>
+      <p:sp>
+        <p:nvSpPr>
+          <p:cNvPr id="19" name="Diagonaler Streifen 18"/>
+          <p:cNvSpPr/>
+          <p:nvPr/>
+        </p:nvSpPr>
+        <p:spPr>
+          <a:xfrm>
+            <a:off x="793662" y="2381197"/>
+            <a:ext cx="7937675" cy="4762605"/>
+          </a:xfrm>
+          <a:prstGeom prst="diagStripe">
+            <a:avLst>
+              <a:gd name="adj" fmla="val 91909"/>
+            </a:avLst>
+          </a:prstGeom>
+          <a:gradFill>
+            <a:gsLst>
+              <a:gs pos="49000">
+                <a:schemeClr val="accent1">
+                  <a:lumMod val="5000"/>
+                  <a:lumOff val="95000"/>
+                </a:schemeClr>
+              </a:gs>
+              <a:gs pos="46000">
+                <a:srgbClr val="CF142B"/>
+              </a:gs>
+            </a:gsLst>
+            <a:lin ang="5400000" scaled="1"/>
+          </a:gradFill>
+          <a:ln>
+            <a:noFill/>
+          </a:ln>
+        </p:spPr>
+        <p:style>
+          <a:lnRef idx="2">
+            <a:schemeClr val="accent1">
+              <a:shade val="50000"/>
+            </a:schemeClr>
+          </a:lnRef>
+          <a:fillRef idx="1">
+            <a:schemeClr val="accent1"/>
+          </a:fillRef>
+          <a:effectRef idx="0">
+            <a:schemeClr val="accent1"/>
+          </a:effectRef>
+          <a:fontRef idx="minor">
+            <a:schemeClr val="lt1"/>
+          </a:fontRef>
+        </p:style>
+        <p:txBody>
+          <a:bodyPr rtlCol="0" anchor="ctr"/>
+          <a:lstStyle/>
+          <a:p>
+            <a:pPr algn="ctr"/>
+            <a:endParaRPr lang="de-DE" sz="1588"/>
+          </a:p>
+        </p:txBody>
+      </p:sp>
+      <p:sp>
+        <p:nvSpPr>
+          <p:cNvPr id="20" name="Diagonaler Streifen 19"/>
+          <p:cNvSpPr/>
+          <p:nvPr/>
+        </p:nvSpPr>
+        <p:spPr>
+          <a:xfrm flipH="1">
+            <a:off x="793659" y="2381192"/>
+            <a:ext cx="7937675" cy="4762605"/>
+          </a:xfrm>
+          <a:prstGeom prst="diagStripe">
+            <a:avLst>
+              <a:gd name="adj" fmla="val 91909"/>
+            </a:avLst>
+          </a:prstGeom>
+          <a:gradFill>
+            <a:gsLst>
+              <a:gs pos="49000">
+                <a:schemeClr val="accent1">
+                  <a:lumMod val="5000"/>
+                  <a:lumOff val="95000"/>
+                </a:schemeClr>
+              </a:gs>
+              <a:gs pos="51000">
+                <a:srgbClr val="CF142B"/>
+              </a:gs>
+            </a:gsLst>
+            <a:lin ang="5400000" scaled="1"/>
+          </a:gradFill>
+          <a:ln>
+            <a:noFill/>
+          </a:ln>
+        </p:spPr>
+        <p:style>
+          <a:lnRef idx="2">
+            <a:schemeClr val="accent1">
+              <a:shade val="50000"/>
+            </a:schemeClr>
+          </a:lnRef>
+          <a:fillRef idx="1">
+            <a:schemeClr val="accent1"/>
+          </a:fillRef>
+          <a:effectRef idx="0">
+            <a:schemeClr val="accent1"/>
+          </a:effectRef>
+          <a:fontRef idx="minor">
+            <a:schemeClr val="lt1"/>
+          </a:fontRef>
+        </p:style>
+        <p:txBody>
+          <a:bodyPr rtlCol="0" anchor="ctr"/>
+          <a:lstStyle/>
+          <a:p>
+            <a:pPr algn="ctr"/>
+            <a:endParaRPr lang="de-DE" sz="1588"/>
+          </a:p>
+        </p:txBody>
+      </p:sp>
+      <p:sp>
+        <p:nvSpPr>
+          <p:cNvPr id="21" name="Diagonaler Streifen 20"/>
+          <p:cNvSpPr/>
+          <p:nvPr/>
+        </p:nvSpPr>
+        <p:spPr>
+          <a:xfrm rot="10800000">
+            <a:off x="793659" y="2381193"/>
+            <a:ext cx="7937675" cy="4762605"/>
+          </a:xfrm>
+          <a:prstGeom prst="diagStripe">
+            <a:avLst>
+              <a:gd name="adj" fmla="val 91909"/>
+            </a:avLst>
+          </a:prstGeom>
+          <a:gradFill>
+            <a:gsLst>
+              <a:gs pos="49000">
+                <a:schemeClr val="accent1">
+                  <a:lumMod val="5000"/>
+                  <a:lumOff val="95000"/>
+                </a:schemeClr>
+              </a:gs>
+              <a:gs pos="46000">
+                <a:srgbClr val="CF142B"/>
+              </a:gs>
+            </a:gsLst>
+            <a:lin ang="5400000" scaled="1"/>
+          </a:gradFill>
+          <a:ln>
+            <a:noFill/>
+          </a:ln>
+        </p:spPr>
+        <p:style>
+          <a:lnRef idx="2">
+            <a:schemeClr val="accent1">
+              <a:shade val="50000"/>
+            </a:schemeClr>
+          </a:lnRef>
+          <a:fillRef idx="1">
+            <a:schemeClr val="accent1"/>
+          </a:fillRef>
+          <a:effectRef idx="0">
+            <a:schemeClr val="accent1"/>
+          </a:effectRef>
+          <a:fontRef idx="minor">
+            <a:schemeClr val="lt1"/>
+          </a:fontRef>
+        </p:style>
+        <p:txBody>
+          <a:bodyPr rtlCol="0" anchor="ctr"/>
+          <a:lstStyle/>
+          <a:p>
+            <a:pPr algn="ctr"/>
+            <a:endParaRPr lang="de-DE" sz="1588"/>
+          </a:p>
+        </p:txBody>
+      </p:sp>
+      <p:sp>
+        <p:nvSpPr>
+          <p:cNvPr id="13" name="Rechteck 12"/>
+          <p:cNvSpPr/>
+          <p:nvPr/>
+        </p:nvSpPr>
+        <p:spPr>
+          <a:xfrm>
+            <a:off x="793662" y="5228179"/>
+            <a:ext cx="7937675" cy="244300"/>
+          </a:xfrm>
+          <a:prstGeom prst="rect">
+            <a:avLst/>
+          </a:prstGeom>
+          <a:solidFill>
+            <a:schemeClr val="bg1"/>
+          </a:solidFill>
+          <a:ln>
+            <a:noFill/>
+          </a:ln>
+        </p:spPr>
+        <p:style>
+          <a:lnRef idx="2">
+            <a:schemeClr val="accent1">
+              <a:shade val="50000"/>
+            </a:schemeClr>
+          </a:lnRef>
+          <a:fillRef idx="1">
+            <a:schemeClr val="accent1"/>
+          </a:fillRef>
+          <a:effectRef idx="0">
+            <a:schemeClr val="accent1"/>
+          </a:effectRef>
+          <a:fontRef idx="minor">
+            <a:schemeClr val="lt1"/>
+          </a:fontRef>
+        </p:style>
+        <p:txBody>
+          <a:bodyPr rtlCol="0" anchor="ctr"/>
+          <a:lstStyle/>
+          <a:p>
+            <a:pPr algn="ctr"/>
+            <a:endParaRPr lang="de-DE" sz="1588"/>
+          </a:p>
+        </p:txBody>
+      </p:sp>
+      <p:sp>
+        <p:nvSpPr>
+          <p:cNvPr id="14" name="Rechteck 13"/>
+          <p:cNvSpPr/>
+          <p:nvPr/>
+        </p:nvSpPr>
+        <p:spPr>
+          <a:xfrm>
+            <a:off x="793659" y="4052307"/>
+            <a:ext cx="7937675" cy="244300"/>
+          </a:xfrm>
+          <a:prstGeom prst="rect">
+            <a:avLst/>
+          </a:prstGeom>
+          <a:solidFill>
+            <a:schemeClr val="bg1"/>
+          </a:solidFill>
+          <a:ln>
+            <a:noFill/>
+          </a:ln>
+        </p:spPr>
+        <p:style>
+          <a:lnRef idx="2">
+            <a:schemeClr val="accent1">
+              <a:shade val="50000"/>
+            </a:schemeClr>
+          </a:lnRef>
+          <a:fillRef idx="1">
+            <a:schemeClr val="accent1"/>
+          </a:fillRef>
+          <a:effectRef idx="0">
+            <a:schemeClr val="accent1"/>
+          </a:effectRef>
+          <a:fontRef idx="minor">
+            <a:schemeClr val="lt1"/>
+          </a:fontRef>
+        </p:style>
+        <p:txBody>
+          <a:bodyPr rtlCol="0" anchor="ctr"/>
+          <a:lstStyle/>
+          <a:p>
+            <a:pPr algn="ctr"/>
+            <a:endParaRPr lang="de-DE" sz="1588"/>
+          </a:p>
+        </p:txBody>
+      </p:sp>
+      <p:sp>
+        <p:nvSpPr>
+          <p:cNvPr id="7" name="Rechteck 6"/>
+          <p:cNvSpPr/>
+          <p:nvPr/>
+        </p:nvSpPr>
+        <p:spPr>
+          <a:xfrm rot="5400000">
+            <a:off x="2381198" y="4296612"/>
+            <a:ext cx="4762605" cy="931778"/>
+          </a:xfrm>
+          <a:prstGeom prst="rect">
+            <a:avLst/>
+          </a:prstGeom>
+          <a:solidFill>
+            <a:srgbClr val="CF142B"/>
+          </a:solidFill>
+          <a:ln>
+            <a:noFill/>
+          </a:ln>
+        </p:spPr>
+        <p:style>
+          <a:lnRef idx="2">
+            <a:schemeClr val="accent1">
+              <a:shade val="50000"/>
+            </a:schemeClr>
+          </a:lnRef>
+          <a:fillRef idx="1">
+            <a:schemeClr val="accent1"/>
+          </a:fillRef>
+          <a:effectRef idx="0">
+            <a:schemeClr val="accent1"/>
+          </a:effectRef>
+          <a:fontRef idx="minor">
+            <a:schemeClr val="lt1"/>
+          </a:fontRef>
+        </p:style>
+        <p:txBody>
+          <a:bodyPr rtlCol="0" anchor="ctr"/>
+          <a:lstStyle/>
+          <a:p>
+            <a:pPr algn="ctr"/>
+            <a:endParaRPr lang="de-DE" sz="1588"/>
+          </a:p>
+        </p:txBody>
+      </p:sp>
+      <p:sp>
+        <p:nvSpPr>
+          <p:cNvPr id="22" name="Rechteck 21"/>
+          <p:cNvSpPr/>
+          <p:nvPr/>
+        </p:nvSpPr>
+        <p:spPr>
+          <a:xfrm rot="5400000">
+            <a:off x="2969327" y="4640255"/>
+            <a:ext cx="4762605" cy="244480"/>
+          </a:xfrm>
+          <a:prstGeom prst="rect">
+            <a:avLst/>
+          </a:prstGeom>
+          <a:solidFill>
+            <a:schemeClr val="bg1"/>
+          </a:solidFill>
+          <a:ln>
+            <a:noFill/>
+          </a:ln>
+        </p:spPr>
+        <p:style>
+          <a:lnRef idx="2">
+            <a:schemeClr val="accent1">
+              <a:shade val="50000"/>
+            </a:schemeClr>
+          </a:lnRef>
+          <a:fillRef idx="1">
+            <a:schemeClr val="accent1"/>
+          </a:fillRef>
+          <a:effectRef idx="0">
+            <a:schemeClr val="accent1"/>
+          </a:effectRef>
+          <a:fontRef idx="minor">
+            <a:schemeClr val="lt1"/>
+          </a:fontRef>
+        </p:style>
+        <p:txBody>
+          <a:bodyPr rtlCol="0" anchor="ctr"/>
+          <a:lstStyle/>
+          <a:p>
+            <a:pPr algn="ctr"/>
+            <a:endParaRPr lang="de-DE" sz="1588"/>
+          </a:p>
+        </p:txBody>
+      </p:sp>
+      <p:sp>
+        <p:nvSpPr>
+          <p:cNvPr id="23" name="Rechteck 22"/>
+          <p:cNvSpPr/>
+          <p:nvPr/>
+        </p:nvSpPr>
+        <p:spPr>
+          <a:xfrm rot="5400000">
+            <a:off x="1877314" y="4640249"/>
+            <a:ext cx="4762605" cy="244480"/>
+          </a:xfrm>
+          <a:prstGeom prst="rect">
+            <a:avLst/>
+          </a:prstGeom>
+          <a:solidFill>
+            <a:schemeClr val="bg1"/>
+          </a:solidFill>
+          <a:ln>
+            <a:noFill/>
+          </a:ln>
+        </p:spPr>
+        <p:style>
+          <a:lnRef idx="2">
+            <a:schemeClr val="accent1">
+              <a:shade val="50000"/>
+            </a:schemeClr>
+          </a:lnRef>
+          <a:fillRef idx="1">
+            <a:schemeClr val="accent1"/>
+          </a:fillRef>
+          <a:effectRef idx="0">
+            <a:schemeClr val="accent1"/>
+          </a:effectRef>
+          <a:fontRef idx="minor">
+            <a:schemeClr val="lt1"/>
+          </a:fontRef>
+        </p:style>
+        <p:txBody>
+          <a:bodyPr rtlCol="0" anchor="ctr"/>
+          <a:lstStyle/>
+          <a:p>
+            <a:pPr algn="ctr"/>
+            <a:endParaRPr lang="de-DE" sz="1588"/>
+          </a:p>
+        </p:txBody>
+      </p:sp>
+      <p:sp>
+        <p:nvSpPr>
+          <p:cNvPr id="5" name="Rechteck 4"/>
+          <p:cNvSpPr/>
+          <p:nvPr/>
+        </p:nvSpPr>
+        <p:spPr>
+          <a:xfrm>
+            <a:off x="793663" y="4296612"/>
+            <a:ext cx="7937675" cy="931778"/>
+          </a:xfrm>
+          <a:prstGeom prst="rect">
+            <a:avLst/>
+          </a:prstGeom>
+          <a:solidFill>
+            <a:srgbClr val="CF142B"/>
+          </a:solidFill>
+          <a:ln>
+            <a:noFill/>
+          </a:ln>
+        </p:spPr>
+        <p:style>
+          <a:lnRef idx="2">
+            <a:schemeClr val="accent1">
+              <a:shade val="50000"/>
+            </a:schemeClr>
+          </a:lnRef>
+          <a:fillRef idx="1">
+            <a:schemeClr val="accent1"/>
+          </a:fillRef>
+          <a:effectRef idx="0">
+            <a:schemeClr val="accent1"/>
+          </a:effectRef>
+          <a:fontRef idx="minor">
+            <a:schemeClr val="lt1"/>
+          </a:fontRef>
+        </p:style>
+        <p:txBody>
+          <a:bodyPr rtlCol="0" anchor="ctr"/>
+          <a:lstStyle/>
+          <a:p>
+            <a:pPr algn="ctr"/>
+            <a:endParaRPr lang="de-DE" sz="1588"/>
+          </a:p>
+        </p:txBody>
+      </p:sp>
+    </p:spTree>
+    <p:extLst>
+      <p:ext uri="{BB962C8B-B14F-4D97-AF65-F5344CB8AC3E}">
+        <p14:creationId xmlns:p14="http://schemas.microsoft.com/office/powerpoint/2010/main" val="1125967067"/>
       </p:ext>
     </p:extLst>
   </p:cSld>
@@ -3831,6 +8347,82 @@
       </p:grpSpPr>
       <p:sp>
         <p:nvSpPr>
+          <p:cNvPr id="2" name="Gleichschenkliges Dreieck 1"/>
+          <p:cNvSpPr/>
+          <p:nvPr/>
+        </p:nvSpPr>
+        <p:spPr>
+          <a:xfrm rot="5400000">
+            <a:off x="916117" y="940179"/>
+            <a:ext cx="7692766" cy="7644642"/>
+          </a:xfrm>
+          <a:prstGeom prst="triangle">
+            <a:avLst/>
+          </a:prstGeom>
+          <a:solidFill>
+            <a:schemeClr val="bg1"/>
+          </a:solidFill>
+          <a:ln>
+            <a:noFill/>
+          </a:ln>
+        </p:spPr>
+        <p:style>
+          <a:lnRef idx="2">
+            <a:schemeClr val="accent6">
+              <a:shade val="50000"/>
+            </a:schemeClr>
+          </a:lnRef>
+          <a:fillRef idx="1">
+            <a:schemeClr val="accent6"/>
+          </a:fillRef>
+          <a:effectRef idx="0">
+            <a:schemeClr val="accent6"/>
+          </a:effectRef>
+          <a:fontRef idx="minor">
+            <a:schemeClr val="lt1"/>
+          </a:fontRef>
+        </p:style>
+        <p:txBody>
+          <a:bodyPr rtlCol="0" anchor="ctr"/>
+          <a:lstStyle/>
+          <a:p>
+            <a:pPr algn="ctr"/>
+            <a:endParaRPr lang="de-DE"/>
+          </a:p>
+        </p:txBody>
+      </p:sp>
+    </p:spTree>
+    <p:extLst>
+      <p:ext uri="{BB962C8B-B14F-4D97-AF65-F5344CB8AC3E}">
+        <p14:creationId xmlns:p14="http://schemas.microsoft.com/office/powerpoint/2010/main" val="2007631981"/>
+      </p:ext>
+    </p:extLst>
+  </p:cSld>
+  <p:clrMapOvr>
+    <a:masterClrMapping/>
+  </p:clrMapOvr>
+</p:sld>
+</file>
+
+<file path=ppt/slides/slide5.xml><?xml version="1.0" encoding="utf-8"?>
+<p:sld xmlns:a="http://schemas.openxmlformats.org/drawingml/2006/main" xmlns:r="http://schemas.openxmlformats.org/officeDocument/2006/relationships" xmlns:p="http://schemas.openxmlformats.org/presentationml/2006/main">
+  <p:cSld>
+    <p:spTree>
+      <p:nvGrpSpPr>
+        <p:cNvPr id="1" name=""/>
+        <p:cNvGrpSpPr/>
+        <p:nvPr/>
+      </p:nvGrpSpPr>
+      <p:grpSpPr>
+        <a:xfrm>
+          <a:off x="0" y="0"/>
+          <a:ext cx="0" cy="0"/>
+          <a:chOff x="0" y="0"/>
+          <a:chExt cx="0" cy="0"/>
+        </a:xfrm>
+      </p:grpSpPr>
+      <p:sp>
+        <p:nvSpPr>
           <p:cNvPr id="4" name="Additionszeichen 3"/>
           <p:cNvSpPr/>
           <p:nvPr/>
@@ -3892,7 +8484,7 @@
 </p:sld>
 </file>
 
-<file path=ppt/slides/slide5.xml><?xml version="1.0" encoding="utf-8"?>
+<file path=ppt/slides/slide6.xml><?xml version="1.0" encoding="utf-8"?>
 <p:sld xmlns:a="http://schemas.openxmlformats.org/drawingml/2006/main" xmlns:r="http://schemas.openxmlformats.org/officeDocument/2006/relationships" xmlns:p="http://schemas.openxmlformats.org/presentationml/2006/main">
   <p:cSld>
     <p:spTree>
@@ -3972,7 +8564,7 @@
 </p:sld>
 </file>
 
-<file path=ppt/slides/slide6.xml><?xml version="1.0" encoding="utf-8"?>
+<file path=ppt/slides/slide7.xml><?xml version="1.0" encoding="utf-8"?>
 <p:sld xmlns:a="http://schemas.openxmlformats.org/drawingml/2006/main" xmlns:r="http://schemas.openxmlformats.org/officeDocument/2006/relationships" xmlns:p="http://schemas.openxmlformats.org/presentationml/2006/main">
   <p:cSld>
     <p:spTree>
@@ -4429,7 +9021,7 @@
 </p:sld>
 </file>
 
-<file path=ppt/slides/slide7.xml><?xml version="1.0" encoding="utf-8"?>
+<file path=ppt/slides/slide8.xml><?xml version="1.0" encoding="utf-8"?>
 <p:sld xmlns:a="http://schemas.openxmlformats.org/drawingml/2006/main" xmlns:r="http://schemas.openxmlformats.org/officeDocument/2006/relationships" xmlns:p="http://schemas.openxmlformats.org/presentationml/2006/main">
   <p:cSld>
     <p:spTree>
@@ -4448,20 +9040,109 @@
       </p:grpSpPr>
       <p:sp>
         <p:nvSpPr>
-          <p:cNvPr id="2" name="Ellipse 1"/>
+          <p:cNvPr id="15" name="Freihandform: Form 14"/>
           <p:cNvSpPr/>
           <p:nvPr/>
         </p:nvSpPr>
         <p:spPr>
           <a:xfrm>
-            <a:off x="793663" y="793663"/>
-            <a:ext cx="7937675" cy="7937675"/>
-          </a:xfrm>
-          <a:prstGeom prst="ellipse">
+            <a:off x="1129577" y="918478"/>
+            <a:ext cx="5759002" cy="7599838"/>
+          </a:xfrm>
+          <a:custGeom>
             <a:avLst/>
-          </a:prstGeom>
+            <a:gdLst>
+              <a:gd name="connsiteX0" fmla="*/ 764438 w 6529748"/>
+              <a:gd name="connsiteY0" fmla="*/ 0 h 8616950"/>
+              <a:gd name="connsiteX1" fmla="*/ 4754528 w 6529748"/>
+              <a:gd name="connsiteY1" fmla="*/ 0 h 8616950"/>
+              <a:gd name="connsiteX2" fmla="*/ 6529748 w 6529748"/>
+              <a:gd name="connsiteY2" fmla="*/ 1695524 h 8616950"/>
+              <a:gd name="connsiteX3" fmla="*/ 6529748 w 6529748"/>
+              <a:gd name="connsiteY3" fmla="*/ 7852512 h 8616950"/>
+              <a:gd name="connsiteX4" fmla="*/ 5765310 w 6529748"/>
+              <a:gd name="connsiteY4" fmla="*/ 8616950 h 8616950"/>
+              <a:gd name="connsiteX5" fmla="*/ 764438 w 6529748"/>
+              <a:gd name="connsiteY5" fmla="*/ 8616950 h 8616950"/>
+              <a:gd name="connsiteX6" fmla="*/ 0 w 6529748"/>
+              <a:gd name="connsiteY6" fmla="*/ 7852512 h 8616950"/>
+              <a:gd name="connsiteX7" fmla="*/ 0 w 6529748"/>
+              <a:gd name="connsiteY7" fmla="*/ 764438 h 8616950"/>
+              <a:gd name="connsiteX8" fmla="*/ 764438 w 6529748"/>
+              <a:gd name="connsiteY8" fmla="*/ 0 h 8616950"/>
+            </a:gdLst>
+            <a:ahLst/>
+            <a:cxnLst>
+              <a:cxn ang="0">
+                <a:pos x="connsiteX0" y="connsiteY0"/>
+              </a:cxn>
+              <a:cxn ang="0">
+                <a:pos x="connsiteX1" y="connsiteY1"/>
+              </a:cxn>
+              <a:cxn ang="0">
+                <a:pos x="connsiteX2" y="connsiteY2"/>
+              </a:cxn>
+              <a:cxn ang="0">
+                <a:pos x="connsiteX3" y="connsiteY3"/>
+              </a:cxn>
+              <a:cxn ang="0">
+                <a:pos x="connsiteX4" y="connsiteY4"/>
+              </a:cxn>
+              <a:cxn ang="0">
+                <a:pos x="connsiteX5" y="connsiteY5"/>
+              </a:cxn>
+              <a:cxn ang="0">
+                <a:pos x="connsiteX6" y="connsiteY6"/>
+              </a:cxn>
+              <a:cxn ang="0">
+                <a:pos x="connsiteX7" y="connsiteY7"/>
+              </a:cxn>
+              <a:cxn ang="0">
+                <a:pos x="connsiteX8" y="connsiteY8"/>
+              </a:cxn>
+            </a:cxnLst>
+            <a:rect l="l" t="t" r="r" b="b"/>
+            <a:pathLst>
+              <a:path w="6529748" h="8616950">
+                <a:moveTo>
+                  <a:pt x="764438" y="0"/>
+                </a:moveTo>
+                <a:lnTo>
+                  <a:pt x="4754528" y="0"/>
+                </a:lnTo>
+                <a:lnTo>
+                  <a:pt x="6529748" y="1695524"/>
+                </a:lnTo>
+                <a:lnTo>
+                  <a:pt x="6529748" y="7852512"/>
+                </a:lnTo>
+                <a:cubicBezTo>
+                  <a:pt x="6529748" y="8274699"/>
+                  <a:pt x="6187497" y="8616950"/>
+                  <a:pt x="5765310" y="8616950"/>
+                </a:cubicBezTo>
+                <a:lnTo>
+                  <a:pt x="764438" y="8616950"/>
+                </a:lnTo>
+                <a:cubicBezTo>
+                  <a:pt x="342251" y="8616950"/>
+                  <a:pt x="0" y="8274699"/>
+                  <a:pt x="0" y="7852512"/>
+                </a:cubicBezTo>
+                <a:lnTo>
+                  <a:pt x="0" y="764438"/>
+                </a:lnTo>
+                <a:cubicBezTo>
+                  <a:pt x="0" y="342251"/>
+                  <a:pt x="342251" y="0"/>
+                  <a:pt x="764438" y="0"/>
+                </a:cubicBezTo>
+                <a:close/>
+              </a:path>
+            </a:pathLst>
+          </a:custGeom>
           <a:solidFill>
-            <a:srgbClr val="0070C0"/>
+            <a:schemeClr val="bg1"/>
           </a:solidFill>
           <a:ln>
             <a:noFill/>
@@ -4488,125 +9169,359 @@
           <a:lstStyle/>
           <a:p>
             <a:pPr algn="ctr"/>
-            <a:endParaRPr lang="de-DE" sz="12172" b="1" dirty="0"/>
-          </a:p>
-        </p:txBody>
-      </p:sp>
-      <p:grpSp>
-        <p:nvGrpSpPr>
-          <p:cNvPr id="6" name="Gruppieren 5"/>
-          <p:cNvGrpSpPr>
-            <a:grpSpLocks noChangeAspect="1"/>
-          </p:cNvGrpSpPr>
+            <a:endParaRPr lang="de-DE" sz="1588"/>
+          </a:p>
+        </p:txBody>
+      </p:sp>
+      <p:sp>
+        <p:nvSpPr>
+          <p:cNvPr id="2" name="Pfeil: nach oben 1"/>
+          <p:cNvSpPr/>
           <p:nvPr/>
-        </p:nvGrpSpPr>
-        <p:grpSpPr>
+        </p:nvSpPr>
+        <p:spPr>
           <a:xfrm>
-            <a:off x="4106695" y="1506897"/>
-            <a:ext cx="1311611" cy="6511208"/>
-            <a:chOff x="4884623" y="2852568"/>
-            <a:chExt cx="1030516" cy="5115774"/>
-          </a:xfrm>
-        </p:grpSpPr>
-        <p:sp>
-          <p:nvSpPr>
-            <p:cNvPr id="4" name="Rechteck: abgerundete Ecken 3"/>
-            <p:cNvSpPr/>
-            <p:nvPr/>
-          </p:nvSpPr>
-          <p:spPr>
-            <a:xfrm>
-              <a:off x="4884623" y="2852568"/>
-              <a:ext cx="1030515" cy="1074057"/>
-            </a:xfrm>
-            <a:prstGeom prst="roundRect">
-              <a:avLst>
-                <a:gd name="adj" fmla="val 49061"/>
-              </a:avLst>
-            </a:prstGeom>
-            <a:solidFill>
-              <a:schemeClr val="bg1"/>
-            </a:solidFill>
-            <a:ln>
-              <a:noFill/>
-            </a:ln>
-          </p:spPr>
-          <p:style>
-            <a:lnRef idx="2">
-              <a:schemeClr val="accent1">
-                <a:shade val="50000"/>
-              </a:schemeClr>
-            </a:lnRef>
-            <a:fillRef idx="1">
-              <a:schemeClr val="accent1"/>
-            </a:fillRef>
-            <a:effectRef idx="0">
-              <a:schemeClr val="accent1"/>
-            </a:effectRef>
-            <a:fontRef idx="minor">
-              <a:schemeClr val="lt1"/>
-            </a:fontRef>
-          </p:style>
-          <p:txBody>
-            <a:bodyPr rtlCol="0" anchor="ctr"/>
-            <a:lstStyle/>
-            <a:p>
-              <a:pPr algn="ctr"/>
-              <a:endParaRPr lang="de-DE" sz="1588"/>
-            </a:p>
-          </p:txBody>
-        </p:sp>
-        <p:sp>
-          <p:nvSpPr>
-            <p:cNvPr id="5" name="Rechteck: abgerundete Ecken 4"/>
-            <p:cNvSpPr/>
-            <p:nvPr/>
-          </p:nvSpPr>
-          <p:spPr>
-            <a:xfrm>
-              <a:off x="4884624" y="4339771"/>
-              <a:ext cx="1030515" cy="3628571"/>
-            </a:xfrm>
-            <a:prstGeom prst="roundRect">
-              <a:avLst/>
-            </a:prstGeom>
-            <a:solidFill>
-              <a:schemeClr val="bg1"/>
-            </a:solidFill>
-            <a:ln>
-              <a:noFill/>
-            </a:ln>
-          </p:spPr>
-          <p:style>
-            <a:lnRef idx="2">
-              <a:schemeClr val="accent1">
-                <a:shade val="50000"/>
-              </a:schemeClr>
-            </a:lnRef>
-            <a:fillRef idx="1">
-              <a:schemeClr val="accent1"/>
-            </a:fillRef>
-            <a:effectRef idx="0">
-              <a:schemeClr val="accent1"/>
-            </a:effectRef>
-            <a:fontRef idx="minor">
-              <a:schemeClr val="lt1"/>
-            </a:fontRef>
-          </p:style>
-          <p:txBody>
-            <a:bodyPr rtlCol="0" anchor="ctr"/>
-            <a:lstStyle/>
-            <a:p>
-              <a:pPr algn="ctr"/>
-              <a:endParaRPr lang="de-DE" sz="1588"/>
-            </a:p>
-          </p:txBody>
-        </p:sp>
-      </p:grpSp>
+            <a:off x="4762500" y="5510164"/>
+            <a:ext cx="3612303" cy="3511495"/>
+          </a:xfrm>
+          <a:prstGeom prst="upArrow">
+            <a:avLst/>
+          </a:prstGeom>
+          <a:solidFill>
+            <a:schemeClr val="accent6"/>
+          </a:solidFill>
+          <a:effectLst/>
+        </p:spPr>
+        <p:style>
+          <a:lnRef idx="0">
+            <a:schemeClr val="accent6"/>
+          </a:lnRef>
+          <a:fillRef idx="3">
+            <a:schemeClr val="accent6"/>
+          </a:fillRef>
+          <a:effectRef idx="3">
+            <a:schemeClr val="accent6"/>
+          </a:effectRef>
+          <a:fontRef idx="minor">
+            <a:schemeClr val="lt1"/>
+          </a:fontRef>
+        </p:style>
+        <p:txBody>
+          <a:bodyPr rtlCol="0" anchor="ctr"/>
+          <a:lstStyle/>
+          <a:p>
+            <a:pPr algn="ctr"/>
+            <a:endParaRPr lang="de-DE" sz="1588"/>
+          </a:p>
+        </p:txBody>
+      </p:sp>
+      <p:sp>
+        <p:nvSpPr>
+          <p:cNvPr id="16" name="Rechtwinkliges Dreieck 15"/>
+          <p:cNvSpPr/>
+          <p:nvPr/>
+        </p:nvSpPr>
+        <p:spPr>
+          <a:xfrm rot="10800000" flipH="1" flipV="1">
+            <a:off x="5323247" y="918477"/>
+            <a:ext cx="1565331" cy="1495326"/>
+          </a:xfrm>
+          <a:prstGeom prst="rtTriangle">
+            <a:avLst/>
+          </a:prstGeom>
+          <a:solidFill>
+            <a:schemeClr val="bg1">
+              <a:lumMod val="85000"/>
+            </a:schemeClr>
+          </a:solidFill>
+          <a:ln>
+            <a:noFill/>
+          </a:ln>
+        </p:spPr>
+        <p:style>
+          <a:lnRef idx="2">
+            <a:schemeClr val="accent1">
+              <a:shade val="50000"/>
+            </a:schemeClr>
+          </a:lnRef>
+          <a:fillRef idx="1">
+            <a:schemeClr val="accent1"/>
+          </a:fillRef>
+          <a:effectRef idx="0">
+            <a:schemeClr val="accent1"/>
+          </a:effectRef>
+          <a:fontRef idx="minor">
+            <a:schemeClr val="lt1"/>
+          </a:fontRef>
+        </p:style>
+        <p:txBody>
+          <a:bodyPr rtlCol="0" anchor="ctr"/>
+          <a:lstStyle/>
+          <a:p>
+            <a:pPr algn="ctr"/>
+            <a:endParaRPr lang="de-DE" sz="1588"/>
+          </a:p>
+        </p:txBody>
+      </p:sp>
     </p:spTree>
     <p:extLst>
       <p:ext uri="{BB962C8B-B14F-4D97-AF65-F5344CB8AC3E}">
-        <p14:creationId xmlns:p14="http://schemas.microsoft.com/office/powerpoint/2010/main" val="3510070033"/>
+        <p14:creationId xmlns:p14="http://schemas.microsoft.com/office/powerpoint/2010/main" val="3227152187"/>
+      </p:ext>
+    </p:extLst>
+  </p:cSld>
+  <p:clrMapOvr>
+    <a:masterClrMapping/>
+  </p:clrMapOvr>
+</p:sld>
+</file>
+
+<file path=ppt/slides/slide9.xml><?xml version="1.0" encoding="utf-8"?>
+<p:sld xmlns:a="http://schemas.openxmlformats.org/drawingml/2006/main" xmlns:r="http://schemas.openxmlformats.org/officeDocument/2006/relationships" xmlns:p="http://schemas.openxmlformats.org/presentationml/2006/main">
+  <p:cSld>
+    <p:spTree>
+      <p:nvGrpSpPr>
+        <p:cNvPr id="1" name=""/>
+        <p:cNvGrpSpPr/>
+        <p:nvPr/>
+      </p:nvGrpSpPr>
+      <p:grpSpPr>
+        <a:xfrm>
+          <a:off x="0" y="0"/>
+          <a:ext cx="0" cy="0"/>
+          <a:chOff x="0" y="0"/>
+          <a:chExt cx="0" cy="0"/>
+        </a:xfrm>
+      </p:grpSpPr>
+      <p:sp>
+        <p:nvSpPr>
+          <p:cNvPr id="14" name="Freihandform: Form 13"/>
+          <p:cNvSpPr/>
+          <p:nvPr/>
+        </p:nvSpPr>
+        <p:spPr>
+          <a:xfrm>
+            <a:off x="1129577" y="918478"/>
+            <a:ext cx="5759002" cy="7599838"/>
+          </a:xfrm>
+          <a:custGeom>
+            <a:avLst/>
+            <a:gdLst>
+              <a:gd name="connsiteX0" fmla="*/ 764438 w 6529748"/>
+              <a:gd name="connsiteY0" fmla="*/ 0 h 8616950"/>
+              <a:gd name="connsiteX1" fmla="*/ 4754528 w 6529748"/>
+              <a:gd name="connsiteY1" fmla="*/ 0 h 8616950"/>
+              <a:gd name="connsiteX2" fmla="*/ 6529748 w 6529748"/>
+              <a:gd name="connsiteY2" fmla="*/ 1695524 h 8616950"/>
+              <a:gd name="connsiteX3" fmla="*/ 6529748 w 6529748"/>
+              <a:gd name="connsiteY3" fmla="*/ 7852512 h 8616950"/>
+              <a:gd name="connsiteX4" fmla="*/ 5765310 w 6529748"/>
+              <a:gd name="connsiteY4" fmla="*/ 8616950 h 8616950"/>
+              <a:gd name="connsiteX5" fmla="*/ 764438 w 6529748"/>
+              <a:gd name="connsiteY5" fmla="*/ 8616950 h 8616950"/>
+              <a:gd name="connsiteX6" fmla="*/ 0 w 6529748"/>
+              <a:gd name="connsiteY6" fmla="*/ 7852512 h 8616950"/>
+              <a:gd name="connsiteX7" fmla="*/ 0 w 6529748"/>
+              <a:gd name="connsiteY7" fmla="*/ 764438 h 8616950"/>
+              <a:gd name="connsiteX8" fmla="*/ 764438 w 6529748"/>
+              <a:gd name="connsiteY8" fmla="*/ 0 h 8616950"/>
+            </a:gdLst>
+            <a:ahLst/>
+            <a:cxnLst>
+              <a:cxn ang="0">
+                <a:pos x="connsiteX0" y="connsiteY0"/>
+              </a:cxn>
+              <a:cxn ang="0">
+                <a:pos x="connsiteX1" y="connsiteY1"/>
+              </a:cxn>
+              <a:cxn ang="0">
+                <a:pos x="connsiteX2" y="connsiteY2"/>
+              </a:cxn>
+              <a:cxn ang="0">
+                <a:pos x="connsiteX3" y="connsiteY3"/>
+              </a:cxn>
+              <a:cxn ang="0">
+                <a:pos x="connsiteX4" y="connsiteY4"/>
+              </a:cxn>
+              <a:cxn ang="0">
+                <a:pos x="connsiteX5" y="connsiteY5"/>
+              </a:cxn>
+              <a:cxn ang="0">
+                <a:pos x="connsiteX6" y="connsiteY6"/>
+              </a:cxn>
+              <a:cxn ang="0">
+                <a:pos x="connsiteX7" y="connsiteY7"/>
+              </a:cxn>
+              <a:cxn ang="0">
+                <a:pos x="connsiteX8" y="connsiteY8"/>
+              </a:cxn>
+            </a:cxnLst>
+            <a:rect l="l" t="t" r="r" b="b"/>
+            <a:pathLst>
+              <a:path w="6529748" h="8616950">
+                <a:moveTo>
+                  <a:pt x="764438" y="0"/>
+                </a:moveTo>
+                <a:lnTo>
+                  <a:pt x="4754528" y="0"/>
+                </a:lnTo>
+                <a:lnTo>
+                  <a:pt x="6529748" y="1695524"/>
+                </a:lnTo>
+                <a:lnTo>
+                  <a:pt x="6529748" y="7852512"/>
+                </a:lnTo>
+                <a:cubicBezTo>
+                  <a:pt x="6529748" y="8274699"/>
+                  <a:pt x="6187497" y="8616950"/>
+                  <a:pt x="5765310" y="8616950"/>
+                </a:cubicBezTo>
+                <a:lnTo>
+                  <a:pt x="764438" y="8616950"/>
+                </a:lnTo>
+                <a:cubicBezTo>
+                  <a:pt x="342251" y="8616950"/>
+                  <a:pt x="0" y="8274699"/>
+                  <a:pt x="0" y="7852512"/>
+                </a:cubicBezTo>
+                <a:lnTo>
+                  <a:pt x="0" y="764438"/>
+                </a:lnTo>
+                <a:cubicBezTo>
+                  <a:pt x="0" y="342251"/>
+                  <a:pt x="342251" y="0"/>
+                  <a:pt x="764438" y="0"/>
+                </a:cubicBezTo>
+                <a:close/>
+              </a:path>
+            </a:pathLst>
+          </a:custGeom>
+          <a:solidFill>
+            <a:schemeClr val="bg1"/>
+          </a:solidFill>
+          <a:ln>
+            <a:noFill/>
+          </a:ln>
+        </p:spPr>
+        <p:style>
+          <a:lnRef idx="2">
+            <a:schemeClr val="accent1">
+              <a:shade val="50000"/>
+            </a:schemeClr>
+          </a:lnRef>
+          <a:fillRef idx="1">
+            <a:schemeClr val="accent1"/>
+          </a:fillRef>
+          <a:effectRef idx="0">
+            <a:schemeClr val="accent1"/>
+          </a:effectRef>
+          <a:fontRef idx="minor">
+            <a:schemeClr val="lt1"/>
+          </a:fontRef>
+        </p:style>
+        <p:txBody>
+          <a:bodyPr rtlCol="0" anchor="ctr"/>
+          <a:lstStyle/>
+          <a:p>
+            <a:pPr algn="ctr"/>
+            <a:endParaRPr lang="de-DE" sz="1588"/>
+          </a:p>
+        </p:txBody>
+      </p:sp>
+      <p:sp>
+        <p:nvSpPr>
+          <p:cNvPr id="15" name="Rechtwinkliges Dreieck 14"/>
+          <p:cNvSpPr/>
+          <p:nvPr/>
+        </p:nvSpPr>
+        <p:spPr>
+          <a:xfrm rot="10800000" flipH="1" flipV="1">
+            <a:off x="5323247" y="918477"/>
+            <a:ext cx="1565331" cy="1495326"/>
+          </a:xfrm>
+          <a:prstGeom prst="rtTriangle">
+            <a:avLst/>
+          </a:prstGeom>
+          <a:solidFill>
+            <a:schemeClr val="bg1">
+              <a:lumMod val="85000"/>
+            </a:schemeClr>
+          </a:solidFill>
+          <a:ln>
+            <a:noFill/>
+          </a:ln>
+        </p:spPr>
+        <p:style>
+          <a:lnRef idx="2">
+            <a:schemeClr val="accent1">
+              <a:shade val="50000"/>
+            </a:schemeClr>
+          </a:lnRef>
+          <a:fillRef idx="1">
+            <a:schemeClr val="accent1"/>
+          </a:fillRef>
+          <a:effectRef idx="0">
+            <a:schemeClr val="accent1"/>
+          </a:effectRef>
+          <a:fontRef idx="minor">
+            <a:schemeClr val="lt1"/>
+          </a:fontRef>
+        </p:style>
+        <p:txBody>
+          <a:bodyPr rtlCol="0" anchor="ctr"/>
+          <a:lstStyle/>
+          <a:p>
+            <a:pPr algn="ctr"/>
+            <a:endParaRPr lang="de-DE" sz="1588"/>
+          </a:p>
+        </p:txBody>
+      </p:sp>
+      <p:sp>
+        <p:nvSpPr>
+          <p:cNvPr id="16" name="Pfeil: nach oben 15"/>
+          <p:cNvSpPr/>
+          <p:nvPr/>
+        </p:nvSpPr>
+        <p:spPr>
+          <a:xfrm rot="5400000">
+            <a:off x="4762500" y="5510164"/>
+            <a:ext cx="3612303" cy="3511495"/>
+          </a:xfrm>
+          <a:prstGeom prst="upArrow">
+            <a:avLst/>
+          </a:prstGeom>
+          <a:solidFill>
+            <a:srgbClr val="FF0000"/>
+          </a:solidFill>
+          <a:effectLst/>
+        </p:spPr>
+        <p:style>
+          <a:lnRef idx="0">
+            <a:schemeClr val="accent6"/>
+          </a:lnRef>
+          <a:fillRef idx="3">
+            <a:schemeClr val="accent6"/>
+          </a:fillRef>
+          <a:effectRef idx="3">
+            <a:schemeClr val="accent6"/>
+          </a:effectRef>
+          <a:fontRef idx="minor">
+            <a:schemeClr val="lt1"/>
+          </a:fontRef>
+        </p:style>
+        <p:txBody>
+          <a:bodyPr rtlCol="0" anchor="ctr"/>
+          <a:lstStyle/>
+          <a:p>
+            <a:pPr algn="ctr"/>
+            <a:endParaRPr lang="de-DE" sz="1588"/>
+          </a:p>
+        </p:txBody>
+      </p:sp>
+    </p:spTree>
+    <p:extLst>
+      <p:ext uri="{BB962C8B-B14F-4D97-AF65-F5344CB8AC3E}">
+        <p14:creationId xmlns:p14="http://schemas.microsoft.com/office/powerpoint/2010/main" val="881749646"/>
       </p:ext>
     </p:extLst>
   </p:cSld>

--- a/ImageResources/ProjectFiles/menu.pptx
+++ b/ImageResources/ProjectFiles/menu.pptx
@@ -26,6 +26,7 @@
     <p:sldId id="278" r:id="rId20"/>
     <p:sldId id="279" r:id="rId21"/>
     <p:sldId id="280" r:id="rId22"/>
+    <p:sldId id="284" r:id="rId23"/>
   </p:sldIdLst>
   <p:sldSz cx="9525000" cy="9525000"/>
   <p:notesSz cx="6858000" cy="9144000"/>
@@ -127,7 +128,7 @@
   <p:extLst>
     <p:ext uri="{EFAFB233-063F-42B5-8137-9DF3F51BA10A}">
       <p15:sldGuideLst xmlns:p15="http://schemas.microsoft.com/office/powerpoint/2012/main">
-        <p15:guide id="1" orient="horz" pos="2977" userDrawn="1">
+        <p15:guide id="1" orient="horz" pos="3000" userDrawn="1">
           <p15:clr>
             <a:srgbClr val="A4A3A4"/>
           </p15:clr>
@@ -144,7 +145,7 @@
 </file>
 
 <file path=ppt/slideLayouts/slideLayout1.xml><?xml version="1.0" encoding="utf-8"?>
-<p:sldLayout xmlns:a="http://schemas.openxmlformats.org/drawingml/2006/main" xmlns:r="http://schemas.openxmlformats.org/officeDocument/2006/relationships" xmlns:p="http://schemas.openxmlformats.org/presentationml/2006/main" type="title" preserve="1">
+<p:sldLayout xmlns:a="http://schemas.openxmlformats.org/drawingml/2006/main" xmlns:r="http://schemas.openxmlformats.org/officeDocument/2006/relationships" xmlns:p="http://schemas.openxmlformats.org/presentationml/2006/main" showMasterSp="0" type="title" preserve="1">
   <p:cSld name="Titelfolie">
     <p:spTree>
       <p:nvGrpSpPr>
@@ -368,7 +369,7 @@
 </file>
 
 <file path=ppt/slideLayouts/slideLayout10.xml><?xml version="1.0" encoding="utf-8"?>
-<p:sldLayout xmlns:a="http://schemas.openxmlformats.org/drawingml/2006/main" xmlns:r="http://schemas.openxmlformats.org/officeDocument/2006/relationships" xmlns:p="http://schemas.openxmlformats.org/presentationml/2006/main" type="vertTx" preserve="1">
+<p:sldLayout xmlns:a="http://schemas.openxmlformats.org/drawingml/2006/main" xmlns:r="http://schemas.openxmlformats.org/officeDocument/2006/relationships" xmlns:p="http://schemas.openxmlformats.org/presentationml/2006/main" showMasterSp="0" type="vertTx" preserve="1">
   <p:cSld name="Titel und vertikaler Text">
     <p:spTree>
       <p:nvGrpSpPr>
@@ -570,7 +571,7 @@
 </file>
 
 <file path=ppt/slideLayouts/slideLayout11.xml><?xml version="1.0" encoding="utf-8"?>
-<p:sldLayout xmlns:a="http://schemas.openxmlformats.org/drawingml/2006/main" xmlns:r="http://schemas.openxmlformats.org/officeDocument/2006/relationships" xmlns:p="http://schemas.openxmlformats.org/presentationml/2006/main" type="vertTitleAndTx" preserve="1">
+<p:sldLayout xmlns:a="http://schemas.openxmlformats.org/drawingml/2006/main" xmlns:r="http://schemas.openxmlformats.org/officeDocument/2006/relationships" xmlns:p="http://schemas.openxmlformats.org/presentationml/2006/main" showMasterSp="0" type="vertTitleAndTx" preserve="1">
   <p:cSld name="Vertikaler Titel und Text">
     <p:spTree>
       <p:nvGrpSpPr>
@@ -782,7 +783,7 @@
 </file>
 
 <file path=ppt/slideLayouts/slideLayout2.xml><?xml version="1.0" encoding="utf-8"?>
-<p:sldLayout xmlns:a="http://schemas.openxmlformats.org/drawingml/2006/main" xmlns:r="http://schemas.openxmlformats.org/officeDocument/2006/relationships" xmlns:p="http://schemas.openxmlformats.org/presentationml/2006/main" type="obj" preserve="1">
+<p:sldLayout xmlns:a="http://schemas.openxmlformats.org/drawingml/2006/main" xmlns:r="http://schemas.openxmlformats.org/officeDocument/2006/relationships" xmlns:p="http://schemas.openxmlformats.org/presentationml/2006/main" showMasterSp="0" type="obj" preserve="1">
   <p:cSld name="Titel und Inhalt">
     <p:spTree>
       <p:nvGrpSpPr>
@@ -984,7 +985,7 @@
 </file>
 
 <file path=ppt/slideLayouts/slideLayout3.xml><?xml version="1.0" encoding="utf-8"?>
-<p:sldLayout xmlns:a="http://schemas.openxmlformats.org/drawingml/2006/main" xmlns:r="http://schemas.openxmlformats.org/officeDocument/2006/relationships" xmlns:p="http://schemas.openxmlformats.org/presentationml/2006/main" type="secHead" preserve="1">
+<p:sldLayout xmlns:a="http://schemas.openxmlformats.org/drawingml/2006/main" xmlns:r="http://schemas.openxmlformats.org/officeDocument/2006/relationships" xmlns:p="http://schemas.openxmlformats.org/presentationml/2006/main" showMasterSp="0" type="secHead" preserve="1">
   <p:cSld name="Abschnitts-&#10;überschrift">
     <p:spTree>
       <p:nvGrpSpPr>
@@ -1260,7 +1261,7 @@
 </file>
 
 <file path=ppt/slideLayouts/slideLayout4.xml><?xml version="1.0" encoding="utf-8"?>
-<p:sldLayout xmlns:a="http://schemas.openxmlformats.org/drawingml/2006/main" xmlns:r="http://schemas.openxmlformats.org/officeDocument/2006/relationships" xmlns:p="http://schemas.openxmlformats.org/presentationml/2006/main" type="twoObj" preserve="1">
+<p:sldLayout xmlns:a="http://schemas.openxmlformats.org/drawingml/2006/main" xmlns:r="http://schemas.openxmlformats.org/officeDocument/2006/relationships" xmlns:p="http://schemas.openxmlformats.org/presentationml/2006/main" showMasterSp="0" type="twoObj" preserve="1">
   <p:cSld name="Zwei Inhalte">
     <p:spTree>
       <p:nvGrpSpPr>
@@ -1524,7 +1525,7 @@
 </file>
 
 <file path=ppt/slideLayouts/slideLayout5.xml><?xml version="1.0" encoding="utf-8"?>
-<p:sldLayout xmlns:a="http://schemas.openxmlformats.org/drawingml/2006/main" xmlns:r="http://schemas.openxmlformats.org/officeDocument/2006/relationships" xmlns:p="http://schemas.openxmlformats.org/presentationml/2006/main" type="twoTxTwoObj" preserve="1">
+<p:sldLayout xmlns:a="http://schemas.openxmlformats.org/drawingml/2006/main" xmlns:r="http://schemas.openxmlformats.org/officeDocument/2006/relationships" xmlns:p="http://schemas.openxmlformats.org/presentationml/2006/main" showMasterSp="0" type="twoTxTwoObj" preserve="1">
   <p:cSld name="Vergleich">
     <p:spTree>
       <p:nvGrpSpPr>
@@ -1923,7 +1924,7 @@
 </file>
 
 <file path=ppt/slideLayouts/slideLayout6.xml><?xml version="1.0" encoding="utf-8"?>
-<p:sldLayout xmlns:a="http://schemas.openxmlformats.org/drawingml/2006/main" xmlns:r="http://schemas.openxmlformats.org/officeDocument/2006/relationships" xmlns:p="http://schemas.openxmlformats.org/presentationml/2006/main" type="titleOnly" preserve="1">
+<p:sldLayout xmlns:a="http://schemas.openxmlformats.org/drawingml/2006/main" xmlns:r="http://schemas.openxmlformats.org/officeDocument/2006/relationships" xmlns:p="http://schemas.openxmlformats.org/presentationml/2006/main" showMasterSp="0" type="titleOnly" preserve="1">
   <p:cSld name="Nur Titel">
     <p:spTree>
       <p:nvGrpSpPr>
@@ -2073,7 +2074,7 @@
 </file>
 
 <file path=ppt/slideLayouts/slideLayout7.xml><?xml version="1.0" encoding="utf-8"?>
-<p:sldLayout xmlns:a="http://schemas.openxmlformats.org/drawingml/2006/main" xmlns:r="http://schemas.openxmlformats.org/officeDocument/2006/relationships" xmlns:p="http://schemas.openxmlformats.org/presentationml/2006/main" type="blank" preserve="1">
+<p:sldLayout xmlns:a="http://schemas.openxmlformats.org/drawingml/2006/main" xmlns:r="http://schemas.openxmlformats.org/officeDocument/2006/relationships" xmlns:p="http://schemas.openxmlformats.org/presentationml/2006/main" showMasterSp="0" type="blank" preserve="1">
   <p:cSld name="Leer">
     <p:spTree>
       <p:nvGrpSpPr>
@@ -2200,7 +2201,7 @@
 </file>
 
 <file path=ppt/slideLayouts/slideLayout8.xml><?xml version="1.0" encoding="utf-8"?>
-<p:sldLayout xmlns:a="http://schemas.openxmlformats.org/drawingml/2006/main" xmlns:r="http://schemas.openxmlformats.org/officeDocument/2006/relationships" xmlns:p="http://schemas.openxmlformats.org/presentationml/2006/main" type="objTx" preserve="1">
+<p:sldLayout xmlns:a="http://schemas.openxmlformats.org/drawingml/2006/main" xmlns:r="http://schemas.openxmlformats.org/officeDocument/2006/relationships" xmlns:p="http://schemas.openxmlformats.org/presentationml/2006/main" showMasterSp="0" type="objTx" preserve="1">
   <p:cSld name="Inhalt mit Überschrift">
     <p:spTree>
       <p:nvGrpSpPr>
@@ -2509,7 +2510,7 @@
 </file>
 
 <file path=ppt/slideLayouts/slideLayout9.xml><?xml version="1.0" encoding="utf-8"?>
-<p:sldLayout xmlns:a="http://schemas.openxmlformats.org/drawingml/2006/main" xmlns:r="http://schemas.openxmlformats.org/officeDocument/2006/relationships" xmlns:p="http://schemas.openxmlformats.org/presentationml/2006/main" type="picTx" preserve="1">
+<p:sldLayout xmlns:a="http://schemas.openxmlformats.org/drawingml/2006/main" xmlns:r="http://schemas.openxmlformats.org/officeDocument/2006/relationships" xmlns:p="http://schemas.openxmlformats.org/presentationml/2006/main" showMasterSp="0" type="picTx" preserve="1">
   <p:cSld name="Bild mit Überschrift">
     <p:spTree>
       <p:nvGrpSpPr>
@@ -2801,9 +2802,14 @@
 <p:sldMaster xmlns:a="http://schemas.openxmlformats.org/drawingml/2006/main" xmlns:r="http://schemas.openxmlformats.org/officeDocument/2006/relationships" xmlns:p="http://schemas.openxmlformats.org/presentationml/2006/main">
   <p:cSld>
     <p:bg>
-      <p:bgRef idx="1001">
-        <a:schemeClr val="bg1"/>
-      </p:bgRef>
+      <p:bgPr>
+        <a:solidFill>
+          <a:schemeClr val="bg1">
+            <a:alpha val="0"/>
+          </a:schemeClr>
+        </a:solidFill>
+        <a:effectLst/>
+      </p:bgPr>
     </p:bg>
     <p:spTree>
       <p:nvGrpSpPr>
@@ -3373,7 +3379,7 @@
 </file>
 
 <file path=ppt/slides/slide1.xml><?xml version="1.0" encoding="utf-8"?>
-<p:sld xmlns:a="http://schemas.openxmlformats.org/drawingml/2006/main" xmlns:r="http://schemas.openxmlformats.org/officeDocument/2006/relationships" xmlns:p="http://schemas.openxmlformats.org/presentationml/2006/main">
+<p:sld xmlns:a="http://schemas.openxmlformats.org/drawingml/2006/main" xmlns:r="http://schemas.openxmlformats.org/officeDocument/2006/relationships" xmlns:p="http://schemas.openxmlformats.org/presentationml/2006/main" showMasterSp="0">
   <p:cSld>
     <p:spTree>
       <p:nvGrpSpPr>
@@ -3446,7 +3452,7 @@
 </file>
 
 <file path=ppt/slides/slide10.xml><?xml version="1.0" encoding="utf-8"?>
-<p:sld xmlns:a="http://schemas.openxmlformats.org/drawingml/2006/main" xmlns:r="http://schemas.openxmlformats.org/officeDocument/2006/relationships" xmlns:p="http://schemas.openxmlformats.org/presentationml/2006/main">
+<p:sld xmlns:a="http://schemas.openxmlformats.org/drawingml/2006/main" xmlns:r="http://schemas.openxmlformats.org/officeDocument/2006/relationships" xmlns:p="http://schemas.openxmlformats.org/presentationml/2006/main" showMasterSp="0">
   <p:cSld>
     <p:spTree>
       <p:nvGrpSpPr>
@@ -3633,7 +3639,7 @@
 </file>
 
 <file path=ppt/slides/slide11.xml><?xml version="1.0" encoding="utf-8"?>
-<p:sld xmlns:a="http://schemas.openxmlformats.org/drawingml/2006/main" xmlns:r="http://schemas.openxmlformats.org/officeDocument/2006/relationships" xmlns:p="http://schemas.openxmlformats.org/presentationml/2006/main">
+<p:sld xmlns:a="http://schemas.openxmlformats.org/drawingml/2006/main" xmlns:r="http://schemas.openxmlformats.org/officeDocument/2006/relationships" xmlns:p="http://schemas.openxmlformats.org/presentationml/2006/main" showMasterSp="0">
   <p:cSld>
     <p:spTree>
       <p:nvGrpSpPr>
@@ -3820,7 +3826,7 @@
 </file>
 
 <file path=ppt/slides/slide12.xml><?xml version="1.0" encoding="utf-8"?>
-<p:sld xmlns:a="http://schemas.openxmlformats.org/drawingml/2006/main" xmlns:r="http://schemas.openxmlformats.org/officeDocument/2006/relationships" xmlns:p="http://schemas.openxmlformats.org/presentationml/2006/main">
+<p:sld xmlns:a="http://schemas.openxmlformats.org/drawingml/2006/main" xmlns:r="http://schemas.openxmlformats.org/officeDocument/2006/relationships" xmlns:p="http://schemas.openxmlformats.org/presentationml/2006/main" showMasterSp="0">
   <p:cSld>
     <p:spTree>
       <p:nvGrpSpPr>
@@ -3952,7 +3958,7 @@
 </file>
 
 <file path=ppt/slides/slide13.xml><?xml version="1.0" encoding="utf-8"?>
-<p:sld xmlns:a="http://schemas.openxmlformats.org/drawingml/2006/main" xmlns:r="http://schemas.openxmlformats.org/officeDocument/2006/relationships" xmlns:p="http://schemas.openxmlformats.org/presentationml/2006/main">
+<p:sld xmlns:a="http://schemas.openxmlformats.org/drawingml/2006/main" xmlns:r="http://schemas.openxmlformats.org/officeDocument/2006/relationships" xmlns:p="http://schemas.openxmlformats.org/presentationml/2006/main" showMasterSp="0">
   <p:cSld>
     <p:spTree>
       <p:nvGrpSpPr>
@@ -4552,7 +4558,7 @@
 </file>
 
 <file path=ppt/slides/slide14.xml><?xml version="1.0" encoding="utf-8"?>
-<p:sld xmlns:a="http://schemas.openxmlformats.org/drawingml/2006/main" xmlns:r="http://schemas.openxmlformats.org/officeDocument/2006/relationships" xmlns:p="http://schemas.openxmlformats.org/presentationml/2006/main">
+<p:sld xmlns:a="http://schemas.openxmlformats.org/drawingml/2006/main" xmlns:r="http://schemas.openxmlformats.org/officeDocument/2006/relationships" xmlns:p="http://schemas.openxmlformats.org/presentationml/2006/main" showMasterSp="0">
   <p:cSld>
     <p:spTree>
       <p:nvGrpSpPr>
@@ -5268,7 +5274,7 @@
 </file>
 
 <file path=ppt/slides/slide15.xml><?xml version="1.0" encoding="utf-8"?>
-<p:sld xmlns:a="http://schemas.openxmlformats.org/drawingml/2006/main" xmlns:r="http://schemas.openxmlformats.org/officeDocument/2006/relationships" xmlns:p="http://schemas.openxmlformats.org/presentationml/2006/main">
+<p:sld xmlns:a="http://schemas.openxmlformats.org/drawingml/2006/main" xmlns:r="http://schemas.openxmlformats.org/officeDocument/2006/relationships" xmlns:p="http://schemas.openxmlformats.org/presentationml/2006/main" showMasterSp="0">
   <p:cSld>
     <p:spTree>
       <p:nvGrpSpPr>
@@ -6051,7 +6057,7 @@
 </file>
 
 <file path=ppt/slides/slide16.xml><?xml version="1.0" encoding="utf-8"?>
-<p:sld xmlns:a="http://schemas.openxmlformats.org/drawingml/2006/main" xmlns:r="http://schemas.openxmlformats.org/officeDocument/2006/relationships" xmlns:p="http://schemas.openxmlformats.org/presentationml/2006/main">
+<p:sld xmlns:a="http://schemas.openxmlformats.org/drawingml/2006/main" xmlns:r="http://schemas.openxmlformats.org/officeDocument/2006/relationships" xmlns:p="http://schemas.openxmlformats.org/presentationml/2006/main" showMasterSp="0">
   <p:cSld>
     <p:spTree>
       <p:nvGrpSpPr>
@@ -6425,7 +6431,7 @@
 </file>
 
 <file path=ppt/slides/slide17.xml><?xml version="1.0" encoding="utf-8"?>
-<p:sld xmlns:a="http://schemas.openxmlformats.org/drawingml/2006/main" xmlns:r="http://schemas.openxmlformats.org/officeDocument/2006/relationships" xmlns:p="http://schemas.openxmlformats.org/presentationml/2006/main">
+<p:sld xmlns:a="http://schemas.openxmlformats.org/drawingml/2006/main" xmlns:r="http://schemas.openxmlformats.org/officeDocument/2006/relationships" xmlns:p="http://schemas.openxmlformats.org/presentationml/2006/main" showMasterSp="0">
   <p:cSld>
     <p:spTree>
       <p:nvGrpSpPr>
@@ -6653,7 +6659,7 @@
 </file>
 
 <file path=ppt/slides/slide18.xml><?xml version="1.0" encoding="utf-8"?>
-<p:sld xmlns:a="http://schemas.openxmlformats.org/drawingml/2006/main" xmlns:r="http://schemas.openxmlformats.org/officeDocument/2006/relationships" xmlns:p="http://schemas.openxmlformats.org/presentationml/2006/main">
+<p:sld xmlns:a="http://schemas.openxmlformats.org/drawingml/2006/main" xmlns:r="http://schemas.openxmlformats.org/officeDocument/2006/relationships" xmlns:p="http://schemas.openxmlformats.org/presentationml/2006/main" showMasterSp="0">
   <p:cSld>
     <p:spTree>
       <p:nvGrpSpPr>
@@ -6829,7 +6835,7 @@
 </file>
 
 <file path=ppt/slides/slide19.xml><?xml version="1.0" encoding="utf-8"?>
-<p:sld xmlns:a="http://schemas.openxmlformats.org/drawingml/2006/main" xmlns:r="http://schemas.openxmlformats.org/officeDocument/2006/relationships" xmlns:p="http://schemas.openxmlformats.org/presentationml/2006/main">
+<p:sld xmlns:a="http://schemas.openxmlformats.org/drawingml/2006/main" xmlns:r="http://schemas.openxmlformats.org/officeDocument/2006/relationships" xmlns:p="http://schemas.openxmlformats.org/presentationml/2006/main" showMasterSp="0">
   <p:cSld>
     <p:spTree>
       <p:nvGrpSpPr>
@@ -7000,7 +7006,7 @@
 </file>
 
 <file path=ppt/slides/slide2.xml><?xml version="1.0" encoding="utf-8"?>
-<p:sld xmlns:a="http://schemas.openxmlformats.org/drawingml/2006/main" xmlns:r="http://schemas.openxmlformats.org/officeDocument/2006/relationships" xmlns:p="http://schemas.openxmlformats.org/presentationml/2006/main">
+<p:sld xmlns:a="http://schemas.openxmlformats.org/drawingml/2006/main" xmlns:r="http://schemas.openxmlformats.org/officeDocument/2006/relationships" xmlns:p="http://schemas.openxmlformats.org/presentationml/2006/main" showMasterSp="0">
   <p:cSld>
     <p:spTree>
       <p:nvGrpSpPr>
@@ -7196,7 +7202,7 @@
 </file>
 
 <file path=ppt/slides/slide20.xml><?xml version="1.0" encoding="utf-8"?>
-<p:sld xmlns:a="http://schemas.openxmlformats.org/drawingml/2006/main" xmlns:r="http://schemas.openxmlformats.org/officeDocument/2006/relationships" xmlns:p="http://schemas.openxmlformats.org/presentationml/2006/main">
+<p:sld xmlns:a="http://schemas.openxmlformats.org/drawingml/2006/main" xmlns:r="http://schemas.openxmlformats.org/officeDocument/2006/relationships" xmlns:p="http://schemas.openxmlformats.org/presentationml/2006/main" showMasterSp="0">
   <p:cSld>
     <p:spTree>
       <p:nvGrpSpPr>
@@ -7364,7 +7370,7 @@
 </file>
 
 <file path=ppt/slides/slide21.xml><?xml version="1.0" encoding="utf-8"?>
-<p:sld xmlns:a="http://schemas.openxmlformats.org/drawingml/2006/main" xmlns:r="http://schemas.openxmlformats.org/officeDocument/2006/relationships" xmlns:p="http://schemas.openxmlformats.org/presentationml/2006/main">
+<p:sld xmlns:a="http://schemas.openxmlformats.org/drawingml/2006/main" xmlns:r="http://schemas.openxmlformats.org/officeDocument/2006/relationships" xmlns:p="http://schemas.openxmlformats.org/presentationml/2006/main" showMasterSp="0">
   <p:cSld>
     <p:spTree>
       <p:nvGrpSpPr>
@@ -8143,8 +8149,272 @@
 </p:sld>
 </file>
 
+<file path=ppt/slides/slide22.xml><?xml version="1.0" encoding="utf-8"?>
+<p:sld xmlns:a="http://schemas.openxmlformats.org/drawingml/2006/main" xmlns:r="http://schemas.openxmlformats.org/officeDocument/2006/relationships" xmlns:p="http://schemas.openxmlformats.org/presentationml/2006/main">
+  <p:cSld>
+    <p:spTree>
+      <p:nvGrpSpPr>
+        <p:cNvPr id="1" name=""/>
+        <p:cNvGrpSpPr/>
+        <p:nvPr/>
+      </p:nvGrpSpPr>
+      <p:grpSpPr>
+        <a:xfrm>
+          <a:off x="0" y="0"/>
+          <a:ext cx="0" cy="0"/>
+          <a:chOff x="0" y="0"/>
+          <a:chExt cx="0" cy="0"/>
+        </a:xfrm>
+      </p:grpSpPr>
+      <p:sp>
+        <p:nvSpPr>
+          <p:cNvPr id="4" name="Rad 3"/>
+          <p:cNvSpPr/>
+          <p:nvPr/>
+        </p:nvSpPr>
+        <p:spPr>
+          <a:xfrm>
+            <a:off x="802500" y="802500"/>
+            <a:ext cx="7920000" cy="7920000"/>
+          </a:xfrm>
+          <a:prstGeom prst="donut">
+            <a:avLst>
+              <a:gd name="adj" fmla="val 8572"/>
+            </a:avLst>
+          </a:prstGeom>
+          <a:solidFill>
+            <a:srgbClr val="00B0F0"/>
+          </a:solidFill>
+          <a:ln>
+            <a:noFill/>
+          </a:ln>
+        </p:spPr>
+        <p:style>
+          <a:lnRef idx="2">
+            <a:schemeClr val="accent1">
+              <a:shade val="50000"/>
+            </a:schemeClr>
+          </a:lnRef>
+          <a:fillRef idx="1">
+            <a:schemeClr val="accent1"/>
+          </a:fillRef>
+          <a:effectRef idx="0">
+            <a:schemeClr val="accent1"/>
+          </a:effectRef>
+          <a:fontRef idx="minor">
+            <a:schemeClr val="lt1"/>
+          </a:fontRef>
+        </p:style>
+        <p:txBody>
+          <a:bodyPr rtlCol="0" anchor="ctr"/>
+          <a:lstStyle/>
+          <a:p>
+            <a:pPr algn="ctr"/>
+            <a:endParaRPr lang="de-DE"/>
+          </a:p>
+        </p:txBody>
+      </p:sp>
+      <p:sp>
+        <p:nvSpPr>
+          <p:cNvPr id="7" name="Rad 6"/>
+          <p:cNvSpPr/>
+          <p:nvPr/>
+        </p:nvSpPr>
+        <p:spPr>
+          <a:xfrm>
+            <a:off x="2679448" y="802500"/>
+            <a:ext cx="4166104" cy="7920000"/>
+          </a:xfrm>
+          <a:prstGeom prst="donut">
+            <a:avLst>
+              <a:gd name="adj" fmla="val 16196"/>
+            </a:avLst>
+          </a:prstGeom>
+          <a:solidFill>
+            <a:srgbClr val="00B0F0"/>
+          </a:solidFill>
+          <a:ln>
+            <a:noFill/>
+          </a:ln>
+        </p:spPr>
+        <p:style>
+          <a:lnRef idx="2">
+            <a:schemeClr val="accent1">
+              <a:shade val="50000"/>
+            </a:schemeClr>
+          </a:lnRef>
+          <a:fillRef idx="1">
+            <a:schemeClr val="accent1"/>
+          </a:fillRef>
+          <a:effectRef idx="0">
+            <a:schemeClr val="accent1"/>
+          </a:effectRef>
+          <a:fontRef idx="minor">
+            <a:schemeClr val="lt1"/>
+          </a:fontRef>
+        </p:style>
+        <p:txBody>
+          <a:bodyPr rtlCol="0" anchor="ctr"/>
+          <a:lstStyle/>
+          <a:p>
+            <a:pPr algn="ctr"/>
+            <a:endParaRPr lang="de-DE"/>
+          </a:p>
+        </p:txBody>
+      </p:sp>
+      <p:sp>
+        <p:nvSpPr>
+          <p:cNvPr id="9" name="Rechteck 8"/>
+          <p:cNvSpPr/>
+          <p:nvPr/>
+        </p:nvSpPr>
+        <p:spPr>
+          <a:xfrm>
+            <a:off x="1700097" y="6241296"/>
+            <a:ext cx="6124807" cy="683611"/>
+          </a:xfrm>
+          <a:prstGeom prst="rect">
+            <a:avLst/>
+          </a:prstGeom>
+          <a:solidFill>
+            <a:srgbClr val="00B0F0"/>
+          </a:solidFill>
+          <a:ln>
+            <a:noFill/>
+          </a:ln>
+        </p:spPr>
+        <p:style>
+          <a:lnRef idx="2">
+            <a:schemeClr val="accent1">
+              <a:shade val="50000"/>
+            </a:schemeClr>
+          </a:lnRef>
+          <a:fillRef idx="1">
+            <a:schemeClr val="accent1"/>
+          </a:fillRef>
+          <a:effectRef idx="0">
+            <a:schemeClr val="accent1"/>
+          </a:effectRef>
+          <a:fontRef idx="minor">
+            <a:schemeClr val="lt1"/>
+          </a:fontRef>
+        </p:style>
+        <p:txBody>
+          <a:bodyPr rtlCol="0" anchor="ctr"/>
+          <a:lstStyle/>
+          <a:p>
+            <a:pPr algn="ctr"/>
+            <a:endParaRPr lang="de-DE"/>
+          </a:p>
+        </p:txBody>
+      </p:sp>
+      <p:sp>
+        <p:nvSpPr>
+          <p:cNvPr id="11" name="Rechteck 10"/>
+          <p:cNvSpPr/>
+          <p:nvPr/>
+        </p:nvSpPr>
+        <p:spPr>
+          <a:xfrm>
+            <a:off x="1700095" y="2600094"/>
+            <a:ext cx="6124807" cy="683611"/>
+          </a:xfrm>
+          <a:prstGeom prst="rect">
+            <a:avLst/>
+          </a:prstGeom>
+          <a:solidFill>
+            <a:srgbClr val="00B0F0"/>
+          </a:solidFill>
+          <a:ln>
+            <a:noFill/>
+          </a:ln>
+        </p:spPr>
+        <p:style>
+          <a:lnRef idx="2">
+            <a:schemeClr val="accent1">
+              <a:shade val="50000"/>
+            </a:schemeClr>
+          </a:lnRef>
+          <a:fillRef idx="1">
+            <a:schemeClr val="accent1"/>
+          </a:fillRef>
+          <a:effectRef idx="0">
+            <a:schemeClr val="accent1"/>
+          </a:effectRef>
+          <a:fontRef idx="minor">
+            <a:schemeClr val="lt1"/>
+          </a:fontRef>
+        </p:style>
+        <p:txBody>
+          <a:bodyPr rtlCol="0" anchor="ctr"/>
+          <a:lstStyle/>
+          <a:p>
+            <a:pPr algn="ctr"/>
+            <a:endParaRPr lang="de-DE"/>
+          </a:p>
+        </p:txBody>
+      </p:sp>
+      <p:sp>
+        <p:nvSpPr>
+          <p:cNvPr id="12" name="Rechteck 11"/>
+          <p:cNvSpPr/>
+          <p:nvPr/>
+        </p:nvSpPr>
+        <p:spPr>
+          <a:xfrm>
+            <a:off x="1037993" y="4420695"/>
+            <a:ext cx="7449014" cy="683611"/>
+          </a:xfrm>
+          <a:prstGeom prst="rect">
+            <a:avLst/>
+          </a:prstGeom>
+          <a:solidFill>
+            <a:srgbClr val="00B0F0"/>
+          </a:solidFill>
+          <a:ln>
+            <a:noFill/>
+          </a:ln>
+        </p:spPr>
+        <p:style>
+          <a:lnRef idx="2">
+            <a:schemeClr val="accent1">
+              <a:shade val="50000"/>
+            </a:schemeClr>
+          </a:lnRef>
+          <a:fillRef idx="1">
+            <a:schemeClr val="accent1"/>
+          </a:fillRef>
+          <a:effectRef idx="0">
+            <a:schemeClr val="accent1"/>
+          </a:effectRef>
+          <a:fontRef idx="minor">
+            <a:schemeClr val="lt1"/>
+          </a:fontRef>
+        </p:style>
+        <p:txBody>
+          <a:bodyPr rtlCol="0" anchor="ctr"/>
+          <a:lstStyle/>
+          <a:p>
+            <a:pPr algn="ctr"/>
+            <a:endParaRPr lang="de-DE"/>
+          </a:p>
+        </p:txBody>
+      </p:sp>
+    </p:spTree>
+    <p:extLst>
+      <p:ext uri="{BB962C8B-B14F-4D97-AF65-F5344CB8AC3E}">
+        <p14:creationId xmlns:p14="http://schemas.microsoft.com/office/powerpoint/2010/main" val="1587640748"/>
+      </p:ext>
+    </p:extLst>
+  </p:cSld>
+  <p:clrMapOvr>
+    <a:masterClrMapping/>
+  </p:clrMapOvr>
+</p:sld>
+</file>
+
 <file path=ppt/slides/slide3.xml><?xml version="1.0" encoding="utf-8"?>
-<p:sld xmlns:a="http://schemas.openxmlformats.org/drawingml/2006/main" xmlns:r="http://schemas.openxmlformats.org/officeDocument/2006/relationships" xmlns:p="http://schemas.openxmlformats.org/presentationml/2006/main">
+<p:sld xmlns:a="http://schemas.openxmlformats.org/drawingml/2006/main" xmlns:r="http://schemas.openxmlformats.org/officeDocument/2006/relationships" xmlns:p="http://schemas.openxmlformats.org/presentationml/2006/main" showMasterSp="0">
   <p:cSld>
     <p:spTree>
       <p:nvGrpSpPr>
@@ -8329,7 +8599,7 @@
 </file>
 
 <file path=ppt/slides/slide4.xml><?xml version="1.0" encoding="utf-8"?>
-<p:sld xmlns:a="http://schemas.openxmlformats.org/drawingml/2006/main" xmlns:r="http://schemas.openxmlformats.org/officeDocument/2006/relationships" xmlns:p="http://schemas.openxmlformats.org/presentationml/2006/main">
+<p:sld xmlns:a="http://schemas.openxmlformats.org/drawingml/2006/main" xmlns:r="http://schemas.openxmlformats.org/officeDocument/2006/relationships" xmlns:p="http://schemas.openxmlformats.org/presentationml/2006/main" showMasterSp="0">
   <p:cSld>
     <p:spTree>
       <p:nvGrpSpPr>
@@ -8405,7 +8675,7 @@
 </file>
 
 <file path=ppt/slides/slide5.xml><?xml version="1.0" encoding="utf-8"?>
-<p:sld xmlns:a="http://schemas.openxmlformats.org/drawingml/2006/main" xmlns:r="http://schemas.openxmlformats.org/officeDocument/2006/relationships" xmlns:p="http://schemas.openxmlformats.org/presentationml/2006/main">
+<p:sld xmlns:a="http://schemas.openxmlformats.org/drawingml/2006/main" xmlns:r="http://schemas.openxmlformats.org/officeDocument/2006/relationships" xmlns:p="http://schemas.openxmlformats.org/presentationml/2006/main" showMasterSp="0">
   <p:cSld>
     <p:spTree>
       <p:nvGrpSpPr>
@@ -8485,7 +8755,7 @@
 </file>
 
 <file path=ppt/slides/slide6.xml><?xml version="1.0" encoding="utf-8"?>
-<p:sld xmlns:a="http://schemas.openxmlformats.org/drawingml/2006/main" xmlns:r="http://schemas.openxmlformats.org/officeDocument/2006/relationships" xmlns:p="http://schemas.openxmlformats.org/presentationml/2006/main">
+<p:sld xmlns:a="http://schemas.openxmlformats.org/drawingml/2006/main" xmlns:r="http://schemas.openxmlformats.org/officeDocument/2006/relationships" xmlns:p="http://schemas.openxmlformats.org/presentationml/2006/main" showMasterSp="0">
   <p:cSld>
     <p:spTree>
       <p:nvGrpSpPr>
@@ -8565,7 +8835,7 @@
 </file>
 
 <file path=ppt/slides/slide7.xml><?xml version="1.0" encoding="utf-8"?>
-<p:sld xmlns:a="http://schemas.openxmlformats.org/drawingml/2006/main" xmlns:r="http://schemas.openxmlformats.org/officeDocument/2006/relationships" xmlns:p="http://schemas.openxmlformats.org/presentationml/2006/main">
+<p:sld xmlns:a="http://schemas.openxmlformats.org/drawingml/2006/main" xmlns:r="http://schemas.openxmlformats.org/officeDocument/2006/relationships" xmlns:p="http://schemas.openxmlformats.org/presentationml/2006/main" showMasterSp="0">
   <p:cSld>
     <p:spTree>
       <p:nvGrpSpPr>
@@ -9022,7 +9292,7 @@
 </file>
 
 <file path=ppt/slides/slide8.xml><?xml version="1.0" encoding="utf-8"?>
-<p:sld xmlns:a="http://schemas.openxmlformats.org/drawingml/2006/main" xmlns:r="http://schemas.openxmlformats.org/officeDocument/2006/relationships" xmlns:p="http://schemas.openxmlformats.org/presentationml/2006/main">
+<p:sld xmlns:a="http://schemas.openxmlformats.org/drawingml/2006/main" xmlns:r="http://schemas.openxmlformats.org/officeDocument/2006/relationships" xmlns:p="http://schemas.openxmlformats.org/presentationml/2006/main" showMasterSp="0">
   <p:cSld>
     <p:spTree>
       <p:nvGrpSpPr>
@@ -9277,7 +9547,7 @@
 </file>
 
 <file path=ppt/slides/slide9.xml><?xml version="1.0" encoding="utf-8"?>
-<p:sld xmlns:a="http://schemas.openxmlformats.org/drawingml/2006/main" xmlns:r="http://schemas.openxmlformats.org/officeDocument/2006/relationships" xmlns:p="http://schemas.openxmlformats.org/presentationml/2006/main">
+<p:sld xmlns:a="http://schemas.openxmlformats.org/drawingml/2006/main" xmlns:r="http://schemas.openxmlformats.org/officeDocument/2006/relationships" xmlns:p="http://schemas.openxmlformats.org/presentationml/2006/main" showMasterSp="0">
   <p:cSld>
     <p:spTree>
       <p:nvGrpSpPr>

--- a/ImageResources/ProjectFiles/menu.pptx
+++ b/ImageResources/ProjectFiles/menu.pptx
@@ -27,6 +27,10 @@
     <p:sldId id="279" r:id="rId21"/>
     <p:sldId id="280" r:id="rId22"/>
     <p:sldId id="284" r:id="rId23"/>
+    <p:sldId id="285" r:id="rId24"/>
+    <p:sldId id="286" r:id="rId25"/>
+    <p:sldId id="288" r:id="rId26"/>
+    <p:sldId id="289" r:id="rId27"/>
   </p:sldIdLst>
   <p:sldSz cx="9525000" cy="9525000"/>
   <p:notesSz cx="6858000" cy="9144000"/>
@@ -282,7 +286,7 @@
                 </a:solidFill>
               </a:rPr>
               <a:pPr/>
-              <a:t>03.10.2017</a:t>
+              <a:t>04.10.2017</a:t>
             </a:fld>
             <a:endParaRPr lang="de-DE">
               <a:solidFill>
@@ -484,7 +488,7 @@
                 </a:solidFill>
               </a:rPr>
               <a:pPr/>
-              <a:t>03.10.2017</a:t>
+              <a:t>04.10.2017</a:t>
             </a:fld>
             <a:endParaRPr lang="de-DE">
               <a:solidFill>
@@ -696,7 +700,7 @@
                 </a:solidFill>
               </a:rPr>
               <a:pPr/>
-              <a:t>03.10.2017</a:t>
+              <a:t>04.10.2017</a:t>
             </a:fld>
             <a:endParaRPr lang="de-DE">
               <a:solidFill>
@@ -898,7 +902,7 @@
                 </a:solidFill>
               </a:rPr>
               <a:pPr/>
-              <a:t>03.10.2017</a:t>
+              <a:t>04.10.2017</a:t>
             </a:fld>
             <a:endParaRPr lang="de-DE">
               <a:solidFill>
@@ -1174,7 +1178,7 @@
                 </a:solidFill>
               </a:rPr>
               <a:pPr/>
-              <a:t>03.10.2017</a:t>
+              <a:t>04.10.2017</a:t>
             </a:fld>
             <a:endParaRPr lang="de-DE">
               <a:solidFill>
@@ -1438,7 +1442,7 @@
                 </a:solidFill>
               </a:rPr>
               <a:pPr/>
-              <a:t>03.10.2017</a:t>
+              <a:t>04.10.2017</a:t>
             </a:fld>
             <a:endParaRPr lang="de-DE">
               <a:solidFill>
@@ -1837,7 +1841,7 @@
                 </a:solidFill>
               </a:rPr>
               <a:pPr/>
-              <a:t>03.10.2017</a:t>
+              <a:t>04.10.2017</a:t>
             </a:fld>
             <a:endParaRPr lang="de-DE">
               <a:solidFill>
@@ -1987,7 +1991,7 @@
                 </a:solidFill>
               </a:rPr>
               <a:pPr/>
-              <a:t>03.10.2017</a:t>
+              <a:t>04.10.2017</a:t>
             </a:fld>
             <a:endParaRPr lang="de-DE">
               <a:solidFill>
@@ -2114,7 +2118,7 @@
                 </a:solidFill>
               </a:rPr>
               <a:pPr/>
-              <a:t>03.10.2017</a:t>
+              <a:t>04.10.2017</a:t>
             </a:fld>
             <a:endParaRPr lang="de-DE">
               <a:solidFill>
@@ -2423,7 +2427,7 @@
                 </a:solidFill>
               </a:rPr>
               <a:pPr/>
-              <a:t>03.10.2017</a:t>
+              <a:t>04.10.2017</a:t>
             </a:fld>
             <a:endParaRPr lang="de-DE">
               <a:solidFill>
@@ -2712,7 +2716,7 @@
                 </a:solidFill>
               </a:rPr>
               <a:pPr/>
-              <a:t>03.10.2017</a:t>
+              <a:t>04.10.2017</a:t>
             </a:fld>
             <a:endParaRPr lang="de-DE">
               <a:solidFill>
@@ -2963,7 +2967,7 @@
                 </a:solidFill>
               </a:rPr>
               <a:pPr defTabSz="403228"/>
-              <a:t>03.10.2017</a:t>
+              <a:t>04.10.2017</a:t>
             </a:fld>
             <a:endParaRPr lang="de-DE">
               <a:solidFill>
@@ -8404,6 +8408,478 @@
     <p:extLst>
       <p:ext uri="{BB962C8B-B14F-4D97-AF65-F5344CB8AC3E}">
         <p14:creationId xmlns:p14="http://schemas.microsoft.com/office/powerpoint/2010/main" val="1587640748"/>
+      </p:ext>
+    </p:extLst>
+  </p:cSld>
+  <p:clrMapOvr>
+    <a:masterClrMapping/>
+  </p:clrMapOvr>
+</p:sld>
+</file>
+
+<file path=ppt/slides/slide23.xml><?xml version="1.0" encoding="utf-8"?>
+<p:sld xmlns:a="http://schemas.openxmlformats.org/drawingml/2006/main" xmlns:r="http://schemas.openxmlformats.org/officeDocument/2006/relationships" xmlns:p="http://schemas.openxmlformats.org/presentationml/2006/main" showMasterSp="0">
+  <p:cSld>
+    <p:spTree>
+      <p:nvGrpSpPr>
+        <p:cNvPr id="1" name=""/>
+        <p:cNvGrpSpPr/>
+        <p:nvPr/>
+      </p:nvGrpSpPr>
+      <p:grpSpPr>
+        <a:xfrm>
+          <a:off x="0" y="0"/>
+          <a:ext cx="0" cy="0"/>
+          <a:chOff x="0" y="0"/>
+          <a:chExt cx="0" cy="0"/>
+        </a:xfrm>
+      </p:grpSpPr>
+      <p:sp>
+        <p:nvSpPr>
+          <p:cNvPr id="4" name="Additionszeichen 3"/>
+          <p:cNvSpPr/>
+          <p:nvPr/>
+        </p:nvSpPr>
+        <p:spPr>
+          <a:xfrm>
+            <a:off x="-105" y="-209"/>
+            <a:ext cx="9525209" cy="9525209"/>
+          </a:xfrm>
+          <a:prstGeom prst="mathMultiply">
+            <a:avLst>
+              <a:gd name="adj1" fmla="val 20476"/>
+            </a:avLst>
+          </a:prstGeom>
+          <a:solidFill>
+            <a:schemeClr val="accent2"/>
+          </a:solidFill>
+          <a:ln>
+            <a:noFill/>
+          </a:ln>
+          <a:effectLst/>
+          <a:scene3d>
+            <a:camera prst="orthographicFront"/>
+            <a:lightRig rig="threePt" dir="t"/>
+          </a:scene3d>
+          <a:sp3d extrusionH="1270000"/>
+        </p:spPr>
+        <p:style>
+          <a:lnRef idx="0">
+            <a:schemeClr val="accent6"/>
+          </a:lnRef>
+          <a:fillRef idx="3">
+            <a:schemeClr val="accent6"/>
+          </a:fillRef>
+          <a:effectRef idx="3">
+            <a:schemeClr val="accent6"/>
+          </a:effectRef>
+          <a:fontRef idx="minor">
+            <a:schemeClr val="lt1"/>
+          </a:fontRef>
+        </p:style>
+        <p:txBody>
+          <a:bodyPr rtlCol="0" anchor="ctr"/>
+          <a:lstStyle/>
+          <a:p>
+            <a:pPr algn="ctr"/>
+            <a:endParaRPr lang="de-DE" sz="1588"/>
+          </a:p>
+        </p:txBody>
+      </p:sp>
+    </p:spTree>
+    <p:extLst>
+      <p:ext uri="{BB962C8B-B14F-4D97-AF65-F5344CB8AC3E}">
+        <p14:creationId xmlns:p14="http://schemas.microsoft.com/office/powerpoint/2010/main" val="124160770"/>
+      </p:ext>
+    </p:extLst>
+  </p:cSld>
+  <p:clrMapOvr>
+    <a:masterClrMapping/>
+  </p:clrMapOvr>
+</p:sld>
+</file>
+
+<file path=ppt/slides/slide24.xml><?xml version="1.0" encoding="utf-8"?>
+<p:sld xmlns:a="http://schemas.openxmlformats.org/drawingml/2006/main" xmlns:r="http://schemas.openxmlformats.org/officeDocument/2006/relationships" xmlns:p="http://schemas.openxmlformats.org/presentationml/2006/main" showMasterSp="0">
+  <p:cSld>
+    <p:spTree>
+      <p:nvGrpSpPr>
+        <p:cNvPr id="1" name=""/>
+        <p:cNvGrpSpPr/>
+        <p:nvPr/>
+      </p:nvGrpSpPr>
+      <p:grpSpPr>
+        <a:xfrm>
+          <a:off x="0" y="0"/>
+          <a:ext cx="0" cy="0"/>
+          <a:chOff x="0" y="0"/>
+          <a:chExt cx="0" cy="0"/>
+        </a:xfrm>
+      </p:grpSpPr>
+      <p:sp>
+        <p:nvSpPr>
+          <p:cNvPr id="6" name="Freihandform 5"/>
+          <p:cNvSpPr/>
+          <p:nvPr/>
+        </p:nvSpPr>
+        <p:spPr>
+          <a:xfrm rot="13186723">
+            <a:off x="3311925" y="356745"/>
+            <a:ext cx="2378636" cy="9711396"/>
+          </a:xfrm>
+          <a:custGeom>
+            <a:avLst/>
+            <a:gdLst>
+              <a:gd name="connsiteX0" fmla="*/ 1189318 w 2378636"/>
+              <a:gd name="connsiteY0" fmla="*/ 0 h 9711396"/>
+              <a:gd name="connsiteX1" fmla="*/ 2378636 w 2378636"/>
+              <a:gd name="connsiteY1" fmla="*/ 1886505 h 9711396"/>
+              <a:gd name="connsiteX2" fmla="*/ 2378636 w 2378636"/>
+              <a:gd name="connsiteY2" fmla="*/ 9711396 h 9711396"/>
+              <a:gd name="connsiteX3" fmla="*/ 0 w 2378636"/>
+              <a:gd name="connsiteY3" fmla="*/ 9711396 h 9711396"/>
+              <a:gd name="connsiteX4" fmla="*/ 0 w 2378636"/>
+              <a:gd name="connsiteY4" fmla="*/ 1886505 h 9711396"/>
+            </a:gdLst>
+            <a:ahLst/>
+            <a:cxnLst>
+              <a:cxn ang="0">
+                <a:pos x="connsiteX0" y="connsiteY0"/>
+              </a:cxn>
+              <a:cxn ang="0">
+                <a:pos x="connsiteX1" y="connsiteY1"/>
+              </a:cxn>
+              <a:cxn ang="0">
+                <a:pos x="connsiteX2" y="connsiteY2"/>
+              </a:cxn>
+              <a:cxn ang="0">
+                <a:pos x="connsiteX3" y="connsiteY3"/>
+              </a:cxn>
+              <a:cxn ang="0">
+                <a:pos x="connsiteX4" y="connsiteY4"/>
+              </a:cxn>
+            </a:cxnLst>
+            <a:rect l="l" t="t" r="r" b="b"/>
+            <a:pathLst>
+              <a:path w="2378636" h="9711396">
+                <a:moveTo>
+                  <a:pt x="1189318" y="0"/>
+                </a:moveTo>
+                <a:lnTo>
+                  <a:pt x="2378636" y="1886505"/>
+                </a:lnTo>
+                <a:lnTo>
+                  <a:pt x="2378636" y="9711396"/>
+                </a:lnTo>
+                <a:lnTo>
+                  <a:pt x="0" y="9711396"/>
+                </a:lnTo>
+                <a:lnTo>
+                  <a:pt x="0" y="1886505"/>
+                </a:lnTo>
+                <a:close/>
+              </a:path>
+            </a:pathLst>
+          </a:custGeom>
+          <a:solidFill>
+            <a:srgbClr val="7030A0"/>
+          </a:solidFill>
+          <a:ln>
+            <a:noFill/>
+          </a:ln>
+        </p:spPr>
+        <p:style>
+          <a:lnRef idx="2">
+            <a:schemeClr val="accent1">
+              <a:shade val="50000"/>
+            </a:schemeClr>
+          </a:lnRef>
+          <a:fillRef idx="1">
+            <a:schemeClr val="accent1"/>
+          </a:fillRef>
+          <a:effectRef idx="0">
+            <a:schemeClr val="accent1"/>
+          </a:effectRef>
+          <a:fontRef idx="minor">
+            <a:schemeClr val="lt1"/>
+          </a:fontRef>
+        </p:style>
+        <p:txBody>
+          <a:bodyPr rtlCol="0" anchor="ctr"/>
+          <a:lstStyle/>
+          <a:p>
+            <a:pPr algn="ctr"/>
+            <a:endParaRPr lang="de-DE"/>
+          </a:p>
+        </p:txBody>
+      </p:sp>
+    </p:spTree>
+    <p:extLst>
+      <p:ext uri="{BB962C8B-B14F-4D97-AF65-F5344CB8AC3E}">
+        <p14:creationId xmlns:p14="http://schemas.microsoft.com/office/powerpoint/2010/main" val="635187102"/>
+      </p:ext>
+    </p:extLst>
+  </p:cSld>
+  <p:clrMapOvr>
+    <a:masterClrMapping/>
+  </p:clrMapOvr>
+</p:sld>
+</file>
+
+<file path=ppt/slides/slide25.xml><?xml version="1.0" encoding="utf-8"?>
+<p:sld xmlns:a="http://schemas.openxmlformats.org/drawingml/2006/main" xmlns:r="http://schemas.openxmlformats.org/officeDocument/2006/relationships" xmlns:p="http://schemas.openxmlformats.org/presentationml/2006/main" showMasterSp="0">
+  <p:cSld>
+    <p:spTree>
+      <p:nvGrpSpPr>
+        <p:cNvPr id="1" name=""/>
+        <p:cNvGrpSpPr/>
+        <p:nvPr/>
+      </p:nvGrpSpPr>
+      <p:grpSpPr>
+        <a:xfrm>
+          <a:off x="0" y="0"/>
+          <a:ext cx="0" cy="0"/>
+          <a:chOff x="0" y="0"/>
+          <a:chExt cx="0" cy="0"/>
+        </a:xfrm>
+      </p:grpSpPr>
+      <p:sp>
+        <p:nvSpPr>
+          <p:cNvPr id="2" name="Ellipse 1"/>
+          <p:cNvSpPr/>
+          <p:nvPr/>
+        </p:nvSpPr>
+        <p:spPr>
+          <a:xfrm>
+            <a:off x="793663" y="793663"/>
+            <a:ext cx="7937675" cy="7937675"/>
+          </a:xfrm>
+          <a:prstGeom prst="ellipse">
+            <a:avLst/>
+          </a:prstGeom>
+          <a:solidFill>
+            <a:schemeClr val="tx1">
+              <a:lumMod val="75000"/>
+              <a:lumOff val="25000"/>
+            </a:schemeClr>
+          </a:solidFill>
+          <a:ln>
+            <a:noFill/>
+          </a:ln>
+        </p:spPr>
+        <p:style>
+          <a:lnRef idx="2">
+            <a:schemeClr val="accent1">
+              <a:shade val="50000"/>
+            </a:schemeClr>
+          </a:lnRef>
+          <a:fillRef idx="1">
+            <a:schemeClr val="accent1"/>
+          </a:fillRef>
+          <a:effectRef idx="0">
+            <a:schemeClr val="accent1"/>
+          </a:effectRef>
+          <a:fontRef idx="minor">
+            <a:schemeClr val="lt1"/>
+          </a:fontRef>
+        </p:style>
+        <p:txBody>
+          <a:bodyPr rtlCol="0" anchor="ctr"/>
+          <a:lstStyle/>
+          <a:p>
+            <a:pPr algn="ctr"/>
+            <a:endParaRPr lang="de-DE" sz="12172" b="1" dirty="0"/>
+          </a:p>
+        </p:txBody>
+      </p:sp>
+      <p:sp>
+        <p:nvSpPr>
+          <p:cNvPr id="7" name="Minuszeichen 3"/>
+          <p:cNvSpPr>
+            <a:spLocks noChangeAspect="1"/>
+          </p:cNvSpPr>
+          <p:nvPr/>
+        </p:nvSpPr>
+        <p:spPr>
+          <a:xfrm>
+            <a:off x="1576562" y="1576562"/>
+            <a:ext cx="6371876" cy="6371876"/>
+          </a:xfrm>
+          <a:prstGeom prst="mathMinus">
+            <a:avLst/>
+          </a:prstGeom>
+          <a:solidFill>
+            <a:schemeClr val="bg1"/>
+          </a:solidFill>
+          <a:ln>
+            <a:noFill/>
+          </a:ln>
+          <a:effectLst/>
+          <a:scene3d>
+            <a:camera prst="orthographicFront"/>
+            <a:lightRig rig="threePt" dir="t"/>
+          </a:scene3d>
+          <a:sp3d extrusionH="1270000"/>
+        </p:spPr>
+        <p:style>
+          <a:lnRef idx="0">
+            <a:schemeClr val="accent6"/>
+          </a:lnRef>
+          <a:fillRef idx="3">
+            <a:schemeClr val="accent6"/>
+          </a:fillRef>
+          <a:effectRef idx="3">
+            <a:schemeClr val="accent6"/>
+          </a:effectRef>
+          <a:fontRef idx="minor">
+            <a:schemeClr val="lt1"/>
+          </a:fontRef>
+        </p:style>
+        <p:txBody>
+          <a:bodyPr rtlCol="0" anchor="ctr"/>
+          <a:lstStyle/>
+          <a:p>
+            <a:pPr algn="ctr"/>
+            <a:endParaRPr lang="de-DE" sz="1588"/>
+          </a:p>
+        </p:txBody>
+      </p:sp>
+    </p:spTree>
+    <p:extLst>
+      <p:ext uri="{BB962C8B-B14F-4D97-AF65-F5344CB8AC3E}">
+        <p14:creationId xmlns:p14="http://schemas.microsoft.com/office/powerpoint/2010/main" val="1701544179"/>
+      </p:ext>
+    </p:extLst>
+  </p:cSld>
+  <p:clrMapOvr>
+    <a:masterClrMapping/>
+  </p:clrMapOvr>
+</p:sld>
+</file>
+
+<file path=ppt/slides/slide26.xml><?xml version="1.0" encoding="utf-8"?>
+<p:sld xmlns:a="http://schemas.openxmlformats.org/drawingml/2006/main" xmlns:r="http://schemas.openxmlformats.org/officeDocument/2006/relationships" xmlns:p="http://schemas.openxmlformats.org/presentationml/2006/main" showMasterSp="0">
+  <p:cSld>
+    <p:spTree>
+      <p:nvGrpSpPr>
+        <p:cNvPr id="1" name=""/>
+        <p:cNvGrpSpPr/>
+        <p:nvPr/>
+      </p:nvGrpSpPr>
+      <p:grpSpPr>
+        <a:xfrm>
+          <a:off x="0" y="0"/>
+          <a:ext cx="0" cy="0"/>
+          <a:chOff x="0" y="0"/>
+          <a:chExt cx="0" cy="0"/>
+        </a:xfrm>
+      </p:grpSpPr>
+      <p:sp>
+        <p:nvSpPr>
+          <p:cNvPr id="2" name="Rechteck 1"/>
+          <p:cNvSpPr/>
+          <p:nvPr/>
+        </p:nvSpPr>
+        <p:spPr>
+          <a:xfrm>
+            <a:off x="793663" y="793663"/>
+            <a:ext cx="7937675" cy="7937675"/>
+          </a:xfrm>
+          <a:prstGeom prst="rect">
+            <a:avLst/>
+          </a:prstGeom>
+          <a:noFill/>
+          <a:ln w="1016000" cap="rnd" cmpd="sng">
+            <a:solidFill>
+              <a:schemeClr val="accent1"/>
+            </a:solidFill>
+            <a:prstDash val="solid"/>
+            <a:round/>
+          </a:ln>
+        </p:spPr>
+        <p:style>
+          <a:lnRef idx="2">
+            <a:schemeClr val="accent1">
+              <a:shade val="50000"/>
+            </a:schemeClr>
+          </a:lnRef>
+          <a:fillRef idx="1">
+            <a:schemeClr val="accent1"/>
+          </a:fillRef>
+          <a:effectRef idx="0">
+            <a:schemeClr val="accent1"/>
+          </a:effectRef>
+          <a:fontRef idx="minor">
+            <a:schemeClr val="lt1"/>
+          </a:fontRef>
+        </p:style>
+        <p:txBody>
+          <a:bodyPr rtlCol="0" anchor="ctr"/>
+          <a:lstStyle/>
+          <a:p>
+            <a:pPr algn="ctr"/>
+            <a:endParaRPr lang="de-DE" sz="12172" b="1" dirty="0"/>
+          </a:p>
+        </p:txBody>
+      </p:sp>
+      <p:sp>
+        <p:nvSpPr>
+          <p:cNvPr id="7" name="Minuszeichen 3"/>
+          <p:cNvSpPr>
+            <a:spLocks noChangeAspect="1"/>
+          </p:cNvSpPr>
+          <p:nvPr/>
+        </p:nvSpPr>
+        <p:spPr>
+          <a:xfrm>
+            <a:off x="1576562" y="1576562"/>
+            <a:ext cx="6371876" cy="6371876"/>
+          </a:xfrm>
+          <a:prstGeom prst="mathMinus">
+            <a:avLst/>
+          </a:prstGeom>
+          <a:solidFill>
+            <a:schemeClr val="bg1">
+              <a:lumMod val="50000"/>
+            </a:schemeClr>
+          </a:solidFill>
+          <a:ln>
+            <a:noFill/>
+          </a:ln>
+          <a:effectLst/>
+          <a:scene3d>
+            <a:camera prst="orthographicFront"/>
+            <a:lightRig rig="threePt" dir="t"/>
+          </a:scene3d>
+          <a:sp3d extrusionH="1270000"/>
+        </p:spPr>
+        <p:style>
+          <a:lnRef idx="0">
+            <a:schemeClr val="accent6"/>
+          </a:lnRef>
+          <a:fillRef idx="3">
+            <a:schemeClr val="accent6"/>
+          </a:fillRef>
+          <a:effectRef idx="3">
+            <a:schemeClr val="accent6"/>
+          </a:effectRef>
+          <a:fontRef idx="minor">
+            <a:schemeClr val="lt1"/>
+          </a:fontRef>
+        </p:style>
+        <p:txBody>
+          <a:bodyPr rtlCol="0" anchor="ctr"/>
+          <a:lstStyle/>
+          <a:p>
+            <a:pPr algn="ctr"/>
+            <a:endParaRPr lang="de-DE" sz="1588"/>
+          </a:p>
+        </p:txBody>
+      </p:sp>
+    </p:spTree>
+    <p:extLst>
+      <p:ext uri="{BB962C8B-B14F-4D97-AF65-F5344CB8AC3E}">
+        <p14:creationId xmlns:p14="http://schemas.microsoft.com/office/powerpoint/2010/main" val="2661112814"/>
       </p:ext>
     </p:extLst>
   </p:cSld>

--- a/ImageResources/ProjectFiles/menu.pptx
+++ b/ImageResources/ProjectFiles/menu.pptx
@@ -16,21 +16,22 @@
     <p:sldId id="270" r:id="rId10"/>
     <p:sldId id="271" r:id="rId11"/>
     <p:sldId id="272" r:id="rId12"/>
-    <p:sldId id="273" r:id="rId13"/>
-    <p:sldId id="274" r:id="rId14"/>
-    <p:sldId id="281" r:id="rId15"/>
-    <p:sldId id="282" r:id="rId16"/>
-    <p:sldId id="276" r:id="rId17"/>
-    <p:sldId id="283" r:id="rId18"/>
-    <p:sldId id="277" r:id="rId19"/>
-    <p:sldId id="278" r:id="rId20"/>
-    <p:sldId id="279" r:id="rId21"/>
-    <p:sldId id="280" r:id="rId22"/>
-    <p:sldId id="284" r:id="rId23"/>
-    <p:sldId id="285" r:id="rId24"/>
-    <p:sldId id="286" r:id="rId25"/>
-    <p:sldId id="288" r:id="rId26"/>
-    <p:sldId id="289" r:id="rId27"/>
+    <p:sldId id="290" r:id="rId13"/>
+    <p:sldId id="273" r:id="rId14"/>
+    <p:sldId id="274" r:id="rId15"/>
+    <p:sldId id="281" r:id="rId16"/>
+    <p:sldId id="282" r:id="rId17"/>
+    <p:sldId id="276" r:id="rId18"/>
+    <p:sldId id="283" r:id="rId19"/>
+    <p:sldId id="277" r:id="rId20"/>
+    <p:sldId id="278" r:id="rId21"/>
+    <p:sldId id="279" r:id="rId22"/>
+    <p:sldId id="280" r:id="rId23"/>
+    <p:sldId id="284" r:id="rId24"/>
+    <p:sldId id="285" r:id="rId25"/>
+    <p:sldId id="286" r:id="rId26"/>
+    <p:sldId id="288" r:id="rId27"/>
+    <p:sldId id="289" r:id="rId28"/>
   </p:sldIdLst>
   <p:sldSz cx="9525000" cy="9525000"/>
   <p:notesSz cx="6858000" cy="9144000"/>
@@ -3848,6 +3849,120 @@
       </p:grpSpPr>
       <p:sp>
         <p:nvSpPr>
+          <p:cNvPr id="7" name="Ellipse 6"/>
+          <p:cNvSpPr/>
+          <p:nvPr/>
+        </p:nvSpPr>
+        <p:spPr>
+          <a:xfrm>
+            <a:off x="793663" y="793662"/>
+            <a:ext cx="7937675" cy="7937675"/>
+          </a:xfrm>
+          <a:prstGeom prst="ellipse">
+            <a:avLst/>
+          </a:prstGeom>
+          <a:solidFill>
+            <a:srgbClr val="0070C0"/>
+          </a:solidFill>
+          <a:ln>
+            <a:noFill/>
+          </a:ln>
+        </p:spPr>
+        <p:style>
+          <a:lnRef idx="2">
+            <a:schemeClr val="accent1">
+              <a:shade val="50000"/>
+            </a:schemeClr>
+          </a:lnRef>
+          <a:fillRef idx="1">
+            <a:schemeClr val="accent1"/>
+          </a:fillRef>
+          <a:effectRef idx="0">
+            <a:schemeClr val="accent1"/>
+          </a:effectRef>
+          <a:fontRef idx="minor">
+            <a:schemeClr val="lt1"/>
+          </a:fontRef>
+        </p:style>
+        <p:txBody>
+          <a:bodyPr rtlCol="0" anchor="ctr"/>
+          <a:lstStyle/>
+          <a:p>
+            <a:pPr algn="ctr"/>
+            <a:endParaRPr lang="de-DE" sz="12172" b="1" dirty="0"/>
+          </a:p>
+        </p:txBody>
+      </p:sp>
+      <p:sp>
+        <p:nvSpPr>
+          <p:cNvPr id="3" name="Textfeld 2"/>
+          <p:cNvSpPr txBox="1"/>
+          <p:nvPr/>
+        </p:nvSpPr>
+        <p:spPr>
+          <a:xfrm>
+            <a:off x="2902055" y="138157"/>
+            <a:ext cx="3720890" cy="9248686"/>
+          </a:xfrm>
+          <a:prstGeom prst="rect">
+            <a:avLst/>
+          </a:prstGeom>
+          <a:noFill/>
+        </p:spPr>
+        <p:txBody>
+          <a:bodyPr wrap="none" rtlCol="0">
+            <a:spAutoFit/>
+          </a:bodyPr>
+          <a:lstStyle/>
+          <a:p>
+            <a:r>
+              <a:rPr lang="de-DE" sz="59500" b="1" dirty="0" smtClean="0">
+                <a:solidFill>
+                  <a:schemeClr val="bg1"/>
+                </a:solidFill>
+              </a:rPr>
+              <a:t>?</a:t>
+            </a:r>
+            <a:endParaRPr lang="de-DE" sz="59500" b="1" dirty="0">
+              <a:solidFill>
+                <a:schemeClr val="bg1"/>
+              </a:solidFill>
+            </a:endParaRPr>
+          </a:p>
+        </p:txBody>
+      </p:sp>
+    </p:spTree>
+    <p:extLst>
+      <p:ext uri="{BB962C8B-B14F-4D97-AF65-F5344CB8AC3E}">
+        <p14:creationId xmlns:p14="http://schemas.microsoft.com/office/powerpoint/2010/main" val="3327584539"/>
+      </p:ext>
+    </p:extLst>
+  </p:cSld>
+  <p:clrMapOvr>
+    <a:masterClrMapping/>
+  </p:clrMapOvr>
+</p:sld>
+</file>
+
+<file path=ppt/slides/slide13.xml><?xml version="1.0" encoding="utf-8"?>
+<p:sld xmlns:a="http://schemas.openxmlformats.org/drawingml/2006/main" xmlns:r="http://schemas.openxmlformats.org/officeDocument/2006/relationships" xmlns:p="http://schemas.openxmlformats.org/presentationml/2006/main" showMasterSp="0">
+  <p:cSld>
+    <p:spTree>
+      <p:nvGrpSpPr>
+        <p:cNvPr id="1" name=""/>
+        <p:cNvGrpSpPr/>
+        <p:nvPr/>
+      </p:nvGrpSpPr>
+      <p:grpSpPr>
+        <a:xfrm>
+          <a:off x="0" y="0"/>
+          <a:ext cx="0" cy="0"/>
+          <a:chOff x="0" y="0"/>
+          <a:chExt cx="0" cy="0"/>
+        </a:xfrm>
+      </p:grpSpPr>
+      <p:sp>
+        <p:nvSpPr>
           <p:cNvPr id="2" name="Ellipse 1"/>
           <p:cNvSpPr/>
           <p:nvPr/>
@@ -3961,7 +4076,7 @@
 </p:sld>
 </file>
 
-<file path=ppt/slides/slide13.xml><?xml version="1.0" encoding="utf-8"?>
+<file path=ppt/slides/slide14.xml><?xml version="1.0" encoding="utf-8"?>
 <p:sld xmlns:a="http://schemas.openxmlformats.org/drawingml/2006/main" xmlns:r="http://schemas.openxmlformats.org/officeDocument/2006/relationships" xmlns:p="http://schemas.openxmlformats.org/presentationml/2006/main" showMasterSp="0">
   <p:cSld>
     <p:spTree>
@@ -4561,7 +4676,7 @@
 </p:sld>
 </file>
 
-<file path=ppt/slides/slide14.xml><?xml version="1.0" encoding="utf-8"?>
+<file path=ppt/slides/slide15.xml><?xml version="1.0" encoding="utf-8"?>
 <p:sld xmlns:a="http://schemas.openxmlformats.org/drawingml/2006/main" xmlns:r="http://schemas.openxmlformats.org/officeDocument/2006/relationships" xmlns:p="http://schemas.openxmlformats.org/presentationml/2006/main" showMasterSp="0">
   <p:cSld>
     <p:spTree>
@@ -5277,7 +5392,7 @@
 </p:sld>
 </file>
 
-<file path=ppt/slides/slide15.xml><?xml version="1.0" encoding="utf-8"?>
+<file path=ppt/slides/slide16.xml><?xml version="1.0" encoding="utf-8"?>
 <p:sld xmlns:a="http://schemas.openxmlformats.org/drawingml/2006/main" xmlns:r="http://schemas.openxmlformats.org/officeDocument/2006/relationships" xmlns:p="http://schemas.openxmlformats.org/presentationml/2006/main" showMasterSp="0">
   <p:cSld>
     <p:spTree>
@@ -6060,7 +6175,7 @@
 </p:sld>
 </file>
 
-<file path=ppt/slides/slide16.xml><?xml version="1.0" encoding="utf-8"?>
+<file path=ppt/slides/slide17.xml><?xml version="1.0" encoding="utf-8"?>
 <p:sld xmlns:a="http://schemas.openxmlformats.org/drawingml/2006/main" xmlns:r="http://schemas.openxmlformats.org/officeDocument/2006/relationships" xmlns:p="http://schemas.openxmlformats.org/presentationml/2006/main" showMasterSp="0">
   <p:cSld>
     <p:spTree>
@@ -6434,7 +6549,7 @@
 </p:sld>
 </file>
 
-<file path=ppt/slides/slide17.xml><?xml version="1.0" encoding="utf-8"?>
+<file path=ppt/slides/slide18.xml><?xml version="1.0" encoding="utf-8"?>
 <p:sld xmlns:a="http://schemas.openxmlformats.org/drawingml/2006/main" xmlns:r="http://schemas.openxmlformats.org/officeDocument/2006/relationships" xmlns:p="http://schemas.openxmlformats.org/presentationml/2006/main" showMasterSp="0">
   <p:cSld>
     <p:spTree>
@@ -6662,7 +6777,7 @@
 </p:sld>
 </file>
 
-<file path=ppt/slides/slide18.xml><?xml version="1.0" encoding="utf-8"?>
+<file path=ppt/slides/slide19.xml><?xml version="1.0" encoding="utf-8"?>
 <p:sld xmlns:a="http://schemas.openxmlformats.org/drawingml/2006/main" xmlns:r="http://schemas.openxmlformats.org/officeDocument/2006/relationships" xmlns:p="http://schemas.openxmlformats.org/presentationml/2006/main" showMasterSp="0">
   <p:cSld>
     <p:spTree>
@@ -6838,7 +6953,203 @@
 </p:sld>
 </file>
 
-<file path=ppt/slides/slide19.xml><?xml version="1.0" encoding="utf-8"?>
+<file path=ppt/slides/slide2.xml><?xml version="1.0" encoding="utf-8"?>
+<p:sld xmlns:a="http://schemas.openxmlformats.org/drawingml/2006/main" xmlns:r="http://schemas.openxmlformats.org/officeDocument/2006/relationships" xmlns:p="http://schemas.openxmlformats.org/presentationml/2006/main" showMasterSp="0">
+  <p:cSld>
+    <p:spTree>
+      <p:nvGrpSpPr>
+        <p:cNvPr id="1" name=""/>
+        <p:cNvGrpSpPr/>
+        <p:nvPr/>
+      </p:nvGrpSpPr>
+      <p:grpSpPr>
+        <a:xfrm>
+          <a:off x="0" y="0"/>
+          <a:ext cx="0" cy="0"/>
+          <a:chOff x="0" y="0"/>
+          <a:chExt cx="0" cy="0"/>
+        </a:xfrm>
+      </p:grpSpPr>
+      <p:sp>
+        <p:nvSpPr>
+          <p:cNvPr id="2" name="Gleichschenkliges Dreieck 1"/>
+          <p:cNvSpPr>
+            <a:spLocks noChangeAspect="1"/>
+          </p:cNvSpPr>
+          <p:nvPr/>
+        </p:nvSpPr>
+        <p:spPr>
+          <a:xfrm rot="5400000">
+            <a:off x="926502" y="929794"/>
+            <a:ext cx="4372854" cy="4345499"/>
+          </a:xfrm>
+          <a:prstGeom prst="triangle">
+            <a:avLst/>
+          </a:prstGeom>
+          <a:ln>
+            <a:noFill/>
+          </a:ln>
+        </p:spPr>
+        <p:style>
+          <a:lnRef idx="3">
+            <a:schemeClr val="lt1"/>
+          </a:lnRef>
+          <a:fillRef idx="1">
+            <a:schemeClr val="accent5"/>
+          </a:fillRef>
+          <a:effectRef idx="1">
+            <a:schemeClr val="accent5"/>
+          </a:effectRef>
+          <a:fontRef idx="minor">
+            <a:schemeClr val="lt1"/>
+          </a:fontRef>
+        </p:style>
+        <p:txBody>
+          <a:bodyPr rtlCol="0" anchor="ctr"/>
+          <a:lstStyle/>
+          <a:p>
+            <a:pPr algn="ctr"/>
+            <a:endParaRPr lang="de-DE"/>
+          </a:p>
+        </p:txBody>
+      </p:sp>
+      <p:sp>
+        <p:nvSpPr>
+          <p:cNvPr id="4" name="Rechteck 3"/>
+          <p:cNvSpPr/>
+          <p:nvPr/>
+        </p:nvSpPr>
+        <p:spPr>
+          <a:xfrm>
+            <a:off x="1304692" y="7103327"/>
+            <a:ext cx="7181385" cy="1081668"/>
+          </a:xfrm>
+          <a:prstGeom prst="rect">
+            <a:avLst/>
+          </a:prstGeom>
+          <a:ln>
+            <a:noFill/>
+          </a:ln>
+        </p:spPr>
+        <p:style>
+          <a:lnRef idx="3">
+            <a:schemeClr val="lt1"/>
+          </a:lnRef>
+          <a:fillRef idx="1">
+            <a:schemeClr val="accent5"/>
+          </a:fillRef>
+          <a:effectRef idx="1">
+            <a:schemeClr val="accent5"/>
+          </a:effectRef>
+          <a:fontRef idx="minor">
+            <a:schemeClr val="lt1"/>
+          </a:fontRef>
+        </p:style>
+        <p:txBody>
+          <a:bodyPr rtlCol="0" anchor="ctr"/>
+          <a:lstStyle/>
+          <a:p>
+            <a:pPr algn="ctr"/>
+            <a:endParaRPr lang="de-DE"/>
+          </a:p>
+        </p:txBody>
+      </p:sp>
+      <p:sp>
+        <p:nvSpPr>
+          <p:cNvPr id="5" name="Rechteck 4"/>
+          <p:cNvSpPr/>
+          <p:nvPr/>
+        </p:nvSpPr>
+        <p:spPr>
+          <a:xfrm>
+            <a:off x="2509024" y="5371171"/>
+            <a:ext cx="5977052" cy="1081668"/>
+          </a:xfrm>
+          <a:prstGeom prst="rect">
+            <a:avLst/>
+          </a:prstGeom>
+          <a:ln>
+            <a:noFill/>
+          </a:ln>
+        </p:spPr>
+        <p:style>
+          <a:lnRef idx="3">
+            <a:schemeClr val="lt1"/>
+          </a:lnRef>
+          <a:fillRef idx="1">
+            <a:schemeClr val="accent5"/>
+          </a:fillRef>
+          <a:effectRef idx="1">
+            <a:schemeClr val="accent5"/>
+          </a:effectRef>
+          <a:fontRef idx="minor">
+            <a:schemeClr val="lt1"/>
+          </a:fontRef>
+        </p:style>
+        <p:txBody>
+          <a:bodyPr rtlCol="0" anchor="ctr"/>
+          <a:lstStyle/>
+          <a:p>
+            <a:pPr algn="ctr"/>
+            <a:endParaRPr lang="de-DE"/>
+          </a:p>
+        </p:txBody>
+      </p:sp>
+      <p:sp>
+        <p:nvSpPr>
+          <p:cNvPr id="6" name="Rechteck 5"/>
+          <p:cNvSpPr/>
+          <p:nvPr/>
+        </p:nvSpPr>
+        <p:spPr>
+          <a:xfrm>
+            <a:off x="4762500" y="3707569"/>
+            <a:ext cx="3723575" cy="1081668"/>
+          </a:xfrm>
+          <a:prstGeom prst="rect">
+            <a:avLst/>
+          </a:prstGeom>
+          <a:ln>
+            <a:noFill/>
+          </a:ln>
+        </p:spPr>
+        <p:style>
+          <a:lnRef idx="3">
+            <a:schemeClr val="lt1"/>
+          </a:lnRef>
+          <a:fillRef idx="1">
+            <a:schemeClr val="accent5"/>
+          </a:fillRef>
+          <a:effectRef idx="1">
+            <a:schemeClr val="accent5"/>
+          </a:effectRef>
+          <a:fontRef idx="minor">
+            <a:schemeClr val="lt1"/>
+          </a:fontRef>
+        </p:style>
+        <p:txBody>
+          <a:bodyPr rtlCol="0" anchor="ctr"/>
+          <a:lstStyle/>
+          <a:p>
+            <a:pPr algn="ctr"/>
+            <a:endParaRPr lang="de-DE"/>
+          </a:p>
+        </p:txBody>
+      </p:sp>
+    </p:spTree>
+    <p:extLst>
+      <p:ext uri="{BB962C8B-B14F-4D97-AF65-F5344CB8AC3E}">
+        <p14:creationId xmlns:p14="http://schemas.microsoft.com/office/powerpoint/2010/main" val="3820475310"/>
+      </p:ext>
+    </p:extLst>
+  </p:cSld>
+  <p:clrMapOvr>
+    <a:masterClrMapping/>
+  </p:clrMapOvr>
+</p:sld>
+</file>
+
+<file path=ppt/slides/slide20.xml><?xml version="1.0" encoding="utf-8"?>
 <p:sld xmlns:a="http://schemas.openxmlformats.org/drawingml/2006/main" xmlns:r="http://schemas.openxmlformats.org/officeDocument/2006/relationships" xmlns:p="http://schemas.openxmlformats.org/presentationml/2006/main" showMasterSp="0">
   <p:cSld>
     <p:spTree>
@@ -7009,7 +7320,7 @@
 </p:sld>
 </file>
 
-<file path=ppt/slides/slide2.xml><?xml version="1.0" encoding="utf-8"?>
+<file path=ppt/slides/slide21.xml><?xml version="1.0" encoding="utf-8"?>
 <p:sld xmlns:a="http://schemas.openxmlformats.org/drawingml/2006/main" xmlns:r="http://schemas.openxmlformats.org/officeDocument/2006/relationships" xmlns:p="http://schemas.openxmlformats.org/presentationml/2006/main" showMasterSp="0">
   <p:cSld>
     <p:spTree>
@@ -7028,202 +7339,6 @@
       </p:grpSpPr>
       <p:sp>
         <p:nvSpPr>
-          <p:cNvPr id="2" name="Gleichschenkliges Dreieck 1"/>
-          <p:cNvSpPr>
-            <a:spLocks noChangeAspect="1"/>
-          </p:cNvSpPr>
-          <p:nvPr/>
-        </p:nvSpPr>
-        <p:spPr>
-          <a:xfrm rot="5400000">
-            <a:off x="926502" y="929794"/>
-            <a:ext cx="4372854" cy="4345499"/>
-          </a:xfrm>
-          <a:prstGeom prst="triangle">
-            <a:avLst/>
-          </a:prstGeom>
-          <a:ln>
-            <a:noFill/>
-          </a:ln>
-        </p:spPr>
-        <p:style>
-          <a:lnRef idx="3">
-            <a:schemeClr val="lt1"/>
-          </a:lnRef>
-          <a:fillRef idx="1">
-            <a:schemeClr val="accent5"/>
-          </a:fillRef>
-          <a:effectRef idx="1">
-            <a:schemeClr val="accent5"/>
-          </a:effectRef>
-          <a:fontRef idx="minor">
-            <a:schemeClr val="lt1"/>
-          </a:fontRef>
-        </p:style>
-        <p:txBody>
-          <a:bodyPr rtlCol="0" anchor="ctr"/>
-          <a:lstStyle/>
-          <a:p>
-            <a:pPr algn="ctr"/>
-            <a:endParaRPr lang="de-DE"/>
-          </a:p>
-        </p:txBody>
-      </p:sp>
-      <p:sp>
-        <p:nvSpPr>
-          <p:cNvPr id="4" name="Rechteck 3"/>
-          <p:cNvSpPr/>
-          <p:nvPr/>
-        </p:nvSpPr>
-        <p:spPr>
-          <a:xfrm>
-            <a:off x="1304692" y="7103327"/>
-            <a:ext cx="7181385" cy="1081668"/>
-          </a:xfrm>
-          <a:prstGeom prst="rect">
-            <a:avLst/>
-          </a:prstGeom>
-          <a:ln>
-            <a:noFill/>
-          </a:ln>
-        </p:spPr>
-        <p:style>
-          <a:lnRef idx="3">
-            <a:schemeClr val="lt1"/>
-          </a:lnRef>
-          <a:fillRef idx="1">
-            <a:schemeClr val="accent5"/>
-          </a:fillRef>
-          <a:effectRef idx="1">
-            <a:schemeClr val="accent5"/>
-          </a:effectRef>
-          <a:fontRef idx="minor">
-            <a:schemeClr val="lt1"/>
-          </a:fontRef>
-        </p:style>
-        <p:txBody>
-          <a:bodyPr rtlCol="0" anchor="ctr"/>
-          <a:lstStyle/>
-          <a:p>
-            <a:pPr algn="ctr"/>
-            <a:endParaRPr lang="de-DE"/>
-          </a:p>
-        </p:txBody>
-      </p:sp>
-      <p:sp>
-        <p:nvSpPr>
-          <p:cNvPr id="5" name="Rechteck 4"/>
-          <p:cNvSpPr/>
-          <p:nvPr/>
-        </p:nvSpPr>
-        <p:spPr>
-          <a:xfrm>
-            <a:off x="2509024" y="5371171"/>
-            <a:ext cx="5977052" cy="1081668"/>
-          </a:xfrm>
-          <a:prstGeom prst="rect">
-            <a:avLst/>
-          </a:prstGeom>
-          <a:ln>
-            <a:noFill/>
-          </a:ln>
-        </p:spPr>
-        <p:style>
-          <a:lnRef idx="3">
-            <a:schemeClr val="lt1"/>
-          </a:lnRef>
-          <a:fillRef idx="1">
-            <a:schemeClr val="accent5"/>
-          </a:fillRef>
-          <a:effectRef idx="1">
-            <a:schemeClr val="accent5"/>
-          </a:effectRef>
-          <a:fontRef idx="minor">
-            <a:schemeClr val="lt1"/>
-          </a:fontRef>
-        </p:style>
-        <p:txBody>
-          <a:bodyPr rtlCol="0" anchor="ctr"/>
-          <a:lstStyle/>
-          <a:p>
-            <a:pPr algn="ctr"/>
-            <a:endParaRPr lang="de-DE"/>
-          </a:p>
-        </p:txBody>
-      </p:sp>
-      <p:sp>
-        <p:nvSpPr>
-          <p:cNvPr id="6" name="Rechteck 5"/>
-          <p:cNvSpPr/>
-          <p:nvPr/>
-        </p:nvSpPr>
-        <p:spPr>
-          <a:xfrm>
-            <a:off x="4762500" y="3707569"/>
-            <a:ext cx="3723575" cy="1081668"/>
-          </a:xfrm>
-          <a:prstGeom prst="rect">
-            <a:avLst/>
-          </a:prstGeom>
-          <a:ln>
-            <a:noFill/>
-          </a:ln>
-        </p:spPr>
-        <p:style>
-          <a:lnRef idx="3">
-            <a:schemeClr val="lt1"/>
-          </a:lnRef>
-          <a:fillRef idx="1">
-            <a:schemeClr val="accent5"/>
-          </a:fillRef>
-          <a:effectRef idx="1">
-            <a:schemeClr val="accent5"/>
-          </a:effectRef>
-          <a:fontRef idx="minor">
-            <a:schemeClr val="lt1"/>
-          </a:fontRef>
-        </p:style>
-        <p:txBody>
-          <a:bodyPr rtlCol="0" anchor="ctr"/>
-          <a:lstStyle/>
-          <a:p>
-            <a:pPr algn="ctr"/>
-            <a:endParaRPr lang="de-DE"/>
-          </a:p>
-        </p:txBody>
-      </p:sp>
-    </p:spTree>
-    <p:extLst>
-      <p:ext uri="{BB962C8B-B14F-4D97-AF65-F5344CB8AC3E}">
-        <p14:creationId xmlns:p14="http://schemas.microsoft.com/office/powerpoint/2010/main" val="3820475310"/>
-      </p:ext>
-    </p:extLst>
-  </p:cSld>
-  <p:clrMapOvr>
-    <a:masterClrMapping/>
-  </p:clrMapOvr>
-</p:sld>
-</file>
-
-<file path=ppt/slides/slide20.xml><?xml version="1.0" encoding="utf-8"?>
-<p:sld xmlns:a="http://schemas.openxmlformats.org/drawingml/2006/main" xmlns:r="http://schemas.openxmlformats.org/officeDocument/2006/relationships" xmlns:p="http://schemas.openxmlformats.org/presentationml/2006/main" showMasterSp="0">
-  <p:cSld>
-    <p:spTree>
-      <p:nvGrpSpPr>
-        <p:cNvPr id="1" name=""/>
-        <p:cNvGrpSpPr/>
-        <p:nvPr/>
-      </p:nvGrpSpPr>
-      <p:grpSpPr>
-        <a:xfrm>
-          <a:off x="0" y="0"/>
-          <a:ext cx="0" cy="0"/>
-          <a:chOff x="0" y="0"/>
-          <a:chExt cx="0" cy="0"/>
-        </a:xfrm>
-      </p:grpSpPr>
-      <p:sp>
-        <p:nvSpPr>
           <p:cNvPr id="4" name="Rechteck 3"/>
           <p:cNvSpPr/>
           <p:nvPr/>
@@ -7373,7 +7488,7 @@
 </p:sld>
 </file>
 
-<file path=ppt/slides/slide21.xml><?xml version="1.0" encoding="utf-8"?>
+<file path=ppt/slides/slide22.xml><?xml version="1.0" encoding="utf-8"?>
 <p:sld xmlns:a="http://schemas.openxmlformats.org/drawingml/2006/main" xmlns:r="http://schemas.openxmlformats.org/officeDocument/2006/relationships" xmlns:p="http://schemas.openxmlformats.org/presentationml/2006/main" showMasterSp="0">
   <p:cSld>
     <p:spTree>
@@ -8153,7 +8268,7 @@
 </p:sld>
 </file>
 
-<file path=ppt/slides/slide22.xml><?xml version="1.0" encoding="utf-8"?>
+<file path=ppt/slides/slide23.xml><?xml version="1.0" encoding="utf-8"?>
 <p:sld xmlns:a="http://schemas.openxmlformats.org/drawingml/2006/main" xmlns:r="http://schemas.openxmlformats.org/officeDocument/2006/relationships" xmlns:p="http://schemas.openxmlformats.org/presentationml/2006/main">
   <p:cSld>
     <p:spTree>
@@ -8417,7 +8532,7 @@
 </p:sld>
 </file>
 
-<file path=ppt/slides/slide23.xml><?xml version="1.0" encoding="utf-8"?>
+<file path=ppt/slides/slide24.xml><?xml version="1.0" encoding="utf-8"?>
 <p:sld xmlns:a="http://schemas.openxmlformats.org/drawingml/2006/main" xmlns:r="http://schemas.openxmlformats.org/officeDocument/2006/relationships" xmlns:p="http://schemas.openxmlformats.org/presentationml/2006/main" showMasterSp="0">
   <p:cSld>
     <p:spTree>
@@ -8499,7 +8614,7 @@
 </p:sld>
 </file>
 
-<file path=ppt/slides/slide24.xml><?xml version="1.0" encoding="utf-8"?>
+<file path=ppt/slides/slide25.xml><?xml version="1.0" encoding="utf-8"?>
 <p:sld xmlns:a="http://schemas.openxmlformats.org/drawingml/2006/main" xmlns:r="http://schemas.openxmlformats.org/officeDocument/2006/relationships" xmlns:p="http://schemas.openxmlformats.org/presentationml/2006/main" showMasterSp="0">
   <p:cSld>
     <p:spTree>
@@ -8626,7 +8741,7 @@
 </p:sld>
 </file>
 
-<file path=ppt/slides/slide25.xml><?xml version="1.0" encoding="utf-8"?>
+<file path=ppt/slides/slide26.xml><?xml version="1.0" encoding="utf-8"?>
 <p:sld xmlns:a="http://schemas.openxmlformats.org/drawingml/2006/main" xmlns:r="http://schemas.openxmlformats.org/officeDocument/2006/relationships" xmlns:p="http://schemas.openxmlformats.org/presentationml/2006/main" showMasterSp="0">
   <p:cSld>
     <p:spTree>
@@ -8757,7 +8872,7 @@
 </p:sld>
 </file>
 
-<file path=ppt/slides/slide26.xml><?xml version="1.0" encoding="utf-8"?>
+<file path=ppt/slides/slide27.xml><?xml version="1.0" encoding="utf-8"?>
 <p:sld xmlns:a="http://schemas.openxmlformats.org/drawingml/2006/main" xmlns:r="http://schemas.openxmlformats.org/officeDocument/2006/relationships" xmlns:p="http://schemas.openxmlformats.org/presentationml/2006/main" showMasterSp="0">
   <p:cSld>
     <p:spTree>
@@ -9888,7 +10003,9 @@
             </a:pathLst>
           </a:custGeom>
           <a:solidFill>
-            <a:schemeClr val="bg1"/>
+            <a:schemeClr val="bg1">
+              <a:lumMod val="75000"/>
+            </a:schemeClr>
           </a:solidFill>
           <a:ln>
             <a:noFill/>
@@ -10143,7 +10260,9 @@
             </a:pathLst>
           </a:custGeom>
           <a:solidFill>
-            <a:schemeClr val="bg1"/>
+            <a:schemeClr val="bg1">
+              <a:lumMod val="75000"/>
+            </a:schemeClr>
           </a:solidFill>
           <a:ln>
             <a:noFill/>
@@ -10224,22 +10343,32 @@
       </p:sp>
       <p:sp>
         <p:nvSpPr>
-          <p:cNvPr id="16" name="Pfeil: nach oben 15"/>
+          <p:cNvPr id="5" name="Additionszeichen 3"/>
           <p:cNvSpPr/>
           <p:nvPr/>
         </p:nvSpPr>
         <p:spPr>
-          <a:xfrm rot="5400000">
-            <a:off x="4762500" y="5510164"/>
-            <a:ext cx="3612303" cy="3511495"/>
-          </a:xfrm>
-          <a:prstGeom prst="upArrow">
-            <a:avLst/>
+          <a:xfrm>
+            <a:off x="1942995" y="2680503"/>
+            <a:ext cx="7582005" cy="7634336"/>
+          </a:xfrm>
+          <a:prstGeom prst="mathMultiply">
+            <a:avLst>
+              <a:gd name="adj1" fmla="val 20476"/>
+            </a:avLst>
           </a:prstGeom>
           <a:solidFill>
             <a:srgbClr val="FF0000"/>
           </a:solidFill>
+          <a:ln>
+            <a:noFill/>
+          </a:ln>
           <a:effectLst/>
+          <a:scene3d>
+            <a:camera prst="orthographicFront"/>
+            <a:lightRig rig="threePt" dir="t"/>
+          </a:scene3d>
+          <a:sp3d extrusionH="1270000"/>
         </p:spPr>
         <p:style>
           <a:lnRef idx="0">
